--- a/01.JavaScript发展历程及语言特点/01.JavaScript发展历程及语言特点.pptx
+++ b/01.JavaScript发展历程及语言特点/01.JavaScript发展历程及语言特点.pptx
@@ -6,15 +6,15 @@
     <p:sldMasterId id="2147483652" r:id="rId3"/>
   </p:sldMasterIdLst>
   <p:notesMasterIdLst>
-    <p:notesMasterId r:id="rId7"/>
+    <p:notesMasterId r:id="rId6"/>
   </p:notesMasterIdLst>
   <p:handoutMasterIdLst>
-    <p:handoutMasterId r:id="rId28"/>
+    <p:handoutMasterId r:id="rId29"/>
   </p:handoutMasterIdLst>
   <p:sldIdLst>
     <p:sldId id="911" r:id="rId4"/>
-    <p:sldId id="925" r:id="rId5"/>
-    <p:sldId id="284" r:id="rId6"/>
+    <p:sldId id="284" r:id="rId5"/>
+    <p:sldId id="925" r:id="rId7"/>
     <p:sldId id="932" r:id="rId8"/>
     <p:sldId id="953" r:id="rId9"/>
     <p:sldId id="971" r:id="rId10"/>
@@ -34,12 +34,13 @@
     <p:sldId id="938" r:id="rId24"/>
     <p:sldId id="940" r:id="rId25"/>
     <p:sldId id="941" r:id="rId26"/>
-    <p:sldId id="862" r:id="rId27"/>
+    <p:sldId id="989" r:id="rId27"/>
+    <p:sldId id="862" r:id="rId28"/>
   </p:sldIdLst>
   <p:sldSz cx="12192000" cy="6858000"/>
   <p:notesSz cx="6858000" cy="9144000"/>
   <p:custDataLst>
-    <p:tags r:id="rId32"/>
+    <p:tags r:id="rId33"/>
   </p:custDataLst>
   <p:defaultTextStyle>
     <a:defPPr>
@@ -907,6 +908,50 @@
 </file>
 
 <file path=ppt/notesSlides/notesSlide6.xml><?xml version="1.0" encoding="utf-8"?>
+<p:notes xmlns:a="http://schemas.openxmlformats.org/drawingml/2006/main" xmlns:r="http://schemas.openxmlformats.org/officeDocument/2006/relationships" xmlns:p="http://schemas.openxmlformats.org/presentationml/2006/main">
+  <p:cSld>
+    <p:spTree>
+      <p:nvGrpSpPr>
+        <p:cNvPr id="1" name=""/>
+        <p:cNvGrpSpPr/>
+        <p:nvPr/>
+      </p:nvGrpSpPr>
+      <p:grpSpPr/>
+      <p:sp>
+        <p:nvSpPr>
+          <p:cNvPr id="2" name="幻灯片图像占位符 1"/>
+          <p:cNvSpPr/>
+          <p:nvPr>
+            <p:ph type="sldImg" idx="2"/>
+          </p:nvPr>
+        </p:nvSpPr>
+        <p:spPr/>
+      </p:sp>
+      <p:sp>
+        <p:nvSpPr>
+          <p:cNvPr id="3" name="文本占位符 2"/>
+          <p:cNvSpPr/>
+          <p:nvPr>
+            <p:ph type="body" idx="3"/>
+          </p:nvPr>
+        </p:nvSpPr>
+        <p:spPr/>
+        <p:txBody>
+          <a:bodyPr/>
+          <a:p>
+            <a:endParaRPr lang="zh-CN" altLang="en-US"/>
+          </a:p>
+        </p:txBody>
+      </p:sp>
+    </p:spTree>
+  </p:cSld>
+  <p:clrMapOvr>
+    <a:masterClrMapping/>
+  </p:clrMapOvr>
+</p:notes>
+</file>
+
+<file path=ppt/notesSlides/notesSlide7.xml><?xml version="1.0" encoding="utf-8"?>
 <p:notes xmlns:a="http://schemas.openxmlformats.org/drawingml/2006/main" xmlns:r="http://schemas.openxmlformats.org/officeDocument/2006/relationships" xmlns:p="http://schemas.openxmlformats.org/presentationml/2006/main">
   <p:cSld>
     <p:spTree>
@@ -11539,233 +11584,202 @@
         <p:cNvGrpSpPr/>
         <p:nvPr/>
       </p:nvGrpSpPr>
-      <p:grpSpPr/>
-      <p:sp>
-        <p:nvSpPr>
-          <p:cNvPr id="3" name="内容占位符 2"/>
-          <p:cNvSpPr>
-            <a:spLocks noGrp="1"/>
-          </p:cNvSpPr>
-          <p:nvPr>
-            <p:ph sz="quarter" idx="11"/>
-          </p:nvPr>
-        </p:nvSpPr>
-        <p:spPr>
+      <p:grpSpPr>
+        <a:xfrm>
+          <a:off x="0" y="0"/>
+          <a:ext cx="0" cy="0"/>
+          <a:chOff x="0" y="0"/>
+          <a:chExt cx="0" cy="0"/>
+        </a:xfrm>
+      </p:grpSpPr>
+      <p:pic>
+        <p:nvPicPr>
+          <p:cNvPr id="4098" name="Picture 4"/>
+          <p:cNvPicPr>
+            <a:picLocks noChangeAspect="1" noChangeArrowheads="1"/>
+          </p:cNvPicPr>
+          <p:nvPr/>
+        </p:nvPicPr>
+        <p:blipFill>
+          <a:blip r:embed="rId1">
+            <a:extLst>
+              <a:ext uri="{28A0092B-C50C-407E-A947-70E740481C1C}">
+                <a14:useLocalDpi xmlns:a14="http://schemas.microsoft.com/office/drawing/2010/main" val="0"/>
+              </a:ext>
+            </a:extLst>
+          </a:blip>
+          <a:srcRect/>
+          <a:stretch>
+            <a:fillRect/>
+          </a:stretch>
+        </p:blipFill>
+        <p:spPr bwMode="auto">
           <a:xfrm>
-            <a:off x="1090715" y="236943"/>
-            <a:ext cx="8191557" cy="490476"/>
-          </a:xfrm>
-        </p:spPr>
-        <p:txBody>
-          <a:bodyPr/>
-          <a:p>
-            <a:r>
-              <a:rPr lang="zh-CN" dirty="0" smtClean="0">
-                <a:sym typeface="+mn-ea"/>
-              </a:rPr>
-              <a:t>成绩分布</a:t>
-            </a:r>
-            <a:endParaRPr lang="zh-CN" altLang="en-US" dirty="0"/>
-          </a:p>
-          <a:p>
-            <a:endParaRPr lang="zh-CN" altLang="en-US"/>
-          </a:p>
-        </p:txBody>
-      </p:sp>
-      <p:sp>
-        <p:nvSpPr>
-          <p:cNvPr id="5" name="文本框 4"/>
-          <p:cNvSpPr txBox="1"/>
-          <p:nvPr/>
-        </p:nvSpPr>
-        <p:spPr>
-          <a:xfrm>
-            <a:off x="1254125" y="1130935"/>
-            <a:ext cx="6021070" cy="3538220"/>
+            <a:off x="0" y="0"/>
+            <a:ext cx="12192000" cy="6858000"/>
           </a:xfrm>
           <a:prstGeom prst="rect">
             <a:avLst/>
           </a:prstGeom>
           <a:noFill/>
+          <a:ln>
+            <a:noFill/>
+          </a:ln>
+          <a:extLst>
+            <a:ext uri="{909E8E84-426E-40DD-AFC4-6F175D3DCCD1}">
+              <a14:hiddenFill xmlns:a14="http://schemas.microsoft.com/office/drawing/2010/main">
+                <a:solidFill>
+                  <a:srgbClr val="FFFFFF"/>
+                </a:solidFill>
+              </a14:hiddenFill>
+            </a:ext>
+            <a:ext uri="{91240B29-F687-4F45-9708-019B960494DF}">
+              <a14:hiddenLine xmlns:a14="http://schemas.microsoft.com/office/drawing/2010/main" w="9525">
+                <a:solidFill>
+                  <a:srgbClr val="000000"/>
+                </a:solidFill>
+                <a:miter lim="800000"/>
+                <a:headEnd/>
+                <a:tailEnd/>
+              </a14:hiddenLine>
+            </a:ext>
+          </a:extLst>
+        </p:spPr>
+      </p:pic>
+      <p:sp>
+        <p:nvSpPr>
+          <p:cNvPr id="4099" name="Rectangle 2"/>
+          <p:cNvSpPr>
+            <a:spLocks noGrp="1" noChangeArrowheads="1"/>
+          </p:cNvSpPr>
+          <p:nvPr>
+            <p:ph type="ctrTitle" idx="4294967295"/>
+          </p:nvPr>
+        </p:nvSpPr>
+        <p:spPr bwMode="auto">
+          <a:xfrm>
+            <a:off x="1809753" y="2428876"/>
+            <a:ext cx="7286625" cy="1116013"/>
+          </a:xfrm>
+          <a:prstGeom prst="rect">
+            <a:avLst/>
+          </a:prstGeom>
+          <a:noFill/>
+          <a:extLst>
+            <a:ext uri="{909E8E84-426E-40DD-AFC4-6F175D3DCCD1}">
+              <a14:hiddenFill xmlns:a14="http://schemas.microsoft.com/office/drawing/2010/main">
+                <a:solidFill>
+                  <a:srgbClr val="FFFFFF"/>
+                </a:solidFill>
+              </a14:hiddenFill>
+            </a:ext>
+            <a:ext uri="{91240B29-F687-4F45-9708-019B960494DF}">
+              <a14:hiddenLine xmlns:a14="http://schemas.microsoft.com/office/drawing/2010/main" w="9525">
+                <a:solidFill>
+                  <a:srgbClr val="000000"/>
+                </a:solidFill>
+                <a:miter lim="800000"/>
+                <a:headEnd/>
+                <a:tailEnd/>
+              </a14:hiddenLine>
+            </a:ext>
+          </a:extLst>
         </p:spPr>
         <p:txBody>
-          <a:bodyPr wrap="square" rtlCol="0" anchor="t">
-            <a:spAutoFit/>
-          </a:bodyPr>
-          <a:p>
-            <a:pPr>
-              <a:lnSpc>
-                <a:spcPct val="200000"/>
-              </a:lnSpc>
-            </a:pPr>
-            <a:r>
-              <a:rPr lang="zh-CN" altLang="en-US" sz="2800" b="1" dirty="0">
+          <a:bodyPr anchor="b"/>
+          <a:lstStyle/>
+          <a:p>
+            <a:pPr algn="ctr" eaLnBrk="1" hangingPunct="1"/>
+            <a:r>
+              <a:rPr lang="en-US" sz="4800" b="1">
+                <a:solidFill>
+                  <a:srgbClr val="008469"/>
+                </a:solidFill>
                 <a:latin typeface="微软雅黑" panose="020B0503020204020204" pitchFamily="34" charset="-122"/>
                 <a:ea typeface="微软雅黑" panose="020B0503020204020204" pitchFamily="34" charset="-122"/>
-                <a:cs typeface="微软雅黑" panose="020B0503020204020204" pitchFamily="34" charset="-122"/>
-                <a:sym typeface="+mn-ea"/>
-              </a:rPr>
-              <a:t>过程式教学：</a:t>
-            </a:r>
-            <a:endParaRPr lang="zh-CN" altLang="en-US" sz="2800" b="1" dirty="0">
+              </a:rPr>
+              <a:t>JavaScript</a:t>
+            </a:r>
+            <a:r>
+              <a:rPr lang="zh-CN" altLang="en-US" sz="4800" b="1">
+                <a:solidFill>
+                  <a:srgbClr val="008469"/>
+                </a:solidFill>
+                <a:latin typeface="微软雅黑" panose="020B0503020204020204" pitchFamily="34" charset="-122"/>
+                <a:ea typeface="微软雅黑" panose="020B0503020204020204" pitchFamily="34" charset="-122"/>
+              </a:rPr>
+              <a:t>进阶</a:t>
+            </a:r>
+            <a:endParaRPr lang="zh-CN" altLang="en-US" sz="4800" b="1">
+              <a:solidFill>
+                <a:srgbClr val="008469"/>
+              </a:solidFill>
               <a:latin typeface="微软雅黑" panose="020B0503020204020204" pitchFamily="34" charset="-122"/>
               <a:ea typeface="微软雅黑" panose="020B0503020204020204" pitchFamily="34" charset="-122"/>
-              <a:cs typeface="微软雅黑" panose="020B0503020204020204" pitchFamily="34" charset="-122"/>
-              <a:sym typeface="+mn-ea"/>
-            </a:endParaRPr>
-          </a:p>
-          <a:p>
-            <a:pPr>
-              <a:lnSpc>
-                <a:spcPct val="200000"/>
-              </a:lnSpc>
-            </a:pPr>
-            <a:r>
-              <a:rPr lang="zh-CN" altLang="en-US" sz="2800" b="1" dirty="0">
-                <a:latin typeface="微软雅黑" panose="020B0503020204020204" pitchFamily="34" charset="-122"/>
-                <a:ea typeface="微软雅黑" panose="020B0503020204020204" pitchFamily="34" charset="-122"/>
-                <a:cs typeface="微软雅黑" panose="020B0503020204020204" pitchFamily="34" charset="-122"/>
-                <a:sym typeface="+mn-ea"/>
-              </a:rPr>
-              <a:t>       期末试卷成绩：</a:t>
-            </a:r>
-            <a:r>
-              <a:rPr lang="en-US" altLang="zh-CN" sz="2800" b="1" dirty="0">
-                <a:latin typeface="微软雅黑" panose="020B0503020204020204" pitchFamily="34" charset="-122"/>
-                <a:ea typeface="微软雅黑" panose="020B0503020204020204" pitchFamily="34" charset="-122"/>
-                <a:cs typeface="微软雅黑" panose="020B0503020204020204" pitchFamily="34" charset="-122"/>
-                <a:sym typeface="+mn-ea"/>
-              </a:rPr>
-              <a:t>3</a:t>
-            </a:r>
-            <a:r>
-              <a:rPr lang="en-US" altLang="zh-CN" sz="2800" b="1" dirty="0">
-                <a:latin typeface="微软雅黑" panose="020B0503020204020204" pitchFamily="34" charset="-122"/>
-                <a:ea typeface="微软雅黑" panose="020B0503020204020204" pitchFamily="34" charset="-122"/>
-                <a:cs typeface="微软雅黑" panose="020B0503020204020204" pitchFamily="34" charset="-122"/>
-                <a:sym typeface="+mn-ea"/>
-              </a:rPr>
-              <a:t>0%</a:t>
-            </a:r>
-            <a:endParaRPr lang="en-US" altLang="zh-CN" sz="2800" b="1" dirty="0">
-              <a:latin typeface="微软雅黑" panose="020B0503020204020204" pitchFamily="34" charset="-122"/>
-              <a:ea typeface="微软雅黑" panose="020B0503020204020204" pitchFamily="34" charset="-122"/>
-              <a:cs typeface="微软雅黑" panose="020B0503020204020204" pitchFamily="34" charset="-122"/>
-              <a:sym typeface="+mn-ea"/>
-            </a:endParaRPr>
-          </a:p>
-          <a:p>
-            <a:pPr>
-              <a:lnSpc>
-                <a:spcPct val="200000"/>
-              </a:lnSpc>
-            </a:pPr>
-            <a:r>
-              <a:rPr lang="zh-CN" altLang="en-US" sz="2800" b="1" dirty="0">
-                <a:latin typeface="微软雅黑" panose="020B0503020204020204" pitchFamily="34" charset="-122"/>
-                <a:ea typeface="微软雅黑" panose="020B0503020204020204" pitchFamily="34" charset="-122"/>
-                <a:cs typeface="微软雅黑" panose="020B0503020204020204" pitchFamily="34" charset="-122"/>
-                <a:sym typeface="+mn-ea"/>
-              </a:rPr>
-              <a:t>       雪梨作业成绩：</a:t>
-            </a:r>
-            <a:r>
-              <a:rPr lang="en-US" altLang="zh-CN" sz="2800" b="1" dirty="0">
-                <a:latin typeface="微软雅黑" panose="020B0503020204020204" pitchFamily="34" charset="-122"/>
-                <a:ea typeface="微软雅黑" panose="020B0503020204020204" pitchFamily="34" charset="-122"/>
-                <a:cs typeface="微软雅黑" panose="020B0503020204020204" pitchFamily="34" charset="-122"/>
-                <a:sym typeface="+mn-ea"/>
-              </a:rPr>
-              <a:t>5</a:t>
-            </a:r>
-            <a:r>
-              <a:rPr lang="en-US" altLang="zh-CN" sz="2800" b="1" dirty="0">
-                <a:latin typeface="微软雅黑" panose="020B0503020204020204" pitchFamily="34" charset="-122"/>
-                <a:ea typeface="微软雅黑" panose="020B0503020204020204" pitchFamily="34" charset="-122"/>
-                <a:cs typeface="微软雅黑" panose="020B0503020204020204" pitchFamily="34" charset="-122"/>
-                <a:sym typeface="+mn-ea"/>
-              </a:rPr>
-              <a:t>5</a:t>
-            </a:r>
-            <a:r>
-              <a:rPr lang="en-US" altLang="zh-CN" sz="2800" b="1" dirty="0">
-                <a:latin typeface="微软雅黑" panose="020B0503020204020204" pitchFamily="34" charset="-122"/>
-                <a:ea typeface="微软雅黑" panose="020B0503020204020204" pitchFamily="34" charset="-122"/>
-                <a:cs typeface="微软雅黑" panose="020B0503020204020204" pitchFamily="34" charset="-122"/>
-                <a:sym typeface="+mn-ea"/>
-              </a:rPr>
-              <a:t>%</a:t>
-            </a:r>
-            <a:endParaRPr lang="en-US" altLang="zh-CN" sz="2800" b="1" dirty="0">
-              <a:latin typeface="微软雅黑" panose="020B0503020204020204" pitchFamily="34" charset="-122"/>
-              <a:ea typeface="微软雅黑" panose="020B0503020204020204" pitchFamily="34" charset="-122"/>
-              <a:cs typeface="微软雅黑" panose="020B0503020204020204" pitchFamily="34" charset="-122"/>
-              <a:sym typeface="+mn-ea"/>
-            </a:endParaRPr>
-          </a:p>
-          <a:p>
-            <a:pPr>
-              <a:lnSpc>
-                <a:spcPct val="200000"/>
-              </a:lnSpc>
-            </a:pPr>
-            <a:r>
-              <a:rPr lang="zh-CN" altLang="en-US" sz="2800" b="1" dirty="0">
-                <a:latin typeface="微软雅黑" panose="020B0503020204020204" pitchFamily="34" charset="-122"/>
-                <a:ea typeface="微软雅黑" panose="020B0503020204020204" pitchFamily="34" charset="-122"/>
-                <a:cs typeface="微软雅黑" panose="020B0503020204020204" pitchFamily="34" charset="-122"/>
-                <a:sym typeface="+mn-ea"/>
-              </a:rPr>
-              <a:t>       平时成绩：</a:t>
-            </a:r>
-            <a:r>
-              <a:rPr lang="en-US" altLang="zh-CN" sz="2800" b="1" dirty="0">
-                <a:latin typeface="微软雅黑" panose="020B0503020204020204" pitchFamily="34" charset="-122"/>
-                <a:ea typeface="微软雅黑" panose="020B0503020204020204" pitchFamily="34" charset="-122"/>
-                <a:cs typeface="微软雅黑" panose="020B0503020204020204" pitchFamily="34" charset="-122"/>
-                <a:sym typeface="+mn-ea"/>
-              </a:rPr>
-              <a:t>1</a:t>
-            </a:r>
-            <a:r>
-              <a:rPr lang="en-US" altLang="zh-CN" sz="2800" b="1" dirty="0">
-                <a:latin typeface="微软雅黑" panose="020B0503020204020204" pitchFamily="34" charset="-122"/>
-                <a:ea typeface="微软雅黑" panose="020B0503020204020204" pitchFamily="34" charset="-122"/>
-                <a:cs typeface="微软雅黑" panose="020B0503020204020204" pitchFamily="34" charset="-122"/>
-                <a:sym typeface="+mn-ea"/>
-              </a:rPr>
-              <a:t>5</a:t>
-            </a:r>
-            <a:r>
-              <a:rPr lang="en-US" altLang="zh-CN" sz="2800" b="1" dirty="0">
-                <a:latin typeface="微软雅黑" panose="020B0503020204020204" pitchFamily="34" charset="-122"/>
-                <a:ea typeface="微软雅黑" panose="020B0503020204020204" pitchFamily="34" charset="-122"/>
-                <a:cs typeface="微软雅黑" panose="020B0503020204020204" pitchFamily="34" charset="-122"/>
-                <a:sym typeface="+mn-ea"/>
-              </a:rPr>
-              <a:t>%</a:t>
-            </a:r>
-            <a:endParaRPr lang="zh-CN" altLang="en-US" sz="2800" b="1">
-              <a:latin typeface="微软雅黑" panose="020B0503020204020204" pitchFamily="34" charset="-122"/>
-              <a:ea typeface="微软雅黑" panose="020B0503020204020204" pitchFamily="34" charset="-122"/>
-              <a:cs typeface="微软雅黑" panose="020B0503020204020204" pitchFamily="34" charset="-122"/>
             </a:endParaRPr>
           </a:p>
         </p:txBody>
       </p:sp>
+      <p:pic>
+        <p:nvPicPr>
+          <p:cNvPr id="4101" name="图片 4" descr="软院logo横版.png"/>
+          <p:cNvPicPr>
+            <a:picLocks noChangeAspect="1"/>
+          </p:cNvPicPr>
+          <p:nvPr/>
+        </p:nvPicPr>
+        <p:blipFill>
+          <a:blip r:embed="rId2">
+            <a:extLst>
+              <a:ext uri="{28A0092B-C50C-407E-A947-70E740481C1C}">
+                <a14:useLocalDpi xmlns:a14="http://schemas.microsoft.com/office/drawing/2010/main" val="0"/>
+              </a:ext>
+            </a:extLst>
+          </a:blip>
+          <a:srcRect/>
+          <a:stretch>
+            <a:fillRect/>
+          </a:stretch>
+        </p:blipFill>
+        <p:spPr bwMode="auto">
+          <a:xfrm>
+            <a:off x="6604002" y="5784853"/>
+            <a:ext cx="3381375" cy="525463"/>
+          </a:xfrm>
+          <a:prstGeom prst="rect">
+            <a:avLst/>
+          </a:prstGeom>
+          <a:noFill/>
+          <a:ln>
+            <a:noFill/>
+          </a:ln>
+          <a:extLst>
+            <a:ext uri="{909E8E84-426E-40DD-AFC4-6F175D3DCCD1}">
+              <a14:hiddenFill xmlns:a14="http://schemas.microsoft.com/office/drawing/2010/main">
+                <a:solidFill>
+                  <a:srgbClr val="FFFFFF"/>
+                </a:solidFill>
+              </a14:hiddenFill>
+            </a:ext>
+            <a:ext uri="{91240B29-F687-4F45-9708-019B960494DF}">
+              <a14:hiddenLine xmlns:a14="http://schemas.microsoft.com/office/drawing/2010/main" w="9525">
+                <a:solidFill>
+                  <a:srgbClr val="000000"/>
+                </a:solidFill>
+                <a:miter lim="800000"/>
+                <a:headEnd/>
+                <a:tailEnd/>
+              </a14:hiddenLine>
+            </a:ext>
+          </a:extLst>
+        </p:spPr>
+      </p:pic>
     </p:spTree>
   </p:cSld>
   <p:clrMapOvr>
     <a:masterClrMapping/>
   </p:clrMapOvr>
-  <p:transition/>
-  <p:timing>
-    <p:tnLst>
-      <p:par>
-        <p:cTn id="1" dur="indefinite" restart="never" nodeType="tmRoot"/>
-      </p:par>
-    </p:tnLst>
-  </p:timing>
+  <p:transition advClick="0"/>
 </p:sld>
 </file>
 
@@ -11927,7 +11941,25 @@
                 </a:solidFill>
                 <a:sym typeface="+mn-ea"/>
               </a:rPr>
-              <a:t>（动态类型）</a:t>
+              <a:t>（</a:t>
+            </a:r>
+            <a:r>
+              <a:rPr lang="zh-CN" altLang="en-US" dirty="0">
+                <a:solidFill>
+                  <a:schemeClr val="tx1"/>
+                </a:solidFill>
+                <a:sym typeface="+mn-ea"/>
+              </a:rPr>
+              <a:t>弱</a:t>
+            </a:r>
+            <a:r>
+              <a:rPr lang="zh-CN" altLang="en-US" dirty="0">
+                <a:solidFill>
+                  <a:schemeClr val="tx1"/>
+                </a:solidFill>
+                <a:sym typeface="+mn-ea"/>
+              </a:rPr>
+              <a:t>类型）</a:t>
             </a:r>
             <a:endParaRPr lang="zh-CN" altLang="en-US" dirty="0">
               <a:solidFill>
@@ -11945,7 +11977,7 @@
                 </a:solidFill>
                 <a:sym typeface="+mn-ea"/>
               </a:rPr>
-              <a:t> </a:t>
+              <a:t> 可以动态的更改变量的类型（</a:t>
             </a:r>
             <a:r>
               <a:rPr lang="zh-CN" altLang="en-US" dirty="0">
@@ -11954,7 +11986,16 @@
                 </a:solidFill>
                 <a:sym typeface="+mn-ea"/>
               </a:rPr>
-              <a:t>可以动态的更改变量的类型（弱类型）</a:t>
+              <a:t>动态</a:t>
+            </a:r>
+            <a:r>
+              <a:rPr lang="zh-CN" altLang="en-US" dirty="0">
+                <a:solidFill>
+                  <a:schemeClr val="tx1"/>
+                </a:solidFill>
+                <a:sym typeface="+mn-ea"/>
+              </a:rPr>
+              <a:t>类型）</a:t>
             </a:r>
             <a:endParaRPr kumimoji="0" lang="zh-CN" altLang="en-US" dirty="0">
               <a:solidFill>
@@ -13732,6 +13773,228 @@
         <p:cNvGrpSpPr/>
         <p:nvPr/>
       </p:nvGrpSpPr>
+      <p:grpSpPr/>
+      <p:sp>
+        <p:nvSpPr>
+          <p:cNvPr id="2" name="内容占位符 1"/>
+          <p:cNvSpPr>
+            <a:spLocks noGrp="1"/>
+          </p:cNvSpPr>
+          <p:nvPr>
+            <p:ph sz="quarter" idx="10"/>
+          </p:nvPr>
+        </p:nvSpPr>
+        <p:spPr/>
+        <p:txBody>
+          <a:bodyPr/>
+          <a:p>
+            <a:pPr marL="0" marR="0" algn="l" defTabSz="0" rtl="0" eaLnBrk="0" fontAlgn="base" hangingPunct="0">
+              <a:lnSpc>
+                <a:spcPts val="4000"/>
+              </a:lnSpc>
+              <a:spcAft>
+                <a:spcPts val="1200"/>
+              </a:spcAft>
+              <a:buSzTx/>
+            </a:pPr>
+            <a:r>
+              <a:rPr lang="en-US" altLang="zh-CN">
+                <a:sym typeface="+mn-ea"/>
+              </a:rPr>
+              <a:t> </a:t>
+            </a:r>
+            <a:r>
+              <a:rPr lang="zh-CN" altLang="en-US" sz="2800">
+                <a:sym typeface="+mn-ea"/>
+              </a:rPr>
+              <a:t>阅读书籍</a:t>
+            </a:r>
+            <a:endParaRPr lang="zh-CN" altLang="en-US" sz="2800"/>
+          </a:p>
+          <a:p>
+            <a:pPr lvl="1"/>
+            <a:r>
+              <a:rPr lang="zh-CN" altLang="en-US" sz="2800">
+                <a:sym typeface="+mn-ea"/>
+              </a:rPr>
+              <a:t> 《</a:t>
+            </a:r>
+            <a:r>
+              <a:rPr lang="zh-CN" sz="2800">
+                <a:sym typeface="+mn-ea"/>
+              </a:rPr>
+              <a:t>深入理解</a:t>
+            </a:r>
+            <a:r>
+              <a:rPr lang="en-US" altLang="zh-CN" sz="2800">
+                <a:sym typeface="+mn-ea"/>
+              </a:rPr>
+              <a:t>JavaScript</a:t>
+            </a:r>
+            <a:r>
+              <a:rPr lang="zh-CN" altLang="en-US" sz="2800">
+                <a:sym typeface="+mn-ea"/>
+              </a:rPr>
+              <a:t>》第一部分</a:t>
+            </a:r>
+            <a:endParaRPr lang="zh-CN" altLang="en-US" sz="2800"/>
+          </a:p>
+          <a:p>
+            <a:pPr lvl="0"/>
+            <a:r>
+              <a:rPr lang="zh-CN" altLang="en-US" sz="2800">
+                <a:sym typeface="+mn-ea"/>
+              </a:rPr>
+              <a:t> 总结相关知识点</a:t>
+            </a:r>
+            <a:endParaRPr lang="zh-CN" altLang="en-US" sz="2800">
+              <a:sym typeface="+mn-ea"/>
+            </a:endParaRPr>
+          </a:p>
+          <a:p>
+            <a:pPr lvl="0"/>
+            <a:r>
+              <a:rPr lang="zh-CN" altLang="en-US" sz="2800">
+                <a:sym typeface="+mn-ea"/>
+              </a:rPr>
+              <a:t> 创建个人仓库</a:t>
+            </a:r>
+            <a:endParaRPr lang="zh-CN" altLang="en-US" sz="2800">
+              <a:sym typeface="+mn-ea"/>
+            </a:endParaRPr>
+          </a:p>
+          <a:p>
+            <a:pPr lvl="1"/>
+            <a:r>
+              <a:rPr lang="en-US" altLang="zh-CN" sz="2400">
+                <a:sym typeface="+mn-ea"/>
+              </a:rPr>
+              <a:t> </a:t>
+            </a:r>
+            <a:r>
+              <a:rPr lang="zh-CN" altLang="en-US" sz="2400">
+                <a:sym typeface="+mn-ea"/>
+              </a:rPr>
+              <a:t>命名：</a:t>
+            </a:r>
+            <a:r>
+              <a:rPr lang="en-US" altLang="zh-CN" sz="2400">
+                <a:sym typeface="+mn-ea"/>
+              </a:rPr>
+              <a:t>javascript</a:t>
+            </a:r>
+            <a:r>
+              <a:rPr lang="en-US" altLang="zh-CN">
+                <a:sym typeface="+mn-ea"/>
+              </a:rPr>
+              <a:t>-advanced-summary </a:t>
+            </a:r>
+            <a:endParaRPr lang="en-US" altLang="zh-CN">
+              <a:sym typeface="+mn-ea"/>
+            </a:endParaRPr>
+          </a:p>
+          <a:p>
+            <a:pPr lvl="1"/>
+            <a:r>
+              <a:rPr lang="en-US" altLang="zh-CN">
+                <a:sym typeface="+mn-ea"/>
+              </a:rPr>
+              <a:t> </a:t>
+            </a:r>
+            <a:r>
+              <a:rPr lang="zh-CN" altLang="en-US">
+                <a:sym typeface="+mn-ea"/>
+              </a:rPr>
+              <a:t>总结知识点上传到仓库中</a:t>
+            </a:r>
+            <a:endParaRPr lang="zh-CN" altLang="en-US">
+              <a:sym typeface="+mn-ea"/>
+            </a:endParaRPr>
+          </a:p>
+        </p:txBody>
+      </p:sp>
+      <p:sp>
+        <p:nvSpPr>
+          <p:cNvPr id="3" name="内容占位符 2"/>
+          <p:cNvSpPr>
+            <a:spLocks noGrp="1"/>
+          </p:cNvSpPr>
+          <p:nvPr>
+            <p:ph sz="quarter" idx="11"/>
+          </p:nvPr>
+        </p:nvSpPr>
+        <p:spPr/>
+        <p:txBody>
+          <a:bodyPr/>
+          <a:p>
+            <a:r>
+              <a:rPr lang="zh-CN" altLang="en-US"/>
+              <a:t>任务</a:t>
+            </a:r>
+            <a:endParaRPr lang="zh-CN" altLang="en-US"/>
+          </a:p>
+        </p:txBody>
+      </p:sp>
+      <p:pic>
+        <p:nvPicPr>
+          <p:cNvPr id="4" name="图片 3"/>
+          <p:cNvPicPr>
+            <a:picLocks noChangeAspect="1"/>
+          </p:cNvPicPr>
+          <p:nvPr/>
+        </p:nvPicPr>
+        <p:blipFill>
+          <a:blip r:embed="rId1"/>
+          <a:stretch>
+            <a:fillRect/>
+          </a:stretch>
+        </p:blipFill>
+        <p:spPr>
+          <a:xfrm>
+            <a:off x="7564120" y="1988185"/>
+            <a:ext cx="3514090" cy="3086735"/>
+          </a:xfrm>
+          <a:prstGeom prst="rect">
+            <a:avLst/>
+          </a:prstGeom>
+          <a:ln w="12700" cmpd="sng">
+            <a:solidFill>
+              <a:schemeClr val="accent1">
+                <a:shade val="50000"/>
+              </a:schemeClr>
+            </a:solidFill>
+            <a:prstDash val="solid"/>
+          </a:ln>
+        </p:spPr>
+      </p:pic>
+    </p:spTree>
+    <p:custDataLst>
+      <p:tags r:id="rId2"/>
+    </p:custDataLst>
+  </p:cSld>
+  <p:clrMapOvr>
+    <a:masterClrMapping/>
+  </p:clrMapOvr>
+  <p:transition/>
+  <p:timing>
+    <p:tnLst>
+      <p:par>
+        <p:cTn id="1" dur="indefinite" restart="never" nodeType="tmRoot"/>
+      </p:par>
+    </p:tnLst>
+  </p:timing>
+</p:sld>
+</file>
+
+<file path=ppt/slides/slide24.xml><?xml version="1.0" encoding="utf-8"?>
+<p:sld xmlns:a="http://schemas.openxmlformats.org/drawingml/2006/main" xmlns:r="http://schemas.openxmlformats.org/officeDocument/2006/relationships" xmlns:p="http://schemas.openxmlformats.org/presentationml/2006/main">
+  <p:cSld>
+    <p:spTree>
+      <p:nvGrpSpPr>
+        <p:cNvPr id="1" name=""/>
+        <p:cNvGrpSpPr/>
+        <p:nvPr/>
+      </p:nvGrpSpPr>
       <p:grpSpPr>
         <a:xfrm>
           <a:off x="0" y="0"/>
@@ -13930,202 +14193,233 @@
         <p:cNvGrpSpPr/>
         <p:nvPr/>
       </p:nvGrpSpPr>
-      <p:grpSpPr>
-        <a:xfrm>
-          <a:off x="0" y="0"/>
-          <a:ext cx="0" cy="0"/>
-          <a:chOff x="0" y="0"/>
-          <a:chExt cx="0" cy="0"/>
-        </a:xfrm>
-      </p:grpSpPr>
-      <p:pic>
-        <p:nvPicPr>
-          <p:cNvPr id="4098" name="Picture 4"/>
-          <p:cNvPicPr>
-            <a:picLocks noChangeAspect="1" noChangeArrowheads="1"/>
-          </p:cNvPicPr>
+      <p:grpSpPr/>
+      <p:sp>
+        <p:nvSpPr>
+          <p:cNvPr id="3" name="内容占位符 2"/>
+          <p:cNvSpPr>
+            <a:spLocks noGrp="1"/>
+          </p:cNvSpPr>
+          <p:nvPr>
+            <p:ph sz="quarter" idx="11"/>
+          </p:nvPr>
+        </p:nvSpPr>
+        <p:spPr>
+          <a:xfrm>
+            <a:off x="1090715" y="236943"/>
+            <a:ext cx="8191557" cy="490476"/>
+          </a:xfrm>
+        </p:spPr>
+        <p:txBody>
+          <a:bodyPr/>
+          <a:p>
+            <a:r>
+              <a:rPr lang="zh-CN" dirty="0" smtClean="0">
+                <a:sym typeface="+mn-ea"/>
+              </a:rPr>
+              <a:t>成绩分布</a:t>
+            </a:r>
+            <a:endParaRPr lang="zh-CN" altLang="en-US" dirty="0"/>
+          </a:p>
+          <a:p>
+            <a:endParaRPr lang="zh-CN" altLang="en-US"/>
+          </a:p>
+        </p:txBody>
+      </p:sp>
+      <p:sp>
+        <p:nvSpPr>
+          <p:cNvPr id="5" name="文本框 4"/>
+          <p:cNvSpPr txBox="1"/>
           <p:nvPr/>
-        </p:nvPicPr>
-        <p:blipFill>
-          <a:blip r:embed="rId1">
-            <a:extLst>
-              <a:ext uri="{28A0092B-C50C-407E-A947-70E740481C1C}">
-                <a14:useLocalDpi xmlns:a14="http://schemas.microsoft.com/office/drawing/2010/main" val="0"/>
-              </a:ext>
-            </a:extLst>
-          </a:blip>
-          <a:srcRect/>
-          <a:stretch>
-            <a:fillRect/>
-          </a:stretch>
-        </p:blipFill>
-        <p:spPr bwMode="auto">
+        </p:nvSpPr>
+        <p:spPr>
           <a:xfrm>
-            <a:off x="0" y="0"/>
-            <a:ext cx="12192000" cy="6858000"/>
+            <a:off x="1254125" y="1130935"/>
+            <a:ext cx="6021070" cy="3538220"/>
           </a:xfrm>
           <a:prstGeom prst="rect">
             <a:avLst/>
           </a:prstGeom>
           <a:noFill/>
-          <a:ln>
-            <a:noFill/>
-          </a:ln>
-          <a:extLst>
-            <a:ext uri="{909E8E84-426E-40DD-AFC4-6F175D3DCCD1}">
-              <a14:hiddenFill xmlns:a14="http://schemas.microsoft.com/office/drawing/2010/main">
-                <a:solidFill>
-                  <a:srgbClr val="FFFFFF"/>
-                </a:solidFill>
-              </a14:hiddenFill>
-            </a:ext>
-            <a:ext uri="{91240B29-F687-4F45-9708-019B960494DF}">
-              <a14:hiddenLine xmlns:a14="http://schemas.microsoft.com/office/drawing/2010/main" w="9525">
-                <a:solidFill>
-                  <a:srgbClr val="000000"/>
-                </a:solidFill>
-                <a:miter lim="800000"/>
-                <a:headEnd/>
-                <a:tailEnd/>
-              </a14:hiddenLine>
-            </a:ext>
-          </a:extLst>
-        </p:spPr>
-      </p:pic>
-      <p:sp>
-        <p:nvSpPr>
-          <p:cNvPr id="4099" name="Rectangle 2"/>
-          <p:cNvSpPr>
-            <a:spLocks noGrp="1" noChangeArrowheads="1"/>
-          </p:cNvSpPr>
-          <p:nvPr>
-            <p:ph type="ctrTitle" idx="4294967295"/>
-          </p:nvPr>
-        </p:nvSpPr>
-        <p:spPr bwMode="auto">
-          <a:xfrm>
-            <a:off x="1809753" y="2428876"/>
-            <a:ext cx="7286625" cy="1116013"/>
-          </a:xfrm>
-          <a:prstGeom prst="rect">
-            <a:avLst/>
-          </a:prstGeom>
-          <a:noFill/>
-          <a:extLst>
-            <a:ext uri="{909E8E84-426E-40DD-AFC4-6F175D3DCCD1}">
-              <a14:hiddenFill xmlns:a14="http://schemas.microsoft.com/office/drawing/2010/main">
-                <a:solidFill>
-                  <a:srgbClr val="FFFFFF"/>
-                </a:solidFill>
-              </a14:hiddenFill>
-            </a:ext>
-            <a:ext uri="{91240B29-F687-4F45-9708-019B960494DF}">
-              <a14:hiddenLine xmlns:a14="http://schemas.microsoft.com/office/drawing/2010/main" w="9525">
-                <a:solidFill>
-                  <a:srgbClr val="000000"/>
-                </a:solidFill>
-                <a:miter lim="800000"/>
-                <a:headEnd/>
-                <a:tailEnd/>
-              </a14:hiddenLine>
-            </a:ext>
-          </a:extLst>
         </p:spPr>
         <p:txBody>
-          <a:bodyPr anchor="b"/>
-          <a:lstStyle/>
-          <a:p>
-            <a:pPr algn="ctr" eaLnBrk="1" hangingPunct="1"/>
-            <a:r>
-              <a:rPr lang="en-US" sz="4800" b="1">
-                <a:solidFill>
-                  <a:srgbClr val="008469"/>
-                </a:solidFill>
+          <a:bodyPr wrap="square" rtlCol="0" anchor="t">
+            <a:spAutoFit/>
+          </a:bodyPr>
+          <a:p>
+            <a:pPr>
+              <a:lnSpc>
+                <a:spcPct val="200000"/>
+              </a:lnSpc>
+            </a:pPr>
+            <a:r>
+              <a:rPr lang="zh-CN" altLang="en-US" sz="2800" b="1" dirty="0">
                 <a:latin typeface="微软雅黑" panose="020B0503020204020204" pitchFamily="34" charset="-122"/>
                 <a:ea typeface="微软雅黑" panose="020B0503020204020204" pitchFamily="34" charset="-122"/>
-              </a:rPr>
-              <a:t>JavaScript</a:t>
-            </a:r>
-            <a:r>
-              <a:rPr lang="zh-CN" altLang="en-US" sz="4800" b="1">
-                <a:solidFill>
-                  <a:srgbClr val="008469"/>
-                </a:solidFill>
+                <a:cs typeface="微软雅黑" panose="020B0503020204020204" pitchFamily="34" charset="-122"/>
+                <a:sym typeface="+mn-ea"/>
+              </a:rPr>
+              <a:t>过程式教学：</a:t>
+            </a:r>
+            <a:endParaRPr lang="zh-CN" altLang="en-US" sz="2800" b="1" dirty="0">
+              <a:latin typeface="微软雅黑" panose="020B0503020204020204" pitchFamily="34" charset="-122"/>
+              <a:ea typeface="微软雅黑" panose="020B0503020204020204" pitchFamily="34" charset="-122"/>
+              <a:cs typeface="微软雅黑" panose="020B0503020204020204" pitchFamily="34" charset="-122"/>
+              <a:sym typeface="+mn-ea"/>
+            </a:endParaRPr>
+          </a:p>
+          <a:p>
+            <a:pPr>
+              <a:lnSpc>
+                <a:spcPct val="200000"/>
+              </a:lnSpc>
+            </a:pPr>
+            <a:r>
+              <a:rPr lang="zh-CN" altLang="en-US" sz="2800" b="1" dirty="0">
                 <a:latin typeface="微软雅黑" panose="020B0503020204020204" pitchFamily="34" charset="-122"/>
                 <a:ea typeface="微软雅黑" panose="020B0503020204020204" pitchFamily="34" charset="-122"/>
-              </a:rPr>
-              <a:t>进阶</a:t>
-            </a:r>
-            <a:endParaRPr lang="zh-CN" altLang="en-US" sz="4800" b="1">
-              <a:solidFill>
-                <a:srgbClr val="008469"/>
-              </a:solidFill>
+                <a:cs typeface="微软雅黑" panose="020B0503020204020204" pitchFamily="34" charset="-122"/>
+                <a:sym typeface="+mn-ea"/>
+              </a:rPr>
+              <a:t>       期末试卷成绩：</a:t>
+            </a:r>
+            <a:r>
+              <a:rPr lang="en-US" altLang="zh-CN" sz="2800" b="1" dirty="0">
+                <a:latin typeface="微软雅黑" panose="020B0503020204020204" pitchFamily="34" charset="-122"/>
+                <a:ea typeface="微软雅黑" panose="020B0503020204020204" pitchFamily="34" charset="-122"/>
+                <a:cs typeface="微软雅黑" panose="020B0503020204020204" pitchFamily="34" charset="-122"/>
+                <a:sym typeface="+mn-ea"/>
+              </a:rPr>
+              <a:t>3</a:t>
+            </a:r>
+            <a:r>
+              <a:rPr lang="en-US" altLang="zh-CN" sz="2800" b="1" dirty="0">
+                <a:latin typeface="微软雅黑" panose="020B0503020204020204" pitchFamily="34" charset="-122"/>
+                <a:ea typeface="微软雅黑" panose="020B0503020204020204" pitchFamily="34" charset="-122"/>
+                <a:cs typeface="微软雅黑" panose="020B0503020204020204" pitchFamily="34" charset="-122"/>
+                <a:sym typeface="+mn-ea"/>
+              </a:rPr>
+              <a:t>0%</a:t>
+            </a:r>
+            <a:endParaRPr lang="en-US" altLang="zh-CN" sz="2800" b="1" dirty="0">
               <a:latin typeface="微软雅黑" panose="020B0503020204020204" pitchFamily="34" charset="-122"/>
               <a:ea typeface="微软雅黑" panose="020B0503020204020204" pitchFamily="34" charset="-122"/>
+              <a:cs typeface="微软雅黑" panose="020B0503020204020204" pitchFamily="34" charset="-122"/>
+              <a:sym typeface="+mn-ea"/>
+            </a:endParaRPr>
+          </a:p>
+          <a:p>
+            <a:pPr>
+              <a:lnSpc>
+                <a:spcPct val="200000"/>
+              </a:lnSpc>
+            </a:pPr>
+            <a:r>
+              <a:rPr lang="zh-CN" altLang="en-US" sz="2800" b="1" dirty="0">
+                <a:latin typeface="微软雅黑" panose="020B0503020204020204" pitchFamily="34" charset="-122"/>
+                <a:ea typeface="微软雅黑" panose="020B0503020204020204" pitchFamily="34" charset="-122"/>
+                <a:cs typeface="微软雅黑" panose="020B0503020204020204" pitchFamily="34" charset="-122"/>
+                <a:sym typeface="+mn-ea"/>
+              </a:rPr>
+              <a:t>       雪梨作业成绩：</a:t>
+            </a:r>
+            <a:r>
+              <a:rPr lang="en-US" altLang="zh-CN" sz="2800" b="1" dirty="0">
+                <a:latin typeface="微软雅黑" panose="020B0503020204020204" pitchFamily="34" charset="-122"/>
+                <a:ea typeface="微软雅黑" panose="020B0503020204020204" pitchFamily="34" charset="-122"/>
+                <a:cs typeface="微软雅黑" panose="020B0503020204020204" pitchFamily="34" charset="-122"/>
+                <a:sym typeface="+mn-ea"/>
+              </a:rPr>
+              <a:t>5</a:t>
+            </a:r>
+            <a:r>
+              <a:rPr lang="en-US" altLang="zh-CN" sz="2800" b="1" dirty="0">
+                <a:latin typeface="微软雅黑" panose="020B0503020204020204" pitchFamily="34" charset="-122"/>
+                <a:ea typeface="微软雅黑" panose="020B0503020204020204" pitchFamily="34" charset="-122"/>
+                <a:cs typeface="微软雅黑" panose="020B0503020204020204" pitchFamily="34" charset="-122"/>
+                <a:sym typeface="+mn-ea"/>
+              </a:rPr>
+              <a:t>5</a:t>
+            </a:r>
+            <a:r>
+              <a:rPr lang="en-US" altLang="zh-CN" sz="2800" b="1" dirty="0">
+                <a:latin typeface="微软雅黑" panose="020B0503020204020204" pitchFamily="34" charset="-122"/>
+                <a:ea typeface="微软雅黑" panose="020B0503020204020204" pitchFamily="34" charset="-122"/>
+                <a:cs typeface="微软雅黑" panose="020B0503020204020204" pitchFamily="34" charset="-122"/>
+                <a:sym typeface="+mn-ea"/>
+              </a:rPr>
+              <a:t>%</a:t>
+            </a:r>
+            <a:endParaRPr lang="en-US" altLang="zh-CN" sz="2800" b="1" dirty="0">
+              <a:latin typeface="微软雅黑" panose="020B0503020204020204" pitchFamily="34" charset="-122"/>
+              <a:ea typeface="微软雅黑" panose="020B0503020204020204" pitchFamily="34" charset="-122"/>
+              <a:cs typeface="微软雅黑" panose="020B0503020204020204" pitchFamily="34" charset="-122"/>
+              <a:sym typeface="+mn-ea"/>
+            </a:endParaRPr>
+          </a:p>
+          <a:p>
+            <a:pPr>
+              <a:lnSpc>
+                <a:spcPct val="200000"/>
+              </a:lnSpc>
+            </a:pPr>
+            <a:r>
+              <a:rPr lang="zh-CN" altLang="en-US" sz="2800" b="1" dirty="0">
+                <a:latin typeface="微软雅黑" panose="020B0503020204020204" pitchFamily="34" charset="-122"/>
+                <a:ea typeface="微软雅黑" panose="020B0503020204020204" pitchFamily="34" charset="-122"/>
+                <a:cs typeface="微软雅黑" panose="020B0503020204020204" pitchFamily="34" charset="-122"/>
+                <a:sym typeface="+mn-ea"/>
+              </a:rPr>
+              <a:t>       平时成绩：</a:t>
+            </a:r>
+            <a:r>
+              <a:rPr lang="en-US" altLang="zh-CN" sz="2800" b="1" dirty="0">
+                <a:latin typeface="微软雅黑" panose="020B0503020204020204" pitchFamily="34" charset="-122"/>
+                <a:ea typeface="微软雅黑" panose="020B0503020204020204" pitchFamily="34" charset="-122"/>
+                <a:cs typeface="微软雅黑" panose="020B0503020204020204" pitchFamily="34" charset="-122"/>
+                <a:sym typeface="+mn-ea"/>
+              </a:rPr>
+              <a:t>1</a:t>
+            </a:r>
+            <a:r>
+              <a:rPr lang="en-US" altLang="zh-CN" sz="2800" b="1" dirty="0">
+                <a:latin typeface="微软雅黑" panose="020B0503020204020204" pitchFamily="34" charset="-122"/>
+                <a:ea typeface="微软雅黑" panose="020B0503020204020204" pitchFamily="34" charset="-122"/>
+                <a:cs typeface="微软雅黑" panose="020B0503020204020204" pitchFamily="34" charset="-122"/>
+                <a:sym typeface="+mn-ea"/>
+              </a:rPr>
+              <a:t>5</a:t>
+            </a:r>
+            <a:r>
+              <a:rPr lang="en-US" altLang="zh-CN" sz="2800" b="1" dirty="0">
+                <a:latin typeface="微软雅黑" panose="020B0503020204020204" pitchFamily="34" charset="-122"/>
+                <a:ea typeface="微软雅黑" panose="020B0503020204020204" pitchFamily="34" charset="-122"/>
+                <a:cs typeface="微软雅黑" panose="020B0503020204020204" pitchFamily="34" charset="-122"/>
+                <a:sym typeface="+mn-ea"/>
+              </a:rPr>
+              <a:t>%</a:t>
+            </a:r>
+            <a:endParaRPr lang="zh-CN" altLang="en-US" sz="2800" b="1">
+              <a:latin typeface="微软雅黑" panose="020B0503020204020204" pitchFamily="34" charset="-122"/>
+              <a:ea typeface="微软雅黑" panose="020B0503020204020204" pitchFamily="34" charset="-122"/>
+              <a:cs typeface="微软雅黑" panose="020B0503020204020204" pitchFamily="34" charset="-122"/>
             </a:endParaRPr>
           </a:p>
         </p:txBody>
       </p:sp>
-      <p:pic>
-        <p:nvPicPr>
-          <p:cNvPr id="4101" name="图片 4" descr="软院logo横版.png"/>
-          <p:cNvPicPr>
-            <a:picLocks noChangeAspect="1"/>
-          </p:cNvPicPr>
-          <p:nvPr/>
-        </p:nvPicPr>
-        <p:blipFill>
-          <a:blip r:embed="rId2">
-            <a:extLst>
-              <a:ext uri="{28A0092B-C50C-407E-A947-70E740481C1C}">
-                <a14:useLocalDpi xmlns:a14="http://schemas.microsoft.com/office/drawing/2010/main" val="0"/>
-              </a:ext>
-            </a:extLst>
-          </a:blip>
-          <a:srcRect/>
-          <a:stretch>
-            <a:fillRect/>
-          </a:stretch>
-        </p:blipFill>
-        <p:spPr bwMode="auto">
-          <a:xfrm>
-            <a:off x="6604002" y="5784853"/>
-            <a:ext cx="3381375" cy="525463"/>
-          </a:xfrm>
-          <a:prstGeom prst="rect">
-            <a:avLst/>
-          </a:prstGeom>
-          <a:noFill/>
-          <a:ln>
-            <a:noFill/>
-          </a:ln>
-          <a:extLst>
-            <a:ext uri="{909E8E84-426E-40DD-AFC4-6F175D3DCCD1}">
-              <a14:hiddenFill xmlns:a14="http://schemas.microsoft.com/office/drawing/2010/main">
-                <a:solidFill>
-                  <a:srgbClr val="FFFFFF"/>
-                </a:solidFill>
-              </a14:hiddenFill>
-            </a:ext>
-            <a:ext uri="{91240B29-F687-4F45-9708-019B960494DF}">
-              <a14:hiddenLine xmlns:a14="http://schemas.microsoft.com/office/drawing/2010/main" w="9525">
-                <a:solidFill>
-                  <a:srgbClr val="000000"/>
-                </a:solidFill>
-                <a:miter lim="800000"/>
-                <a:headEnd/>
-                <a:tailEnd/>
-              </a14:hiddenLine>
-            </a:ext>
-          </a:extLst>
-        </p:spPr>
-      </p:pic>
     </p:spTree>
   </p:cSld>
   <p:clrMapOvr>
     <a:masterClrMapping/>
   </p:clrMapOvr>
-  <p:transition advClick="0"/>
+  <p:transition/>
+  <p:timing>
+    <p:tnLst>
+      <p:par>
+        <p:cTn id="1" dur="indefinite" restart="never" nodeType="tmRoot"/>
+      </p:par>
+    </p:tnLst>
+  </p:timing>
 </p:sld>
 </file>
 
@@ -16067,6 +16361,12 @@
 </file>
 
 <file path=ppt/tags/tag18.xml><?xml version="1.0" encoding="utf-8"?>
+<p:tagLst xmlns:p="http://schemas.openxmlformats.org/presentationml/2006/main">
+  <p:tag name="KSO_WM_SLIDE_MODEL_TYPE" val="timeline"/>
+</p:tagLst>
+</file>
+
+<file path=ppt/tags/tag19.xml><?xml version="1.0" encoding="utf-8"?>
 <p:tagLst xmlns:p="http://schemas.openxmlformats.org/presentationml/2006/main">
   <p:tag name="KSO_WM_DOC_GUID" val="{870e14bc-766a-48b4-b8a9-4b9c64e8763d}"/>
 </p:tagLst>

--- a/01.JavaScript发展历程及语言特点/01.JavaScript发展历程及语言特点.pptx
+++ b/01.JavaScript发展历程及语言特点/01.JavaScript发展历程及语言特点.pptx
@@ -3,44 +3,44 @@
 <p:presentation xmlns:a="http://schemas.openxmlformats.org/drawingml/2006/main" xmlns:r="http://schemas.openxmlformats.org/officeDocument/2006/relationships" xmlns:p="http://schemas.openxmlformats.org/presentationml/2006/main">
   <p:sldMasterIdLst>
     <p:sldMasterId id="2147483648" r:id="rId1"/>
-    <p:sldMasterId id="2147483652" r:id="rId3"/>
+    <p:sldMasterId id="2147483652" r:id="rId2"/>
   </p:sldMasterIdLst>
   <p:notesMasterIdLst>
-    <p:notesMasterId r:id="rId6"/>
+    <p:notesMasterId r:id="rId27"/>
   </p:notesMasterIdLst>
   <p:handoutMasterIdLst>
-    <p:handoutMasterId r:id="rId29"/>
+    <p:handoutMasterId r:id="rId28"/>
   </p:handoutMasterIdLst>
   <p:sldIdLst>
-    <p:sldId id="911" r:id="rId4"/>
-    <p:sldId id="284" r:id="rId5"/>
-    <p:sldId id="925" r:id="rId7"/>
-    <p:sldId id="932" r:id="rId8"/>
-    <p:sldId id="953" r:id="rId9"/>
-    <p:sldId id="971" r:id="rId10"/>
-    <p:sldId id="927" r:id="rId11"/>
-    <p:sldId id="928" r:id="rId12"/>
-    <p:sldId id="929" r:id="rId13"/>
-    <p:sldId id="933" r:id="rId14"/>
-    <p:sldId id="934" r:id="rId15"/>
-    <p:sldId id="936" r:id="rId16"/>
-    <p:sldId id="871" r:id="rId17"/>
-    <p:sldId id="872" r:id="rId18"/>
-    <p:sldId id="873" r:id="rId19"/>
-    <p:sldId id="874" r:id="rId20"/>
-    <p:sldId id="875" r:id="rId21"/>
-    <p:sldId id="876" r:id="rId22"/>
-    <p:sldId id="937" r:id="rId23"/>
-    <p:sldId id="938" r:id="rId24"/>
-    <p:sldId id="940" r:id="rId25"/>
-    <p:sldId id="941" r:id="rId26"/>
-    <p:sldId id="989" r:id="rId27"/>
-    <p:sldId id="862" r:id="rId28"/>
+    <p:sldId id="911" r:id="rId3"/>
+    <p:sldId id="284" r:id="rId4"/>
+    <p:sldId id="925" r:id="rId5"/>
+    <p:sldId id="932" r:id="rId6"/>
+    <p:sldId id="953" r:id="rId7"/>
+    <p:sldId id="971" r:id="rId8"/>
+    <p:sldId id="927" r:id="rId9"/>
+    <p:sldId id="928" r:id="rId10"/>
+    <p:sldId id="929" r:id="rId11"/>
+    <p:sldId id="933" r:id="rId12"/>
+    <p:sldId id="934" r:id="rId13"/>
+    <p:sldId id="936" r:id="rId14"/>
+    <p:sldId id="871" r:id="rId15"/>
+    <p:sldId id="872" r:id="rId16"/>
+    <p:sldId id="873" r:id="rId17"/>
+    <p:sldId id="874" r:id="rId18"/>
+    <p:sldId id="875" r:id="rId19"/>
+    <p:sldId id="876" r:id="rId20"/>
+    <p:sldId id="937" r:id="rId21"/>
+    <p:sldId id="938" r:id="rId22"/>
+    <p:sldId id="940" r:id="rId23"/>
+    <p:sldId id="941" r:id="rId24"/>
+    <p:sldId id="989" r:id="rId25"/>
+    <p:sldId id="862" r:id="rId26"/>
   </p:sldIdLst>
   <p:sldSz cx="12192000" cy="6858000"/>
   <p:notesSz cx="6858000" cy="9144000"/>
   <p:custDataLst>
-    <p:tags r:id="rId33"/>
+    <p:tags r:id="rId29"/>
   </p:custDataLst>
   <p:defaultTextStyle>
     <a:defPPr>
@@ -138,8 +138,22 @@
     </a:lvl9pPr>
   </p:defaultTextStyle>
   <p:extLst>
+    <p:ext uri="{EFAFB233-063F-42B5-8137-9DF3F51BA10A}">
+      <p15:sldGuideLst xmlns:p15="http://schemas.microsoft.com/office/powerpoint/2012/main">
+        <p15:guide id="1" orient="horz" pos="2160">
+          <p15:clr>
+            <a:srgbClr val="A4A3A4"/>
+          </p15:clr>
+        </p15:guide>
+        <p15:guide id="2" pos="3929">
+          <p15:clr>
+            <a:srgbClr val="A4A3A4"/>
+          </p15:clr>
+        </p15:guide>
+      </p15:sldGuideLst>
+    </p:ext>
     <p:ext uri="{505F2C04-C923-438B-8C0F-E0CD2BADF298}">
-      <wppc:fontMiss xmlns:wppc="http://www.wps.cn/officeDocument/PresentationCustomData" type="true"/>
+      <wppc:fontMiss xmlns:wppc="http://www.wps.cn/officeDocument/PresentationCustomData" xmlns="" type="true"/>
     </p:ext>
   </p:extLst>
 </p:presentation>
@@ -227,6 +241,7 @@
           <a:p>
             <a:fld id="{0F9B84EA-7D68-4D60-9CB1-D50884785D1C}" type="datetimeFigureOut">
               <a:rPr lang="zh-CN" altLang="en-US" smtClean="0"/>
+              <a:t>2020/3/29</a:t>
             </a:fld>
             <a:endParaRPr lang="zh-CN" altLang="en-US"/>
           </a:p>
@@ -292,6 +307,7 @@
           <a:p>
             <a:fld id="{8D4E0FC9-F1F8-4FAE-9988-3BA365CFD46F}" type="slidenum">
               <a:rPr lang="zh-CN" altLang="en-US" smtClean="0"/>
+              <a:t>‹#›</a:t>
             </a:fld>
             <a:endParaRPr lang="zh-CN" altLang="en-US"/>
           </a:p>
@@ -385,6 +401,7 @@
           <a:p>
             <a:fld id="{684D3FB2-7CB8-4067-B1A5-8C2CFD21EA41}" type="datetimeFigureOut">
               <a:rPr lang="zh-CN" altLang="en-US" smtClean="0"/>
+              <a:t>2020/3/29</a:t>
             </a:fld>
             <a:endParaRPr lang="zh-CN" altLang="en-US"/>
           </a:p>
@@ -453,7 +470,6 @@
               <a:rPr lang="zh-CN" altLang="en-US"/>
               <a:t>单击此处编辑母版文本样式</a:t>
             </a:r>
-            <a:endParaRPr lang="zh-CN" altLang="en-US"/>
           </a:p>
           <a:p>
             <a:pPr lvl="1"/>
@@ -461,7 +477,6 @@
               <a:rPr lang="zh-CN" altLang="en-US"/>
               <a:t>第二级</a:t>
             </a:r>
-            <a:endParaRPr lang="zh-CN" altLang="en-US"/>
           </a:p>
           <a:p>
             <a:pPr lvl="2"/>
@@ -469,7 +484,6 @@
               <a:rPr lang="zh-CN" altLang="en-US"/>
               <a:t>第三级</a:t>
             </a:r>
-            <a:endParaRPr lang="zh-CN" altLang="en-US"/>
           </a:p>
           <a:p>
             <a:pPr lvl="3"/>
@@ -477,7 +491,6 @@
               <a:rPr lang="zh-CN" altLang="en-US"/>
               <a:t>第四级</a:t>
             </a:r>
-            <a:endParaRPr lang="zh-CN" altLang="en-US"/>
           </a:p>
           <a:p>
             <a:pPr lvl="4"/>
@@ -485,7 +498,6 @@
               <a:rPr lang="zh-CN" altLang="en-US"/>
               <a:t>第五级</a:t>
             </a:r>
-            <a:endParaRPr lang="zh-CN" altLang="en-US"/>
           </a:p>
         </p:txBody>
       </p:sp>
@@ -549,6 +561,7 @@
           <a:p>
             <a:fld id="{82D80927-B3A3-4EAB-8C66-CA304D1796CA}" type="slidenum">
               <a:rPr lang="zh-CN" altLang="en-US" smtClean="0"/>
+              <a:t>‹#›</a:t>
             </a:fld>
             <a:endParaRPr lang="zh-CN" altLang="en-US"/>
           </a:p>
@@ -661,11 +674,20 @@
         <p:cNvGrpSpPr/>
         <p:nvPr/>
       </p:nvGrpSpPr>
-      <p:grpSpPr/>
+      <p:grpSpPr>
+        <a:xfrm>
+          <a:off x="0" y="0"/>
+          <a:ext cx="0" cy="0"/>
+          <a:chOff x="0" y="0"/>
+          <a:chExt cx="0" cy="0"/>
+        </a:xfrm>
+      </p:grpSpPr>
       <p:sp>
         <p:nvSpPr>
           <p:cNvPr id="2" name="幻灯片图像占位符 1"/>
-          <p:cNvSpPr/>
+          <p:cNvSpPr>
+            <a:spLocks noGrp="1" noRot="1" noChangeAspect="1"/>
+          </p:cNvSpPr>
           <p:nvPr>
             <p:ph type="sldImg" idx="2"/>
           </p:nvPr>
@@ -675,7 +697,9 @@
       <p:sp>
         <p:nvSpPr>
           <p:cNvPr id="3" name="文本占位符 2"/>
-          <p:cNvSpPr/>
+          <p:cNvSpPr>
+            <a:spLocks noGrp="1"/>
+          </p:cNvSpPr>
           <p:nvPr>
             <p:ph type="body" idx="3"/>
           </p:nvPr>
@@ -683,6 +707,7 @@
         <p:spPr/>
         <p:txBody>
           <a:bodyPr/>
+          <a:lstStyle/>
           <a:p>
             <a:endParaRPr lang="zh-CN" altLang="en-US"/>
           </a:p>
@@ -705,11 +730,20 @@
         <p:cNvGrpSpPr/>
         <p:nvPr/>
       </p:nvGrpSpPr>
-      <p:grpSpPr/>
+      <p:grpSpPr>
+        <a:xfrm>
+          <a:off x="0" y="0"/>
+          <a:ext cx="0" cy="0"/>
+          <a:chOff x="0" y="0"/>
+          <a:chExt cx="0" cy="0"/>
+        </a:xfrm>
+      </p:grpSpPr>
       <p:sp>
         <p:nvSpPr>
           <p:cNvPr id="2" name="幻灯片图像占位符 1"/>
-          <p:cNvSpPr/>
+          <p:cNvSpPr>
+            <a:spLocks noGrp="1" noRot="1" noChangeAspect="1"/>
+          </p:cNvSpPr>
           <p:nvPr>
             <p:ph type="sldImg" idx="2"/>
           </p:nvPr>
@@ -719,7 +753,9 @@
       <p:sp>
         <p:nvSpPr>
           <p:cNvPr id="3" name="文本占位符 2"/>
-          <p:cNvSpPr/>
+          <p:cNvSpPr>
+            <a:spLocks noGrp="1"/>
+          </p:cNvSpPr>
           <p:nvPr>
             <p:ph type="body" idx="3"/>
           </p:nvPr>
@@ -727,6 +763,7 @@
         <p:spPr/>
         <p:txBody>
           <a:bodyPr/>
+          <a:lstStyle/>
           <a:p>
             <a:endParaRPr lang="zh-CN" altLang="en-US"/>
           </a:p>
@@ -749,11 +786,20 @@
         <p:cNvGrpSpPr/>
         <p:nvPr/>
       </p:nvGrpSpPr>
-      <p:grpSpPr/>
+      <p:grpSpPr>
+        <a:xfrm>
+          <a:off x="0" y="0"/>
+          <a:ext cx="0" cy="0"/>
+          <a:chOff x="0" y="0"/>
+          <a:chExt cx="0" cy="0"/>
+        </a:xfrm>
+      </p:grpSpPr>
       <p:sp>
         <p:nvSpPr>
           <p:cNvPr id="2" name="幻灯片图像占位符 1"/>
-          <p:cNvSpPr/>
+          <p:cNvSpPr>
+            <a:spLocks noGrp="1" noRot="1" noChangeAspect="1"/>
+          </p:cNvSpPr>
           <p:nvPr>
             <p:ph type="sldImg" idx="2"/>
           </p:nvPr>
@@ -763,7 +809,9 @@
       <p:sp>
         <p:nvSpPr>
           <p:cNvPr id="3" name="文本占位符 2"/>
-          <p:cNvSpPr/>
+          <p:cNvSpPr>
+            <a:spLocks noGrp="1"/>
+          </p:cNvSpPr>
           <p:nvPr>
             <p:ph type="body" idx="3"/>
           </p:nvPr>
@@ -771,19 +819,18 @@
         <p:spPr/>
         <p:txBody>
           <a:bodyPr/>
+          <a:lstStyle/>
           <a:p>
             <a:r>
               <a:rPr lang="zh-CN" altLang="en-US"/>
               <a:t>从 JavaScript 代码的角度看来，全局对象在程序启动前就已经存在了。</a:t>
             </a:r>
-            <a:endParaRPr lang="zh-CN" altLang="en-US"/>
           </a:p>
           <a:p>
             <a:r>
               <a:rPr lang="zh-CN" altLang="en-US"/>
               <a:t>客户端 JavaScript 的全局对象被称作 window 对象。</a:t>
             </a:r>
-            <a:endParaRPr lang="zh-CN" altLang="en-US"/>
           </a:p>
           <a:p>
             <a:r>
@@ -828,11 +875,20 @@
         <p:cNvGrpSpPr/>
         <p:nvPr/>
       </p:nvGrpSpPr>
-      <p:grpSpPr/>
+      <p:grpSpPr>
+        <a:xfrm>
+          <a:off x="0" y="0"/>
+          <a:ext cx="0" cy="0"/>
+          <a:chOff x="0" y="0"/>
+          <a:chExt cx="0" cy="0"/>
+        </a:xfrm>
+      </p:grpSpPr>
       <p:sp>
         <p:nvSpPr>
           <p:cNvPr id="2" name="幻灯片图像占位符 1"/>
-          <p:cNvSpPr/>
+          <p:cNvSpPr>
+            <a:spLocks noGrp="1" noRot="1" noChangeAspect="1"/>
+          </p:cNvSpPr>
           <p:nvPr>
             <p:ph type="sldImg" idx="2"/>
           </p:nvPr>
@@ -842,7 +898,9 @@
       <p:sp>
         <p:nvSpPr>
           <p:cNvPr id="3" name="文本占位符 2"/>
-          <p:cNvSpPr/>
+          <p:cNvSpPr>
+            <a:spLocks noGrp="1"/>
+          </p:cNvSpPr>
           <p:nvPr>
             <p:ph type="body" idx="3"/>
           </p:nvPr>
@@ -850,6 +908,7 @@
         <p:spPr/>
         <p:txBody>
           <a:bodyPr/>
+          <a:lstStyle/>
           <a:p>
             <a:endParaRPr lang="zh-CN" altLang="en-US"/>
           </a:p>
@@ -872,11 +931,20 @@
         <p:cNvGrpSpPr/>
         <p:nvPr/>
       </p:nvGrpSpPr>
-      <p:grpSpPr/>
+      <p:grpSpPr>
+        <a:xfrm>
+          <a:off x="0" y="0"/>
+          <a:ext cx="0" cy="0"/>
+          <a:chOff x="0" y="0"/>
+          <a:chExt cx="0" cy="0"/>
+        </a:xfrm>
+      </p:grpSpPr>
       <p:sp>
         <p:nvSpPr>
           <p:cNvPr id="2" name="幻灯片图像占位符 1"/>
-          <p:cNvSpPr/>
+          <p:cNvSpPr>
+            <a:spLocks noGrp="1" noRot="1" noChangeAspect="1"/>
+          </p:cNvSpPr>
           <p:nvPr>
             <p:ph type="sldImg" idx="2"/>
           </p:nvPr>
@@ -886,7 +954,9 @@
       <p:sp>
         <p:nvSpPr>
           <p:cNvPr id="3" name="文本占位符 2"/>
-          <p:cNvSpPr/>
+          <p:cNvSpPr>
+            <a:spLocks noGrp="1"/>
+          </p:cNvSpPr>
           <p:nvPr>
             <p:ph type="body" idx="3"/>
           </p:nvPr>
@@ -894,6 +964,7 @@
         <p:spPr/>
         <p:txBody>
           <a:bodyPr/>
+          <a:lstStyle/>
           <a:p>
             <a:endParaRPr lang="zh-CN" altLang="en-US"/>
           </a:p>
@@ -916,11 +987,20 @@
         <p:cNvGrpSpPr/>
         <p:nvPr/>
       </p:nvGrpSpPr>
-      <p:grpSpPr/>
+      <p:grpSpPr>
+        <a:xfrm>
+          <a:off x="0" y="0"/>
+          <a:ext cx="0" cy="0"/>
+          <a:chOff x="0" y="0"/>
+          <a:chExt cx="0" cy="0"/>
+        </a:xfrm>
+      </p:grpSpPr>
       <p:sp>
         <p:nvSpPr>
           <p:cNvPr id="2" name="幻灯片图像占位符 1"/>
-          <p:cNvSpPr/>
+          <p:cNvSpPr>
+            <a:spLocks noGrp="1" noRot="1" noChangeAspect="1"/>
+          </p:cNvSpPr>
           <p:nvPr>
             <p:ph type="sldImg" idx="2"/>
           </p:nvPr>
@@ -930,7 +1010,9 @@
       <p:sp>
         <p:nvSpPr>
           <p:cNvPr id="3" name="文本占位符 2"/>
-          <p:cNvSpPr/>
+          <p:cNvSpPr>
+            <a:spLocks noGrp="1"/>
+          </p:cNvSpPr>
           <p:nvPr>
             <p:ph type="body" idx="3"/>
           </p:nvPr>
@@ -938,6 +1020,7 @@
         <p:spPr/>
         <p:txBody>
           <a:bodyPr/>
+          <a:lstStyle/>
           <a:p>
             <a:endParaRPr lang="zh-CN" altLang="en-US"/>
           </a:p>
@@ -960,11 +1043,20 @@
         <p:cNvGrpSpPr/>
         <p:nvPr/>
       </p:nvGrpSpPr>
-      <p:grpSpPr/>
+      <p:grpSpPr>
+        <a:xfrm>
+          <a:off x="0" y="0"/>
+          <a:ext cx="0" cy="0"/>
+          <a:chOff x="0" y="0"/>
+          <a:chExt cx="0" cy="0"/>
+        </a:xfrm>
+      </p:grpSpPr>
       <p:sp>
         <p:nvSpPr>
           <p:cNvPr id="2" name="幻灯片图像占位符 1"/>
-          <p:cNvSpPr/>
+          <p:cNvSpPr>
+            <a:spLocks noGrp="1" noRot="1" noChangeAspect="1"/>
+          </p:cNvSpPr>
           <p:nvPr>
             <p:ph type="sldImg" idx="2"/>
           </p:nvPr>
@@ -974,7 +1066,9 @@
       <p:sp>
         <p:nvSpPr>
           <p:cNvPr id="3" name="文本占位符 2"/>
-          <p:cNvSpPr/>
+          <p:cNvSpPr>
+            <a:spLocks noGrp="1"/>
+          </p:cNvSpPr>
           <p:nvPr>
             <p:ph type="body" idx="3"/>
           </p:nvPr>
@@ -982,6 +1076,7 @@
         <p:spPr/>
         <p:txBody>
           <a:bodyPr/>
+          <a:lstStyle/>
           <a:p>
             <a:endParaRPr lang="zh-CN" altLang="en-US"/>
           </a:p>
@@ -1055,7 +1150,6 @@
               <a:rPr lang="zh-CN" altLang="en-US"/>
               <a:t>单击此处编辑标题样式</a:t>
             </a:r>
-            <a:endParaRPr lang="zh-CN" altLang="en-US"/>
           </a:p>
         </p:txBody>
       </p:sp>
@@ -1109,7 +1203,6 @@
               <a:rPr lang="zh-CN" altLang="en-US"/>
               <a:t>单击此处编辑母版文本样式</a:t>
             </a:r>
-            <a:endParaRPr lang="zh-CN" altLang="en-US"/>
           </a:p>
           <a:p>
             <a:pPr lvl="1"/>
@@ -1117,7 +1210,6 @@
               <a:rPr lang="zh-CN" altLang="en-US"/>
               <a:t>第二级</a:t>
             </a:r>
-            <a:endParaRPr lang="zh-CN" altLang="en-US"/>
           </a:p>
           <a:p>
             <a:pPr lvl="2"/>
@@ -1125,7 +1217,6 @@
               <a:rPr lang="zh-CN" altLang="en-US"/>
               <a:t>第三级</a:t>
             </a:r>
-            <a:endParaRPr lang="zh-CN" altLang="en-US"/>
           </a:p>
           <a:p>
             <a:pPr lvl="3"/>
@@ -1133,7 +1224,6 @@
               <a:rPr lang="zh-CN" altLang="en-US"/>
               <a:t>第四级</a:t>
             </a:r>
-            <a:endParaRPr lang="zh-CN" altLang="en-US"/>
           </a:p>
           <a:p>
             <a:pPr lvl="4"/>
@@ -1141,7 +1231,6 @@
               <a:rPr lang="zh-CN" altLang="en-US"/>
               <a:t>第五级</a:t>
             </a:r>
-            <a:endParaRPr lang="zh-CN" altLang="en-US"/>
           </a:p>
         </p:txBody>
       </p:sp>
@@ -1289,7 +1378,6 @@
               <a:rPr lang="zh-CN" altLang="en-US" dirty="0"/>
               <a:t>单击此处编辑母版文本样式</a:t>
             </a:r>
-            <a:endParaRPr lang="zh-CN" altLang="en-US" dirty="0"/>
           </a:p>
           <a:p>
             <a:pPr lvl="1"/>
@@ -1297,7 +1385,6 @@
               <a:rPr lang="zh-CN" altLang="en-US" dirty="0"/>
               <a:t>第二级</a:t>
             </a:r>
-            <a:endParaRPr lang="zh-CN" altLang="en-US" dirty="0"/>
           </a:p>
           <a:p>
             <a:pPr lvl="2"/>
@@ -1305,7 +1392,6 @@
               <a:rPr lang="zh-CN" altLang="en-US" dirty="0"/>
               <a:t>第三级</a:t>
             </a:r>
-            <a:endParaRPr lang="zh-CN" altLang="en-US" dirty="0"/>
           </a:p>
           <a:p>
             <a:pPr lvl="3"/>
@@ -1313,7 +1399,6 @@
               <a:rPr lang="zh-CN" altLang="en-US" dirty="0"/>
               <a:t>第四级</a:t>
             </a:r>
-            <a:endParaRPr lang="zh-CN" altLang="en-US" dirty="0"/>
           </a:p>
         </p:txBody>
       </p:sp>
@@ -1375,7 +1460,6 @@
               <a:rPr lang="zh-CN" altLang="en-US" dirty="0"/>
               <a:t>单击此处编辑母版文本样式</a:t>
             </a:r>
-            <a:endParaRPr lang="zh-CN" altLang="en-US" dirty="0"/>
           </a:p>
         </p:txBody>
       </p:sp>
@@ -1436,6 +1520,7 @@
             </a:pPr>
             <a:fld id="{4BCD4F28-99F7-483B-9A2D-5E3B2E8C9EEF}" type="slidenum">
               <a:rPr lang="zh-CN" altLang="zh-CN"/>
+              <a:t>‹#›</a:t>
             </a:fld>
             <a:endParaRPr lang="zh-CN" altLang="zh-CN" sz="3200" b="0"/>
           </a:p>
@@ -1547,7 +1632,6 @@
               <a:rPr lang="zh-CN" altLang="en-US" dirty="0"/>
               <a:t> 单击此处编辑母版文本样式</a:t>
             </a:r>
-            <a:endParaRPr lang="zh-CN" altLang="en-US" dirty="0"/>
           </a:p>
           <a:p>
             <a:pPr lvl="1"/>
@@ -1555,7 +1639,6 @@
               <a:rPr lang="zh-CN" altLang="en-US" dirty="0"/>
               <a:t> 第二级</a:t>
             </a:r>
-            <a:endParaRPr lang="zh-CN" altLang="en-US" dirty="0"/>
           </a:p>
           <a:p>
             <a:pPr lvl="2"/>
@@ -1563,7 +1646,6 @@
               <a:rPr lang="zh-CN" altLang="en-US" dirty="0"/>
               <a:t>第三级</a:t>
             </a:r>
-            <a:endParaRPr lang="zh-CN" altLang="en-US" dirty="0"/>
           </a:p>
           <a:p>
             <a:pPr lvl="3"/>
@@ -1571,7 +1653,6 @@
               <a:rPr lang="zh-CN" altLang="en-US" dirty="0"/>
               <a:t>第四级</a:t>
             </a:r>
-            <a:endParaRPr lang="zh-CN" altLang="en-US" dirty="0"/>
           </a:p>
         </p:txBody>
       </p:sp>
@@ -1635,7 +1716,6 @@
               <a:rPr lang="zh-CN" altLang="en-US" dirty="0"/>
               <a:t>单击此处编辑母版文本样式</a:t>
             </a:r>
-            <a:endParaRPr lang="zh-CN" altLang="en-US" dirty="0"/>
           </a:p>
         </p:txBody>
       </p:sp>
@@ -1688,6 +1768,7 @@
             </a:pPr>
             <a:fld id="{4BCD4F28-99F7-483B-9A2D-5E3B2E8C9EEF}" type="slidenum">
               <a:rPr lang="zh-CN" altLang="zh-CN"/>
+              <a:t>‹#›</a:t>
             </a:fld>
             <a:endParaRPr lang="zh-CN" altLang="zh-CN" sz="3200" b="0"/>
           </a:p>
@@ -1740,6 +1821,7 @@
           <a:p>
             <a:fld id="{82F288E0-7875-42C4-84C8-98DBBD3BF4D2}" type="datetimeFigureOut">
               <a:rPr lang="zh-CN" altLang="en-US" smtClean="0"/>
+              <a:t>2020/3/29</a:t>
             </a:fld>
             <a:endParaRPr lang="zh-CN" altLang="en-US"/>
           </a:p>
@@ -1789,6 +1871,7 @@
             </a:pPr>
             <a:fld id="{2A4DE254-CAD5-4B8E-9712-9468A839C993}" type="slidenum">
               <a:rPr lang="zh-CN" altLang="zh-CN"/>
+              <a:t>‹#›</a:t>
             </a:fld>
             <a:endParaRPr lang="zh-CN" altLang="zh-CN"/>
           </a:p>
@@ -1803,7 +1886,7 @@
 </file>
 
 <file path=ppt/slideLayouts/slideLayout7.xml><?xml version="1.0" encoding="utf-8"?>
-<p:sldLayout xmlns:a="http://schemas.openxmlformats.org/drawingml/2006/main" xmlns:r="http://schemas.openxmlformats.org/officeDocument/2006/relationships" xmlns:p="http://schemas.openxmlformats.org/presentationml/2006/main" preserve="1" showMasterSp="0" userDrawn="1">
+<p:sldLayout xmlns:a="http://schemas.openxmlformats.org/drawingml/2006/main" xmlns:r="http://schemas.openxmlformats.org/officeDocument/2006/relationships" xmlns:p="http://schemas.openxmlformats.org/presentationml/2006/main" showMasterSp="0" preserve="1" userDrawn="1">
   <p:cSld name="标题幻灯片">
     <p:spTree>
       <p:nvGrpSpPr>
@@ -1982,7 +2065,6 @@
               <a:rPr lang="zh-CN" altLang="en-US" dirty="0"/>
               <a:t>单击此处编辑母版标题样式</a:t>
             </a:r>
-            <a:endParaRPr lang="zh-CN" altLang="en-US" dirty="0"/>
           </a:p>
         </p:txBody>
       </p:sp>
@@ -2000,7 +2082,7 @@
     <p:bg>
       <p:bgPr>
         <a:blipFill dpi="0" rotWithShape="1">
-          <a:blip r:embed="rId4">
+          <a:blip r:embed="rId5">
             <a:lum/>
           </a:blip>
           <a:srcRect/>
@@ -2054,7 +2136,6 @@
               <a:rPr lang="zh-CN" altLang="en-US"/>
               <a:t>单击此处编辑母版标题样式</a:t>
             </a:r>
-            <a:endParaRPr lang="zh-CN" altLang="en-US"/>
           </a:p>
         </p:txBody>
       </p:sp>
@@ -2088,7 +2169,6 @@
               <a:rPr lang="zh-CN" altLang="en-US"/>
               <a:t>单击此处编辑母版文本样式</a:t>
             </a:r>
-            <a:endParaRPr lang="zh-CN" altLang="en-US"/>
           </a:p>
           <a:p>
             <a:pPr marL="720090" lvl="1" indent="-229870" algn="l" defTabSz="0" rtl="0" eaLnBrk="1" fontAlgn="base" hangingPunct="1">
@@ -2112,7 +2192,6 @@
               <a:rPr lang="zh-CN" altLang="en-US"/>
               <a:t>第二级</a:t>
             </a:r>
-            <a:endParaRPr lang="zh-CN" altLang="en-US"/>
           </a:p>
           <a:p>
             <a:pPr lvl="2"/>
@@ -2120,7 +2199,6 @@
               <a:rPr lang="zh-CN" altLang="en-US"/>
               <a:t>第三级</a:t>
             </a:r>
-            <a:endParaRPr lang="zh-CN" altLang="en-US"/>
           </a:p>
           <a:p>
             <a:pPr lvl="3"/>
@@ -2128,7 +2206,6 @@
               <a:rPr lang="zh-CN" altLang="en-US"/>
               <a:t>第四级</a:t>
             </a:r>
-            <a:endParaRPr lang="zh-CN" altLang="en-US"/>
           </a:p>
           <a:p>
             <a:pPr lvl="4"/>
@@ -2136,7 +2213,6 @@
               <a:rPr lang="zh-CN" altLang="en-US"/>
               <a:t>第五级</a:t>
             </a:r>
-            <a:endParaRPr lang="zh-CN" altLang="en-US"/>
           </a:p>
         </p:txBody>
       </p:sp>
@@ -2149,7 +2225,7 @@
           <p:nvPr userDrawn="1"/>
         </p:nvPicPr>
         <p:blipFill>
-          <a:blip r:embed="rId5">
+          <a:blip r:embed="rId6">
             <a:extLst>
               <a:ext uri="{28A0092B-C50C-407E-A947-70E740481C1C}">
                 <a14:useLocalDpi xmlns:a14="http://schemas.microsoft.com/office/drawing/2010/main" val="0"/>
@@ -2227,7 +2303,7 @@
         <a:buSzPct val="70000"/>
         <a:buFontTx/>
         <a:buBlip>
-          <a:blip r:embed="rId6"/>
+          <a:blip r:embed="rId7"/>
         </a:buBlip>
         <a:defRPr sz="2800" kern="1200">
           <a:solidFill>
@@ -2468,7 +2544,7 @@
     <p:bg bwMode="auto">
       <p:bgPr>
         <a:blipFill dpi="0" rotWithShape="0">
-          <a:blip r:embed="rId5"/>
+          <a:blip r:embed="rId6"/>
           <a:srcRect/>
           <a:stretch>
             <a:fillRect/>
@@ -2531,6 +2607,7 @@
             </a:pPr>
             <a:fld id="{2A4DE254-CAD5-4B8E-9712-9468A839C993}" type="slidenum">
               <a:rPr lang="zh-CN" altLang="zh-CN"/>
+              <a:t>‹#›</a:t>
             </a:fld>
             <a:endParaRPr lang="zh-CN" altLang="zh-CN"/>
           </a:p>
@@ -2545,7 +2622,7 @@
           <p:nvPr/>
         </p:nvPicPr>
         <p:blipFill>
-          <a:blip r:embed="rId6">
+          <a:blip r:embed="rId7">
             <a:extLst>
               <a:ext uri="{28A0092B-C50C-407E-A947-70E740481C1C}">
                 <a14:useLocalDpi xmlns:a14="http://schemas.microsoft.com/office/drawing/2010/main" val="0"/>
@@ -2599,7 +2676,7 @@
           <p:nvPr/>
         </p:nvPicPr>
         <p:blipFill>
-          <a:blip r:embed="rId7">
+          <a:blip r:embed="rId8">
             <a:extLst>
               <a:ext uri="{28A0092B-C50C-407E-A947-70E740481C1C}">
                 <a14:useLocalDpi xmlns:a14="http://schemas.microsoft.com/office/drawing/2010/main" val="0"/>
@@ -3075,7 +3152,14 @@
         <p:cNvGrpSpPr/>
         <p:nvPr/>
       </p:nvGrpSpPr>
-      <p:grpSpPr/>
+      <p:grpSpPr>
+        <a:xfrm>
+          <a:off x="0" y="0"/>
+          <a:ext cx="0" cy="0"/>
+          <a:chOff x="0" y="0"/>
+          <a:chExt cx="0" cy="0"/>
+        </a:xfrm>
+      </p:grpSpPr>
       <p:sp>
         <p:nvSpPr>
           <p:cNvPr id="3" name="内容占位符 2"/>
@@ -3094,12 +3178,12 @@
         </p:spPr>
         <p:txBody>
           <a:bodyPr/>
+          <a:lstStyle/>
           <a:p>
             <a:r>
               <a:rPr lang="zh-CN" altLang="en-US" dirty="0"/>
               <a:t>自我介绍</a:t>
             </a:r>
-            <a:endParaRPr lang="zh-CN" altLang="en-US" dirty="0"/>
           </a:p>
           <a:p>
             <a:endParaRPr lang="zh-CN" altLang="en-US"/>
@@ -3126,6 +3210,7 @@
           <a:bodyPr wrap="square" rtlCol="0" anchor="t">
             <a:spAutoFit/>
           </a:bodyPr>
+          <a:lstStyle/>
           <a:p>
             <a:pPr>
               <a:lnSpc>
@@ -3230,13 +3315,6 @@
     <a:masterClrMapping/>
   </p:clrMapOvr>
   <p:transition/>
-  <p:timing>
-    <p:tnLst>
-      <p:par>
-        <p:cTn id="1" dur="indefinite" restart="never" nodeType="tmRoot"/>
-      </p:par>
-    </p:tnLst>
-  </p:timing>
 </p:sld>
 </file>
 
@@ -3249,7 +3327,14 @@
         <p:cNvGrpSpPr/>
         <p:nvPr/>
       </p:nvGrpSpPr>
-      <p:grpSpPr/>
+      <p:grpSpPr>
+        <a:xfrm>
+          <a:off x="0" y="0"/>
+          <a:ext cx="0" cy="0"/>
+          <a:chOff x="0" y="0"/>
+          <a:chExt cx="0" cy="0"/>
+        </a:xfrm>
+      </p:grpSpPr>
       <p:sp>
         <p:nvSpPr>
           <p:cNvPr id="2" name="内容占位符 1"/>
@@ -3271,6 +3356,7 @@
         </p:spPr>
         <p:txBody>
           <a:bodyPr/>
+          <a:lstStyle/>
           <a:p>
             <a:r>
               <a:rPr lang="en-US" altLang="zh-CN"/>
@@ -3282,7 +3368,7 @@
             </a:r>
             <a:r>
               <a:rPr lang="zh-CN" altLang="en-US">
-                <a:hlinkClick r:id="rId1" action="ppaction://hlinkfile"/>
+                <a:hlinkClick r:id="rId2" action="ppaction://hlinkfile"/>
               </a:rPr>
               <a:t>https://code.visualstudio.com/</a:t>
             </a:r>
@@ -3309,12 +3395,12 @@
         <p:spPr/>
         <p:txBody>
           <a:bodyPr/>
+          <a:lstStyle/>
           <a:p>
             <a:r>
               <a:rPr lang="en-US" altLang="zh-CN"/>
               <a:t>VSCode</a:t>
             </a:r>
-            <a:endParaRPr lang="en-US" altLang="zh-CN"/>
           </a:p>
         </p:txBody>
       </p:sp>
@@ -3327,7 +3413,7 @@
           <p:nvPr/>
         </p:nvPicPr>
         <p:blipFill>
-          <a:blip r:embed="rId2"/>
+          <a:blip r:embed="rId3"/>
           <a:stretch>
             <a:fillRect/>
           </a:stretch>
@@ -3360,7 +3446,14 @@
         <p:cNvGrpSpPr/>
         <p:nvPr/>
       </p:nvGrpSpPr>
-      <p:grpSpPr/>
+      <p:grpSpPr>
+        <a:xfrm>
+          <a:off x="0" y="0"/>
+          <a:ext cx="0" cy="0"/>
+          <a:chOff x="0" y="0"/>
+          <a:chExt cx="0" cy="0"/>
+        </a:xfrm>
+      </p:grpSpPr>
       <p:sp>
         <p:nvSpPr>
           <p:cNvPr id="2" name="内容占位符 1"/>
@@ -3374,6 +3467,7 @@
         <p:spPr/>
         <p:txBody>
           <a:bodyPr/>
+          <a:lstStyle/>
           <a:p>
             <a:r>
               <a:rPr lang="en-US" altLang="zh-CN">
@@ -3387,9 +3481,6 @@
               </a:rPr>
               <a:t>插件</a:t>
             </a:r>
-            <a:endParaRPr lang="zh-CN" altLang="en-US">
-              <a:sym typeface="+mn-ea"/>
-            </a:endParaRPr>
           </a:p>
           <a:p>
             <a:pPr lvl="1"/>
@@ -3512,13 +3603,6 @@
               </a:rPr>
               <a:t>文件路径自动补全插件</a:t>
             </a:r>
-            <a:endParaRPr lang="en-US" altLang="zh-CN">
-              <a:solidFill>
-                <a:schemeClr val="tx1"/>
-              </a:solidFill>
-              <a:cs typeface="+mn-ea"/>
-              <a:sym typeface="+mn-ea"/>
-            </a:endParaRPr>
           </a:p>
           <a:p>
             <a:pPr lvl="1"/>
@@ -3589,6 +3673,7 @@
         <p:spPr/>
         <p:txBody>
           <a:bodyPr/>
+          <a:lstStyle/>
           <a:p>
             <a:r>
               <a:rPr lang="en-US" altLang="zh-CN">
@@ -3686,10 +3771,6 @@
               </a:rPr>
               <a:t>课程介绍</a:t>
             </a:r>
-            <a:endParaRPr lang="zh-CN" altLang="en-US" sz="2800" b="1" dirty="0">
-              <a:latin typeface="微软雅黑" panose="020B0503020204020204" pitchFamily="34" charset="-122"/>
-              <a:ea typeface="微软雅黑" panose="020B0503020204020204" pitchFamily="34" charset="-122"/>
-            </a:endParaRPr>
           </a:p>
           <a:p>
             <a:pPr marL="457200" indent="-457200" algn="l" eaLnBrk="0" hangingPunct="0">
@@ -3761,10 +3842,6 @@
               </a:rPr>
               <a:t>语言特点</a:t>
             </a:r>
-            <a:endParaRPr lang="zh-CN" altLang="en-US" sz="2800" b="1" dirty="0">
-              <a:latin typeface="微软雅黑" panose="020B0503020204020204" pitchFamily="34" charset="-122"/>
-              <a:ea typeface="微软雅黑" panose="020B0503020204020204" pitchFamily="34" charset="-122"/>
-            </a:endParaRPr>
           </a:p>
         </p:txBody>
       </p:sp>
@@ -3937,12 +4014,6 @@
               </a:rPr>
               <a:t>内容提纲</a:t>
             </a:r>
-            <a:endParaRPr lang="zh-CN" altLang="en-US">
-              <a:solidFill>
-                <a:srgbClr val="C00000"/>
-              </a:solidFill>
-              <a:latin typeface="微软雅黑" panose="020B0503020204020204" pitchFamily="34" charset="-122"/>
-            </a:endParaRPr>
           </a:p>
         </p:txBody>
       </p:sp>
@@ -3964,7 +4035,14 @@
         <p:cNvGrpSpPr/>
         <p:nvPr/>
       </p:nvGrpSpPr>
-      <p:grpSpPr/>
+      <p:grpSpPr>
+        <a:xfrm>
+          <a:off x="0" y="0"/>
+          <a:ext cx="0" cy="0"/>
+          <a:chOff x="0" y="0"/>
+          <a:chExt cx="0" cy="0"/>
+        </a:xfrm>
+      </p:grpSpPr>
       <p:sp>
         <p:nvSpPr>
           <p:cNvPr id="2" name="内容占位符 1"/>
@@ -3978,6 +4056,7 @@
         <p:spPr/>
         <p:txBody>
           <a:bodyPr/>
+          <a:lstStyle/>
           <a:p>
             <a:r>
               <a:rPr lang="en-US" altLang="zh-CN"/>
@@ -3987,7 +4066,6 @@
               <a:rPr lang="zh-CN" altLang="en-US"/>
               <a:t>的组成</a:t>
             </a:r>
-            <a:endParaRPr lang="zh-CN" altLang="en-US"/>
           </a:p>
           <a:p>
             <a:endParaRPr lang="en-US" altLang="zh-CN"/>
@@ -4007,6 +4085,7 @@
         <p:spPr/>
         <p:txBody>
           <a:bodyPr/>
+          <a:lstStyle/>
           <a:p>
             <a:r>
               <a:rPr lang="zh-CN" altLang="en-US"/>
@@ -4016,7 +4095,6 @@
               <a:rPr lang="en-US" altLang="zh-CN"/>
               <a:t>JavaScript</a:t>
             </a:r>
-            <a:endParaRPr lang="en-US" altLang="zh-CN"/>
           </a:p>
         </p:txBody>
       </p:sp>
@@ -4029,7 +4107,7 @@
           <p:nvPr/>
         </p:nvPicPr>
         <p:blipFill>
-          <a:blip r:embed="rId1"/>
+          <a:blip r:embed="rId2"/>
           <a:srcRect/>
           <a:stretch>
             <a:fillRect/>
@@ -4070,6 +4148,7 @@
         </p:spPr>
         <p:txBody>
           <a:bodyPr vert="horz" wrap="square" lIns="91440" tIns="45720" rIns="91440" bIns="45720" numCol="1" anchor="t" anchorCtr="0" compatLnSpc="1"/>
+          <a:lstStyle/>
           <a:p>
             <a:pPr marL="0" marR="0" indent="0" algn="l" defTabSz="914400" rtl="0" eaLnBrk="0" fontAlgn="base" latinLnBrk="0" hangingPunct="0">
               <a:lnSpc>
@@ -4087,7 +4166,7 @@
               <a:buNone/>
             </a:pPr>
             <a:r>
-              <a:rPr kumimoji="0" lang="zh-CN" altLang="en-US" sz="3200" b="0" i="0" u="none" strike="noStrike" cap="none" normalizeH="0" baseline="0" smtClean="0">
+              <a:rPr kumimoji="0" lang="zh-CN" altLang="en-US" sz="3200" b="0" i="0" u="none" strike="noStrike" cap="none" normalizeH="0" baseline="0" dirty="0">
                 <a:ln>
                   <a:noFill/>
                 </a:ln>
@@ -4099,7 +4178,7 @@
               </a:rPr>
               <a:t>思考：</a:t>
             </a:r>
-            <a:endParaRPr kumimoji="0" lang="zh-CN" altLang="en-US" sz="3200" b="0" i="0" u="none" strike="noStrike" cap="none" normalizeH="0" baseline="0" smtClean="0">
+            <a:endParaRPr kumimoji="0" lang="zh-CN" altLang="en-US" sz="3200" b="0" i="0" u="none" strike="noStrike" cap="none" normalizeH="0" baseline="0" dirty="0">
               <a:ln>
                 <a:noFill/>
               </a:ln>
@@ -4127,7 +4206,7 @@
               <a:buNone/>
             </a:pPr>
             <a:r>
-              <a:rPr kumimoji="0" lang="en-US" altLang="zh-CN" sz="2800" b="0" i="0" u="none" strike="noStrike" cap="none" normalizeH="0" baseline="0" smtClean="0">
+              <a:rPr kumimoji="0" lang="en-US" altLang="zh-CN" sz="2800" b="0" i="0" u="none" strike="noStrike" cap="none" normalizeH="0" baseline="0" dirty="0">
                 <a:ln>
                   <a:noFill/>
                 </a:ln>
@@ -4140,7 +4219,7 @@
               <a:t>1. JavaScript </a:t>
             </a:r>
             <a:r>
-              <a:rPr kumimoji="0" lang="zh-CN" altLang="en-US" sz="2800" b="0" i="0" u="none" strike="noStrike" cap="none" normalizeH="0" baseline="0" smtClean="0">
+              <a:rPr kumimoji="0" lang="zh-CN" altLang="en-US" sz="2800" b="0" i="0" u="none" strike="noStrike" cap="none" normalizeH="0" baseline="0" dirty="0">
                 <a:ln>
                   <a:noFill/>
                 </a:ln>
@@ -4152,16 +4231,19 @@
               </a:rPr>
               <a:t>只能够在浏览器中执行？</a:t>
             </a:r>
-            <a:endParaRPr kumimoji="0" lang="zh-CN" altLang="en-US" sz="2800" b="0" i="0" u="none" strike="noStrike" cap="none" normalizeH="0" baseline="0" smtClean="0">
-              <a:ln>
-                <a:noFill/>
-              </a:ln>
-              <a:solidFill>
-                <a:schemeClr val="tx1"/>
-              </a:solidFill>
-              <a:effectLst/>
-              <a:latin typeface="Arial" panose="020B0604020202020204" pitchFamily="34" charset="0"/>
-            </a:endParaRPr>
+            <a:r>
+              <a:rPr kumimoji="0" lang="zh-CN" altLang="en-US" sz="2800" b="0" i="0" u="none" strike="noStrike" cap="none" normalizeH="0" baseline="0" dirty="0">
+                <a:ln>
+                  <a:noFill/>
+                </a:ln>
+                <a:solidFill>
+                  <a:srgbClr val="00B0F0"/>
+                </a:solidFill>
+                <a:effectLst/>
+                <a:latin typeface="Arial" panose="020B0604020202020204" pitchFamily="34" charset="0"/>
+              </a:rPr>
+              <a:t>否</a:t>
+            </a:r>
           </a:p>
           <a:p>
             <a:pPr marL="0" marR="0" indent="0" algn="l" defTabSz="914400" rtl="0" eaLnBrk="0" fontAlgn="base" hangingPunct="0">
@@ -4180,7 +4262,7 @@
               <a:buNone/>
             </a:pPr>
             <a:r>
-              <a:rPr kumimoji="0" lang="en-US" altLang="zh-CN" sz="2800" b="0" i="0" u="none" strike="noStrike" cap="none" normalizeH="0" baseline="0" smtClean="0">
+              <a:rPr kumimoji="0" lang="en-US" altLang="zh-CN" sz="2800" b="0" i="0" u="none" strike="noStrike" cap="none" normalizeH="0" baseline="0" dirty="0">
                 <a:ln>
                   <a:noFill/>
                 </a:ln>
@@ -4193,7 +4275,7 @@
               <a:t>2. JavaScript </a:t>
             </a:r>
             <a:r>
-              <a:rPr kumimoji="0" lang="zh-CN" altLang="en-US" sz="2800" b="0" i="0" u="none" strike="noStrike" cap="none" normalizeH="0" baseline="0" smtClean="0">
+              <a:rPr kumimoji="0" lang="zh-CN" altLang="en-US" sz="2800" b="0" i="0" u="none" strike="noStrike" cap="none" normalizeH="0" baseline="0" dirty="0">
                 <a:ln>
                   <a:noFill/>
                 </a:ln>
@@ -4205,12 +4287,34 @@
               </a:rPr>
               <a:t>在浏览器中是如何运行的？</a:t>
             </a:r>
-            <a:endParaRPr kumimoji="0" lang="zh-CN" altLang="en-US" sz="2800" b="0" i="0" u="none" strike="noStrike" cap="none" normalizeH="0" baseline="0" smtClean="0">
+            <a:r>
+              <a:rPr kumimoji="0" lang="en-US" altLang="zh-CN" sz="2800" b="0" i="0" u="none" strike="noStrike" cap="none" normalizeH="0" baseline="0" dirty="0">
+                <a:ln>
+                  <a:noFill/>
+                </a:ln>
+                <a:solidFill>
+                  <a:srgbClr val="00B0F0"/>
+                </a:solidFill>
+                <a:effectLst/>
+                <a:latin typeface="Arial" panose="020B0604020202020204" pitchFamily="34" charset="0"/>
+              </a:rPr>
+              <a:t>JS</a:t>
+            </a:r>
+            <a:r>
+              <a:rPr lang="zh-CN" altLang="en-US" sz="2800" dirty="0">
+                <a:solidFill>
+                  <a:srgbClr val="00B0F0"/>
+                </a:solidFill>
+                <a:latin typeface="Arial" panose="020B0604020202020204" pitchFamily="34" charset="0"/>
+              </a:rPr>
+              <a:t>引擎</a:t>
+            </a:r>
+            <a:endParaRPr kumimoji="0" lang="zh-CN" altLang="en-US" sz="2800" b="0" i="0" u="none" strike="noStrike" cap="none" normalizeH="0" baseline="0" dirty="0">
               <a:ln>
                 <a:noFill/>
               </a:ln>
               <a:solidFill>
-                <a:schemeClr val="tx1"/>
+                <a:srgbClr val="00B0F0"/>
               </a:solidFill>
               <a:effectLst/>
               <a:latin typeface="Arial" panose="020B0604020202020204" pitchFamily="34" charset="0"/>
@@ -4322,7 +4426,14 @@
         <p:cNvGrpSpPr/>
         <p:nvPr/>
       </p:nvGrpSpPr>
-      <p:grpSpPr/>
+      <p:grpSpPr>
+        <a:xfrm>
+          <a:off x="0" y="0"/>
+          <a:ext cx="0" cy="0"/>
+          <a:chOff x="0" y="0"/>
+          <a:chExt cx="0" cy="0"/>
+        </a:xfrm>
+      </p:grpSpPr>
       <p:sp>
         <p:nvSpPr>
           <p:cNvPr id="2" name="内容占位符 1"/>
@@ -4344,12 +4455,12 @@
         </p:spPr>
         <p:txBody>
           <a:bodyPr/>
+          <a:lstStyle/>
           <a:p>
             <a:r>
               <a:rPr lang="en-US" altLang="zh-CN"/>
               <a:t> JavaScript 和 DOM 并不是不可分割的，它们的语言标准相互独立。</a:t>
             </a:r>
-            <a:endParaRPr lang="en-US" altLang="zh-CN"/>
           </a:p>
           <a:p>
             <a:pPr lvl="1"/>
@@ -4477,11 +4588,6 @@
               </a:rPr>
               <a:t>的功能</a:t>
             </a:r>
-            <a:endParaRPr lang="en-US" altLang="zh-CN">
-              <a:solidFill>
-                <a:schemeClr val="tx1"/>
-              </a:solidFill>
-            </a:endParaRPr>
           </a:p>
           <a:p>
             <a:pPr lvl="1"/>
@@ -4506,12 +4612,12 @@
         <p:spPr/>
         <p:txBody>
           <a:bodyPr/>
+          <a:lstStyle/>
           <a:p>
             <a:r>
               <a:rPr lang="zh-CN" altLang="en-US"/>
               <a:t>核心语言和宿主对象</a:t>
             </a:r>
-            <a:endParaRPr lang="zh-CN" altLang="en-US"/>
           </a:p>
         </p:txBody>
       </p:sp>
@@ -4709,13 +4815,6 @@
               </a:rPr>
               <a:t>ECMAScript</a:t>
             </a:r>
-            <a:endParaRPr lang="en-US" altLang="zh-CN" sz="2400">
-              <a:solidFill>
-                <a:srgbClr val="FFFFFF"/>
-              </a:solidFill>
-              <a:latin typeface="微软雅黑" panose="020B0503020204020204" pitchFamily="34" charset="-122"/>
-              <a:ea typeface="微软雅黑" panose="020B0503020204020204" pitchFamily="34" charset="-122"/>
-            </a:endParaRPr>
           </a:p>
         </p:txBody>
       </p:sp>
@@ -4913,13 +5012,6 @@
               </a:rPr>
               <a:t>BOM</a:t>
             </a:r>
-            <a:endParaRPr lang="en-US" altLang="zh-CN" sz="2400">
-              <a:solidFill>
-                <a:srgbClr val="FFFFFF"/>
-              </a:solidFill>
-              <a:latin typeface="微软雅黑" panose="020B0503020204020204" pitchFamily="34" charset="-122"/>
-              <a:ea typeface="微软雅黑" panose="020B0503020204020204" pitchFamily="34" charset="-122"/>
-            </a:endParaRPr>
           </a:p>
         </p:txBody>
       </p:sp>
@@ -5117,13 +5209,6 @@
               </a:rPr>
               <a:t>DOM</a:t>
             </a:r>
-            <a:endParaRPr lang="en-US" altLang="zh-CN" sz="2400">
-              <a:solidFill>
-                <a:srgbClr val="FFFFFF"/>
-              </a:solidFill>
-              <a:latin typeface="微软雅黑" panose="020B0503020204020204" pitchFamily="34" charset="-122"/>
-              <a:ea typeface="微软雅黑" panose="020B0503020204020204" pitchFamily="34" charset="-122"/>
-            </a:endParaRPr>
           </a:p>
         </p:txBody>
       </p:sp>
@@ -5154,6 +5239,7 @@
         </p:spPr>
         <p:txBody>
           <a:bodyPr vert="horz" wrap="square" lIns="91440" tIns="45720" rIns="91440" bIns="45720" numCol="1" anchor="t" anchorCtr="0" compatLnSpc="1"/>
+          <a:lstStyle/>
           <a:p>
             <a:pPr marL="0" marR="0" indent="0" algn="l" defTabSz="914400" rtl="0" eaLnBrk="0" fontAlgn="base" latinLnBrk="0" hangingPunct="0">
               <a:lnSpc>
@@ -5170,7 +5256,7 @@
               <a:buFontTx/>
               <a:buNone/>
             </a:pPr>
-            <a:endParaRPr kumimoji="0" lang="zh-CN" altLang="en-US" sz="3200" b="0" i="0" u="none" strike="noStrike" cap="none" normalizeH="0" baseline="0" smtClean="0">
+            <a:endParaRPr kumimoji="0" lang="zh-CN" altLang="en-US" sz="3200" b="0" i="0" u="none" strike="noStrike" cap="none" normalizeH="0" baseline="0">
               <a:ln>
                 <a:noFill/>
               </a:ln>
@@ -5208,6 +5294,7 @@
         </p:spPr>
         <p:txBody>
           <a:bodyPr vert="horz" wrap="square" lIns="91440" tIns="45720" rIns="91440" bIns="45720" numCol="1" anchor="t" anchorCtr="0" compatLnSpc="1"/>
+          <a:lstStyle/>
           <a:p>
             <a:pPr marL="0" marR="0" indent="0" algn="ctr" defTabSz="914400" rtl="0" eaLnBrk="0" fontAlgn="base" latinLnBrk="0" hangingPunct="0">
               <a:lnSpc>
@@ -5225,7 +5312,7 @@
               <a:buNone/>
             </a:pPr>
             <a:r>
-              <a:rPr kumimoji="0" lang="zh-CN" altLang="en-US" sz="2400" b="0" i="0" u="none" strike="noStrike" cap="none" normalizeH="0" baseline="0" smtClean="0">
+              <a:rPr kumimoji="0" lang="zh-CN" altLang="en-US" sz="2400" b="0" i="0" u="none" strike="noStrike" cap="none" normalizeH="0" baseline="0">
                 <a:ln>
                   <a:noFill/>
                 </a:ln>
@@ -5237,16 +5324,6 @@
               </a:rPr>
               <a:t>宿主对象</a:t>
             </a:r>
-            <a:endParaRPr kumimoji="0" lang="zh-CN" altLang="en-US" sz="2400" b="0" i="0" u="none" strike="noStrike" cap="none" normalizeH="0" baseline="0" smtClean="0">
-              <a:ln>
-                <a:noFill/>
-              </a:ln>
-              <a:solidFill>
-                <a:srgbClr val="FF0000"/>
-              </a:solidFill>
-              <a:effectLst/>
-              <a:latin typeface="Arial" panose="020B0604020202020204" pitchFamily="34" charset="0"/>
-            </a:endParaRPr>
           </a:p>
         </p:txBody>
       </p:sp>
@@ -5277,6 +5354,7 @@
         </p:spPr>
         <p:txBody>
           <a:bodyPr vert="horz" wrap="square" lIns="91440" tIns="45720" rIns="91440" bIns="45720" numCol="1" anchor="t" anchorCtr="0" compatLnSpc="1"/>
+          <a:lstStyle/>
           <a:p>
             <a:pPr marL="0" marR="0" indent="0" algn="l" defTabSz="914400" rtl="0" eaLnBrk="0" fontAlgn="base" latinLnBrk="0" hangingPunct="0">
               <a:lnSpc>
@@ -5293,7 +5371,7 @@
               <a:buFontTx/>
               <a:buNone/>
             </a:pPr>
-            <a:endParaRPr kumimoji="0" lang="zh-CN" altLang="en-US" sz="3200" b="0" i="0" u="none" strike="noStrike" cap="none" normalizeH="0" baseline="0" smtClean="0">
+            <a:endParaRPr kumimoji="0" lang="zh-CN" altLang="en-US" sz="3200" b="0" i="0" u="none" strike="noStrike" cap="none" normalizeH="0" baseline="0">
               <a:ln>
                 <a:noFill/>
               </a:ln>
@@ -5331,6 +5409,7 @@
         </p:spPr>
         <p:txBody>
           <a:bodyPr vert="horz" wrap="square" lIns="91440" tIns="45720" rIns="91440" bIns="45720" numCol="1" anchor="t" anchorCtr="0" compatLnSpc="1"/>
+          <a:lstStyle/>
           <a:p>
             <a:pPr marL="0" marR="0" indent="0" algn="ctr" defTabSz="914400" rtl="0" eaLnBrk="0" fontAlgn="base" latinLnBrk="0" hangingPunct="0">
               <a:lnSpc>
@@ -5348,7 +5427,7 @@
               <a:buNone/>
             </a:pPr>
             <a:r>
-              <a:rPr kumimoji="0" lang="zh-CN" altLang="en-US" sz="2400" b="0" i="0" u="none" strike="noStrike" cap="none" normalizeH="0" baseline="0" smtClean="0">
+              <a:rPr kumimoji="0" lang="zh-CN" altLang="en-US" sz="2400" b="0" i="0" u="none" strike="noStrike" cap="none" normalizeH="0" baseline="0">
                 <a:ln>
                   <a:noFill/>
                 </a:ln>
@@ -5360,16 +5439,6 @@
               </a:rPr>
               <a:t>核心语言</a:t>
             </a:r>
-            <a:endParaRPr kumimoji="0" lang="zh-CN" altLang="en-US" sz="2400" b="0" i="0" u="none" strike="noStrike" cap="none" normalizeH="0" baseline="0" smtClean="0">
-              <a:ln>
-                <a:noFill/>
-              </a:ln>
-              <a:solidFill>
-                <a:srgbClr val="FF0000"/>
-              </a:solidFill>
-              <a:effectLst/>
-              <a:latin typeface="Arial" panose="020B0604020202020204" pitchFamily="34" charset="0"/>
-            </a:endParaRPr>
           </a:p>
         </p:txBody>
       </p:sp>
@@ -5411,6 +5480,7 @@
         </p:style>
         <p:txBody>
           <a:bodyPr/>
+          <a:lstStyle/>
           <a:p>
             <a:pPr>
               <a:defRPr/>
@@ -5446,6 +5516,7 @@
         </p:spPr>
         <p:txBody>
           <a:bodyPr vert="horz" wrap="square" lIns="91440" tIns="45720" rIns="91440" bIns="45720" numCol="1" anchor="t" anchorCtr="0" compatLnSpc="1"/>
+          <a:lstStyle/>
           <a:p>
             <a:pPr marL="0" marR="0" indent="0" algn="ctr" defTabSz="914400" rtl="0" eaLnBrk="0" fontAlgn="base" latinLnBrk="0" hangingPunct="0">
               <a:lnSpc>
@@ -5463,7 +5534,7 @@
               <a:buNone/>
             </a:pPr>
             <a:r>
-              <a:rPr kumimoji="0" lang="zh-CN" altLang="en-US" sz="2400" b="0" i="0" u="none" strike="noStrike" cap="none" normalizeH="0" baseline="0" smtClean="0">
+              <a:rPr kumimoji="0" lang="zh-CN" altLang="en-US" sz="2400" b="0" i="0" u="none" strike="noStrike" cap="none" normalizeH="0" baseline="0">
                 <a:ln>
                   <a:noFill/>
                 </a:ln>
@@ -5476,7 +5547,7 @@
               <a:t>客户端 </a:t>
             </a:r>
             <a:r>
-              <a:rPr kumimoji="0" lang="en-US" altLang="zh-CN" sz="2400" b="0" i="0" u="none" strike="noStrike" cap="none" normalizeH="0" baseline="0" smtClean="0">
+              <a:rPr kumimoji="0" lang="en-US" altLang="zh-CN" sz="2400" b="0" i="0" u="none" strike="noStrike" cap="none" normalizeH="0" baseline="0">
                 <a:ln>
                   <a:noFill/>
                 </a:ln>
@@ -5488,16 +5559,6 @@
               </a:rPr>
               <a:t>JavaScript</a:t>
             </a:r>
-            <a:endParaRPr kumimoji="0" lang="en-US" altLang="zh-CN" sz="2400" b="0" i="0" u="none" strike="noStrike" cap="none" normalizeH="0" baseline="0" smtClean="0">
-              <a:ln>
-                <a:noFill/>
-              </a:ln>
-              <a:solidFill>
-                <a:srgbClr val="FF0000"/>
-              </a:solidFill>
-              <a:effectLst/>
-              <a:latin typeface="Arial" panose="020B0604020202020204" pitchFamily="34" charset="0"/>
-            </a:endParaRPr>
           </a:p>
         </p:txBody>
       </p:sp>
@@ -5528,6 +5589,7 @@
         </p:spPr>
         <p:txBody>
           <a:bodyPr vert="horz" wrap="square" lIns="91440" tIns="45720" rIns="91440" bIns="45720" numCol="1" anchor="t" anchorCtr="0" compatLnSpc="1"/>
+          <a:lstStyle/>
           <a:p>
             <a:pPr marL="0" marR="0" indent="0" algn="l" defTabSz="914400" rtl="0" eaLnBrk="0" fontAlgn="base" latinLnBrk="0" hangingPunct="0">
               <a:lnSpc>
@@ -5544,7 +5606,7 @@
               <a:buFontTx/>
               <a:buNone/>
             </a:pPr>
-            <a:endParaRPr kumimoji="0" lang="zh-CN" altLang="en-US" sz="3200" b="0" i="0" u="none" strike="noStrike" cap="none" normalizeH="0" baseline="0" smtClean="0">
+            <a:endParaRPr kumimoji="0" lang="zh-CN" altLang="en-US" sz="3200" b="0" i="0" u="none" strike="noStrike" cap="none" normalizeH="0" baseline="0">
               <a:ln>
                 <a:noFill/>
               </a:ln>
@@ -5751,13 +5813,6 @@
               </a:rPr>
               <a:t>ECMAScript</a:t>
             </a:r>
-            <a:endParaRPr lang="en-US" altLang="zh-CN" sz="2400">
-              <a:solidFill>
-                <a:srgbClr val="FFFFFF"/>
-              </a:solidFill>
-              <a:latin typeface="微软雅黑" panose="020B0503020204020204" pitchFamily="34" charset="-122"/>
-              <a:ea typeface="微软雅黑" panose="020B0503020204020204" pitchFamily="34" charset="-122"/>
-            </a:endParaRPr>
           </a:p>
         </p:txBody>
       </p:sp>
@@ -5955,13 +6010,6 @@
               </a:rPr>
               <a:t>BOM</a:t>
             </a:r>
-            <a:endParaRPr lang="en-US" altLang="zh-CN" sz="2400">
-              <a:solidFill>
-                <a:srgbClr val="FFFFFF"/>
-              </a:solidFill>
-              <a:latin typeface="微软雅黑" panose="020B0503020204020204" pitchFamily="34" charset="-122"/>
-              <a:ea typeface="微软雅黑" panose="020B0503020204020204" pitchFamily="34" charset="-122"/>
-            </a:endParaRPr>
           </a:p>
         </p:txBody>
       </p:sp>
@@ -5971,13 +6019,6 @@
     <a:masterClrMapping/>
   </p:clrMapOvr>
   <p:transition/>
-  <p:timing>
-    <p:tnLst>
-      <p:par>
-        <p:cTn id="1" dur="indefinite" restart="never" nodeType="tmRoot"/>
-      </p:par>
-    </p:tnLst>
-  </p:timing>
 </p:sld>
 </file>
 
@@ -5990,7 +6031,14 @@
         <p:cNvGrpSpPr/>
         <p:nvPr/>
       </p:nvGrpSpPr>
-      <p:grpSpPr/>
+      <p:grpSpPr>
+        <a:xfrm>
+          <a:off x="0" y="0"/>
+          <a:ext cx="0" cy="0"/>
+          <a:chOff x="0" y="0"/>
+          <a:chExt cx="0" cy="0"/>
+        </a:xfrm>
+      </p:grpSpPr>
       <p:sp>
         <p:nvSpPr>
           <p:cNvPr id="2" name="内容占位符 1"/>
@@ -6004,6 +6052,7 @@
         <p:spPr/>
         <p:txBody>
           <a:bodyPr/>
+          <a:lstStyle/>
           <a:p>
             <a:r>
               <a:rPr lang="en-US" altLang="zh-CN"/>
@@ -6017,7 +6066,6 @@
               <a:rPr lang="en-US" altLang="zh-CN"/>
               <a:t>JavaScript</a:t>
             </a:r>
-            <a:endParaRPr lang="en-US" altLang="zh-CN"/>
           </a:p>
           <a:p>
             <a:endParaRPr lang="en-US" altLang="zh-CN"/>
@@ -6041,7 +6089,6 @@
               <a:rPr lang="en-US" altLang="zh-CN"/>
               <a:t>JavaScript</a:t>
             </a:r>
-            <a:endParaRPr lang="en-US" altLang="zh-CN"/>
           </a:p>
         </p:txBody>
       </p:sp>
@@ -6058,6 +6105,7 @@
         <p:spPr/>
         <p:txBody>
           <a:bodyPr/>
+          <a:lstStyle/>
           <a:p>
             <a:r>
               <a:rPr lang="zh-CN" altLang="en-US"/>
@@ -6067,7 +6115,6 @@
               <a:rPr lang="en-US" altLang="zh-CN"/>
               <a:t>JavaScript</a:t>
             </a:r>
-            <a:endParaRPr lang="en-US" altLang="zh-CN"/>
           </a:p>
         </p:txBody>
       </p:sp>
@@ -6265,13 +6312,6 @@
               </a:rPr>
               <a:t>DOM</a:t>
             </a:r>
-            <a:endParaRPr lang="en-US" altLang="zh-CN" sz="2400">
-              <a:solidFill>
-                <a:srgbClr val="FFFFFF"/>
-              </a:solidFill>
-              <a:latin typeface="微软雅黑" panose="020B0503020204020204" pitchFamily="34" charset="-122"/>
-              <a:ea typeface="微软雅黑" panose="020B0503020204020204" pitchFamily="34" charset="-122"/>
-            </a:endParaRPr>
           </a:p>
         </p:txBody>
       </p:sp>
@@ -6469,13 +6509,6 @@
               </a:rPr>
               <a:t>ECMAScript</a:t>
             </a:r>
-            <a:endParaRPr lang="en-US" altLang="zh-CN" sz="2400">
-              <a:solidFill>
-                <a:srgbClr val="FFFFFF"/>
-              </a:solidFill>
-              <a:latin typeface="微软雅黑" panose="020B0503020204020204" pitchFamily="34" charset="-122"/>
-              <a:ea typeface="微软雅黑" panose="020B0503020204020204" pitchFamily="34" charset="-122"/>
-            </a:endParaRPr>
           </a:p>
         </p:txBody>
       </p:sp>
@@ -6673,13 +6706,6 @@
               </a:rPr>
               <a:t>BOM</a:t>
             </a:r>
-            <a:endParaRPr lang="en-US" altLang="zh-CN" sz="2400">
-              <a:solidFill>
-                <a:srgbClr val="FFFFFF"/>
-              </a:solidFill>
-              <a:latin typeface="微软雅黑" panose="020B0503020204020204" pitchFamily="34" charset="-122"/>
-              <a:ea typeface="微软雅黑" panose="020B0503020204020204" pitchFamily="34" charset="-122"/>
-            </a:endParaRPr>
           </a:p>
         </p:txBody>
       </p:sp>
@@ -6710,6 +6736,7 @@
         </p:spPr>
         <p:txBody>
           <a:bodyPr vert="horz" wrap="square" lIns="91440" tIns="45720" rIns="91440" bIns="45720" numCol="1" anchor="t" anchorCtr="0" compatLnSpc="1"/>
+          <a:lstStyle/>
           <a:p>
             <a:pPr marL="0" marR="0" indent="0" algn="l" defTabSz="914400" rtl="0" eaLnBrk="0" fontAlgn="base" latinLnBrk="0" hangingPunct="0">
               <a:lnSpc>
@@ -6726,7 +6753,7 @@
               <a:buFontTx/>
               <a:buNone/>
             </a:pPr>
-            <a:endParaRPr kumimoji="0" lang="zh-CN" altLang="en-US" sz="3200" b="0" i="0" u="none" strike="noStrike" cap="none" normalizeH="0" baseline="0" smtClean="0">
+            <a:endParaRPr kumimoji="0" lang="zh-CN" altLang="en-US" sz="3200" b="0" i="0" u="none" strike="noStrike" cap="none" normalizeH="0" baseline="0">
               <a:ln>
                 <a:noFill/>
               </a:ln>
@@ -6933,13 +6960,6 @@
               </a:rPr>
               <a:t>......</a:t>
             </a:r>
-            <a:endParaRPr lang="en-US" altLang="zh-CN" sz="2400">
-              <a:solidFill>
-                <a:srgbClr val="FFFFFF"/>
-              </a:solidFill>
-              <a:latin typeface="微软雅黑" panose="020B0503020204020204" pitchFamily="34" charset="-122"/>
-              <a:ea typeface="微软雅黑" panose="020B0503020204020204" pitchFamily="34" charset="-122"/>
-            </a:endParaRPr>
           </a:p>
         </p:txBody>
       </p:sp>
@@ -7137,13 +7157,6 @@
               </a:rPr>
               <a:t>ECMAScript</a:t>
             </a:r>
-            <a:endParaRPr lang="en-US" altLang="zh-CN" sz="2400">
-              <a:solidFill>
-                <a:srgbClr val="FFFFFF"/>
-              </a:solidFill>
-              <a:latin typeface="微软雅黑" panose="020B0503020204020204" pitchFamily="34" charset="-122"/>
-              <a:ea typeface="微软雅黑" panose="020B0503020204020204" pitchFamily="34" charset="-122"/>
-            </a:endParaRPr>
           </a:p>
         </p:txBody>
       </p:sp>
@@ -7341,13 +7354,6 @@
               </a:rPr>
               <a:t>fs</a:t>
             </a:r>
-            <a:endParaRPr lang="en-US" altLang="zh-CN" sz="2400">
-              <a:solidFill>
-                <a:srgbClr val="FFFFFF"/>
-              </a:solidFill>
-              <a:latin typeface="微软雅黑" panose="020B0503020204020204" pitchFamily="34" charset="-122"/>
-              <a:ea typeface="微软雅黑" panose="020B0503020204020204" pitchFamily="34" charset="-122"/>
-            </a:endParaRPr>
           </a:p>
         </p:txBody>
       </p:sp>
@@ -7378,6 +7384,7 @@
         </p:spPr>
         <p:txBody>
           <a:bodyPr vert="horz" wrap="square" lIns="91440" tIns="45720" rIns="91440" bIns="45720" numCol="1" anchor="t" anchorCtr="0" compatLnSpc="1"/>
+          <a:lstStyle/>
           <a:p>
             <a:pPr marL="0" marR="0" indent="0" algn="l" defTabSz="914400" rtl="0" eaLnBrk="0" fontAlgn="base" latinLnBrk="0" hangingPunct="0">
               <a:lnSpc>
@@ -7394,7 +7401,7 @@
               <a:buFontTx/>
               <a:buNone/>
             </a:pPr>
-            <a:endParaRPr kumimoji="0" lang="zh-CN" altLang="en-US" sz="3200" b="0" i="0" u="none" strike="noStrike" cap="none" normalizeH="0" baseline="0" smtClean="0">
+            <a:endParaRPr kumimoji="0" lang="zh-CN" altLang="en-US" sz="3200" b="0" i="0" u="none" strike="noStrike" cap="none" normalizeH="0" baseline="0">
               <a:ln>
                 <a:noFill/>
               </a:ln>
@@ -7474,6 +7481,7 @@
           </p:spPr>
           <p:txBody>
             <a:bodyPr vert="horz" wrap="square" lIns="91440" tIns="45720" rIns="91440" bIns="45720" numCol="1" anchor="t" anchorCtr="0" compatLnSpc="1"/>
+            <a:lstStyle/>
             <a:p>
               <a:pPr marL="0" marR="0" indent="0" algn="ctr" defTabSz="914400" rtl="0" eaLnBrk="0" fontAlgn="base" latinLnBrk="0" hangingPunct="0">
                 <a:lnSpc>
@@ -7491,7 +7499,7 @@
                 <a:buNone/>
               </a:pPr>
               <a:r>
-                <a:rPr kumimoji="0" lang="en-US" altLang="zh-CN" sz="2800" b="0" i="0" u="none" strike="noStrike" cap="none" normalizeH="0" baseline="0" smtClean="0">
+                <a:rPr kumimoji="0" lang="en-US" altLang="zh-CN" sz="2800" b="0" i="0" u="none" strike="noStrike" cap="none" normalizeH="0" baseline="0">
                   <a:ln>
                     <a:noFill/>
                   </a:ln>
@@ -7503,16 +7511,6 @@
                 </a:rPr>
                 <a:t>Node.js</a:t>
               </a:r>
-              <a:endParaRPr kumimoji="0" lang="en-US" altLang="zh-CN" sz="2800" b="0" i="0" u="none" strike="noStrike" cap="none" normalizeH="0" baseline="0" smtClean="0">
-                <a:ln>
-                  <a:noFill/>
-                </a:ln>
-                <a:solidFill>
-                  <a:srgbClr val="FF0000"/>
-                </a:solidFill>
-                <a:effectLst/>
-                <a:latin typeface="Arial" panose="020B0604020202020204" pitchFamily="34" charset="0"/>
-              </a:endParaRPr>
             </a:p>
           </p:txBody>
         </p:sp>
@@ -7617,7 +7615,14 @@
         <p:cNvGrpSpPr/>
         <p:nvPr/>
       </p:nvGrpSpPr>
-      <p:grpSpPr/>
+      <p:grpSpPr>
+        <a:xfrm>
+          <a:off x="0" y="0"/>
+          <a:ext cx="0" cy="0"/>
+          <a:chOff x="0" y="0"/>
+          <a:chExt cx="0" cy="0"/>
+        </a:xfrm>
+      </p:grpSpPr>
       <p:sp>
         <p:nvSpPr>
           <p:cNvPr id="11" name="内容占位符 10"/>
@@ -7631,6 +7636,7 @@
         <p:spPr/>
         <p:txBody>
           <a:bodyPr/>
+          <a:lstStyle/>
           <a:p>
             <a:r>
               <a:rPr lang="en-US" altLang="zh-CN"/>
@@ -7680,6 +7686,7 @@
         <p:spPr/>
         <p:txBody>
           <a:bodyPr/>
+          <a:lstStyle/>
           <a:p>
             <a:r>
               <a:rPr lang="zh-CN" altLang="en-US">
@@ -7709,7 +7716,7 @@
           <p:nvPr/>
         </p:nvPicPr>
         <p:blipFill>
-          <a:blip r:embed="rId1">
+          <a:blip r:embed="rId3">
             <a:extLst>
               <a:ext uri="{28A0092B-C50C-407E-A947-70E740481C1C}">
                 <a14:useLocalDpi xmlns:a14="http://schemas.microsoft.com/office/drawing/2010/main" val="0"/>
@@ -7803,6 +7810,7 @@
         </p:style>
         <p:txBody>
           <a:bodyPr rtlCol="0" anchor="ctr"/>
+          <a:lstStyle/>
           <a:p>
             <a:pPr algn="ctr"/>
             <a:endParaRPr lang="zh-CN" altLang="en-US"/>
@@ -7851,6 +7859,7 @@
         </p:style>
         <p:txBody>
           <a:bodyPr rtlCol="0" anchor="ctr"/>
+          <a:lstStyle/>
           <a:p>
             <a:pPr algn="ctr"/>
             <a:endParaRPr lang="zh-CN" altLang="en-US"/>
@@ -7899,6 +7908,7 @@
         </p:style>
         <p:txBody>
           <a:bodyPr rtlCol="0" anchor="ctr"/>
+          <a:lstStyle/>
           <a:p>
             <a:pPr algn="ctr"/>
             <a:endParaRPr lang="zh-CN" altLang="en-US"/>
@@ -7947,6 +7957,7 @@
         </p:style>
         <p:txBody>
           <a:bodyPr rtlCol="0" anchor="ctr"/>
+          <a:lstStyle/>
           <a:p>
             <a:pPr algn="ctr"/>
             <a:endParaRPr lang="zh-CN" altLang="en-US"/>
@@ -7995,6 +8006,7 @@
         </p:style>
         <p:txBody>
           <a:bodyPr rtlCol="0" anchor="ctr"/>
+          <a:lstStyle/>
           <a:p>
             <a:pPr algn="ctr"/>
             <a:endParaRPr lang="zh-CN" altLang="en-US"/>
@@ -8043,6 +8055,7 @@
         </p:style>
         <p:txBody>
           <a:bodyPr rtlCol="0" anchor="ctr"/>
+          <a:lstStyle/>
           <a:p>
             <a:pPr algn="ctr"/>
             <a:endParaRPr lang="zh-CN" altLang="en-US"/>
@@ -8067,7 +8080,14 @@
         <p:cNvGrpSpPr/>
         <p:nvPr/>
       </p:nvGrpSpPr>
-      <p:grpSpPr/>
+      <p:grpSpPr>
+        <a:xfrm>
+          <a:off x="0" y="0"/>
+          <a:ext cx="0" cy="0"/>
+          <a:chOff x="0" y="0"/>
+          <a:chExt cx="0" cy="0"/>
+        </a:xfrm>
+      </p:grpSpPr>
       <p:sp>
         <p:nvSpPr>
           <p:cNvPr id="2" name="内容占位符 1"/>
@@ -8081,6 +8101,7 @@
         <p:spPr/>
         <p:txBody>
           <a:bodyPr/>
+          <a:lstStyle/>
           <a:p>
             <a:r>
               <a:rPr lang="en-US" altLang="zh-CN"/>
@@ -8129,12 +8150,12 @@
         <p:spPr/>
         <p:txBody>
           <a:bodyPr/>
+          <a:lstStyle/>
           <a:p>
             <a:r>
               <a:rPr lang="zh-CN" altLang="en-US"/>
               <a:t>浏览器</a:t>
             </a:r>
-            <a:endParaRPr lang="zh-CN" altLang="en-US"/>
           </a:p>
         </p:txBody>
       </p:sp>
@@ -8155,13 +8176,26 @@
                 <a:tableStyleId>{5C22544A-7EE6-4342-B048-85BDC9FD1C3A}</a:tableStyleId>
               </a:tblPr>
               <a:tblGrid>
-                <a:gridCol w="2044700"/>
-                <a:gridCol w="5995670"/>
+                <a:gridCol w="2044700">
+                  <a:extLst>
+                    <a:ext uri="{9D8B030D-6E8A-4147-A177-3AD203B41FA5}">
+                      <a16:colId xmlns:a16="http://schemas.microsoft.com/office/drawing/2014/main" val="20000"/>
+                    </a:ext>
+                  </a:extLst>
+                </a:gridCol>
+                <a:gridCol w="5995670">
+                  <a:extLst>
+                    <a:ext uri="{9D8B030D-6E8A-4147-A177-3AD203B41FA5}">
+                      <a16:colId xmlns:a16="http://schemas.microsoft.com/office/drawing/2014/main" val="20001"/>
+                    </a:ext>
+                  </a:extLst>
+                </a:gridCol>
               </a:tblGrid>
               <a:tr h="381000">
                 <a:tc>
                   <a:txBody>
                     <a:bodyPr/>
+                    <a:lstStyle/>
                     <a:p>
                       <a:pPr>
                         <a:buNone/>
@@ -8173,10 +8207,6 @@
                         </a:rPr>
                         <a:t>浏览器</a:t>
                       </a:r>
-                      <a:endParaRPr lang="zh-CN" altLang="en-US" sz="2600">
-                        <a:latin typeface="微软雅黑" panose="020B0503020204020204" pitchFamily="34" charset="-122"/>
-                        <a:ea typeface="微软雅黑" panose="020B0503020204020204" pitchFamily="34" charset="-122"/>
-                      </a:endParaRPr>
                     </a:p>
                   </a:txBody>
                   <a:tcPr/>
@@ -8184,6 +8214,7 @@
                 <a:tc>
                   <a:txBody>
                     <a:bodyPr/>
+                    <a:lstStyle/>
                     <a:p>
                       <a:pPr>
                         <a:buNone/>
@@ -8228,20 +8259,21 @@
                         </a:rPr>
                         <a:t>)</a:t>
                       </a:r>
-                      <a:endParaRPr lang="en-US" altLang="zh-CN" sz="2600">
-                        <a:latin typeface="微软雅黑" panose="020B0503020204020204" pitchFamily="34" charset="-122"/>
-                        <a:ea typeface="微软雅黑" panose="020B0503020204020204" pitchFamily="34" charset="-122"/>
-                        <a:cs typeface="微软雅黑" panose="020B0503020204020204" pitchFamily="34" charset="-122"/>
-                      </a:endParaRPr>
                     </a:p>
                   </a:txBody>
                   <a:tcPr/>
                 </a:tc>
+                <a:extLst>
+                  <a:ext uri="{0D108BD9-81ED-4DB2-BD59-A6C34878D82A}">
+                    <a16:rowId xmlns:a16="http://schemas.microsoft.com/office/drawing/2014/main" val="10000"/>
+                  </a:ext>
+                </a:extLst>
               </a:tr>
               <a:tr h="564515">
                 <a:tc>
                   <a:txBody>
                     <a:bodyPr/>
+                    <a:lstStyle/>
                     <a:p>
                       <a:pPr>
                         <a:buNone/>
@@ -8253,10 +8285,6 @@
                         </a:rPr>
                         <a:t>Chrome</a:t>
                       </a:r>
-                      <a:endParaRPr lang="en-US" altLang="zh-CN" sz="2400" b="1">
-                        <a:latin typeface="微软雅黑" panose="020B0503020204020204" pitchFamily="34" charset="-122"/>
-                        <a:ea typeface="微软雅黑" panose="020B0503020204020204" pitchFamily="34" charset="-122"/>
-                      </a:endParaRPr>
                     </a:p>
                   </a:txBody>
                   <a:tcPr/>
@@ -8264,6 +8292,7 @@
                 <a:tc>
                   <a:txBody>
                     <a:bodyPr/>
+                    <a:lstStyle/>
                     <a:p>
                       <a:pPr>
                         <a:buNone/>
@@ -8275,19 +8304,21 @@
                         </a:rPr>
                         <a:t>v8</a:t>
                       </a:r>
-                      <a:endParaRPr lang="en-US" altLang="zh-CN" sz="2400" b="1">
-                        <a:latin typeface="微软雅黑" panose="020B0503020204020204" pitchFamily="34" charset="-122"/>
-                        <a:ea typeface="微软雅黑" panose="020B0503020204020204" pitchFamily="34" charset="-122"/>
-                      </a:endParaRPr>
                     </a:p>
                   </a:txBody>
                   <a:tcPr/>
                 </a:tc>
+                <a:extLst>
+                  <a:ext uri="{0D108BD9-81ED-4DB2-BD59-A6C34878D82A}">
+                    <a16:rowId xmlns:a16="http://schemas.microsoft.com/office/drawing/2014/main" val="10001"/>
+                  </a:ext>
+                </a:extLst>
               </a:tr>
               <a:tr h="537845">
                 <a:tc>
                   <a:txBody>
                     <a:bodyPr/>
+                    <a:lstStyle/>
                     <a:p>
                       <a:pPr>
                         <a:buNone/>
@@ -8299,10 +8330,6 @@
                         </a:rPr>
                         <a:t>FireFox</a:t>
                       </a:r>
-                      <a:endParaRPr lang="en-US" altLang="zh-CN" sz="2400">
-                        <a:latin typeface="微软雅黑" panose="020B0503020204020204" pitchFamily="34" charset="-122"/>
-                        <a:ea typeface="微软雅黑" panose="020B0503020204020204" pitchFamily="34" charset="-122"/>
-                      </a:endParaRPr>
                     </a:p>
                   </a:txBody>
                   <a:tcPr/>
@@ -8310,6 +8337,7 @@
                 <a:tc>
                   <a:txBody>
                     <a:bodyPr/>
+                    <a:lstStyle/>
                     <a:p>
                       <a:pPr>
                         <a:buNone/>
@@ -8321,19 +8349,21 @@
                         </a:rPr>
                         <a:t>SpiderMonkey</a:t>
                       </a:r>
-                      <a:endParaRPr lang="en-US" altLang="zh-CN" sz="2400">
-                        <a:latin typeface="微软雅黑" panose="020B0503020204020204" pitchFamily="34" charset="-122"/>
-                        <a:ea typeface="微软雅黑" panose="020B0503020204020204" pitchFamily="34" charset="-122"/>
-                      </a:endParaRPr>
                     </a:p>
                   </a:txBody>
                   <a:tcPr/>
                 </a:tc>
+                <a:extLst>
+                  <a:ext uri="{0D108BD9-81ED-4DB2-BD59-A6C34878D82A}">
+                    <a16:rowId xmlns:a16="http://schemas.microsoft.com/office/drawing/2014/main" val="10002"/>
+                  </a:ext>
+                </a:extLst>
               </a:tr>
               <a:tr h="547370">
                 <a:tc>
                   <a:txBody>
                     <a:bodyPr/>
+                    <a:lstStyle/>
                     <a:p>
                       <a:pPr>
                         <a:buNone/>
@@ -8345,10 +8375,6 @@
                         </a:rPr>
                         <a:t>Safari</a:t>
                       </a:r>
-                      <a:endParaRPr lang="en-US" altLang="zh-CN" sz="2400">
-                        <a:latin typeface="微软雅黑" panose="020B0503020204020204" pitchFamily="34" charset="-122"/>
-                        <a:ea typeface="微软雅黑" panose="020B0503020204020204" pitchFamily="34" charset="-122"/>
-                      </a:endParaRPr>
                     </a:p>
                   </a:txBody>
                   <a:tcPr/>
@@ -8356,6 +8382,7 @@
                 <a:tc>
                   <a:txBody>
                     <a:bodyPr/>
+                    <a:lstStyle/>
                     <a:p>
                       <a:pPr>
                         <a:buNone/>
@@ -8367,19 +8394,21 @@
                         </a:rPr>
                         <a:t>JavaScriptCore</a:t>
                       </a:r>
-                      <a:endParaRPr lang="zh-CN" altLang="en-US" sz="2400">
-                        <a:latin typeface="微软雅黑" panose="020B0503020204020204" pitchFamily="34" charset="-122"/>
-                        <a:ea typeface="微软雅黑" panose="020B0503020204020204" pitchFamily="34" charset="-122"/>
-                      </a:endParaRPr>
                     </a:p>
                   </a:txBody>
                   <a:tcPr/>
                 </a:tc>
+                <a:extLst>
+                  <a:ext uri="{0D108BD9-81ED-4DB2-BD59-A6C34878D82A}">
+                    <a16:rowId xmlns:a16="http://schemas.microsoft.com/office/drawing/2014/main" val="10003"/>
+                  </a:ext>
+                </a:extLst>
               </a:tr>
               <a:tr h="528955">
                 <a:tc>
                   <a:txBody>
                     <a:bodyPr/>
+                    <a:lstStyle/>
                     <a:p>
                       <a:pPr>
                         <a:buNone/>
@@ -8391,10 +8420,6 @@
                         </a:rPr>
                         <a:t>Opera                                 </a:t>
                       </a:r>
-                      <a:endParaRPr lang="zh-CN" altLang="en-US" sz="2400">
-                        <a:latin typeface="微软雅黑" panose="020B0503020204020204" pitchFamily="34" charset="-122"/>
-                        <a:ea typeface="微软雅黑" panose="020B0503020204020204" pitchFamily="34" charset="-122"/>
-                      </a:endParaRPr>
                     </a:p>
                   </a:txBody>
                   <a:tcPr/>
@@ -8402,6 +8427,7 @@
                 <a:tc>
                   <a:txBody>
                     <a:bodyPr/>
+                    <a:lstStyle/>
                     <a:p>
                       <a:pPr>
                         <a:buNone/>
@@ -8414,20 +8440,21 @@
                         </a:rPr>
                         <a:t>Carakan</a:t>
                       </a:r>
-                      <a:endParaRPr lang="zh-CN" altLang="en-US" sz="2400">
-                        <a:latin typeface="微软雅黑" panose="020B0503020204020204" pitchFamily="34" charset="-122"/>
-                        <a:ea typeface="微软雅黑" panose="020B0503020204020204" pitchFamily="34" charset="-122"/>
-                        <a:sym typeface="+mn-ea"/>
-                      </a:endParaRPr>
                     </a:p>
                   </a:txBody>
                   <a:tcPr/>
                 </a:tc>
+                <a:extLst>
+                  <a:ext uri="{0D108BD9-81ED-4DB2-BD59-A6C34878D82A}">
+                    <a16:rowId xmlns:a16="http://schemas.microsoft.com/office/drawing/2014/main" val="10004"/>
+                  </a:ext>
+                </a:extLst>
               </a:tr>
               <a:tr h="381000">
                 <a:tc>
                   <a:txBody>
                     <a:bodyPr/>
+                    <a:lstStyle/>
                     <a:p>
                       <a:pPr>
                         <a:buNone/>
@@ -8439,10 +8466,6 @@
                         </a:rPr>
                         <a:t>IE  -&gt; Edge</a:t>
                       </a:r>
-                      <a:endParaRPr lang="zh-CN" altLang="en-US" sz="2400">
-                        <a:latin typeface="微软雅黑" panose="020B0503020204020204" pitchFamily="34" charset="-122"/>
-                        <a:ea typeface="微软雅黑" panose="020B0503020204020204" pitchFamily="34" charset="-122"/>
-                      </a:endParaRPr>
                     </a:p>
                   </a:txBody>
                   <a:tcPr/>
@@ -8450,6 +8473,7 @@
                 <a:tc>
                   <a:txBody>
                     <a:bodyPr/>
+                    <a:lstStyle/>
                     <a:p>
                       <a:pPr>
                         <a:buNone/>
@@ -8470,15 +8494,15 @@
                         </a:rPr>
                         <a:t>)</a:t>
                       </a:r>
-                      <a:endParaRPr lang="en-US" altLang="zh-CN" sz="2400">
-                        <a:latin typeface="微软雅黑" panose="020B0503020204020204" pitchFamily="34" charset="-122"/>
-                        <a:ea typeface="微软雅黑" panose="020B0503020204020204" pitchFamily="34" charset="-122"/>
-                        <a:cs typeface="微软雅黑" panose="020B0503020204020204" pitchFamily="34" charset="-122"/>
-                      </a:endParaRPr>
                     </a:p>
                   </a:txBody>
                   <a:tcPr/>
                 </a:tc>
+                <a:extLst>
+                  <a:ext uri="{0D108BD9-81ED-4DB2-BD59-A6C34878D82A}">
+                    <a16:rowId xmlns:a16="http://schemas.microsoft.com/office/drawing/2014/main" val="10005"/>
+                  </a:ext>
+                </a:extLst>
               </a:tr>
             </a:tbl>
           </a:graphicData>
@@ -10608,7 +10632,14 @@
         <p:cNvGrpSpPr/>
         <p:nvPr/>
       </p:nvGrpSpPr>
-      <p:grpSpPr/>
+      <p:grpSpPr>
+        <a:xfrm>
+          <a:off x="0" y="0"/>
+          <a:ext cx="0" cy="0"/>
+          <a:chOff x="0" y="0"/>
+          <a:chExt cx="0" cy="0"/>
+        </a:xfrm>
+      </p:grpSpPr>
       <p:sp>
         <p:nvSpPr>
           <p:cNvPr id="2" name="内容占位符 1"/>
@@ -10622,6 +10653,7 @@
         <p:spPr/>
         <p:txBody>
           <a:bodyPr/>
+          <a:lstStyle/>
           <a:p>
             <a:r>
               <a:rPr lang="en-US" altLang="zh-CN"/>
@@ -10633,9 +10665,6 @@
               </a:rPr>
               <a:t>ECMAScript（ES）是 JavaScript 的语法标准</a:t>
             </a:r>
-            <a:endParaRPr lang="en-US" altLang="zh-CN">
-              <a:sym typeface="+mn-ea"/>
-            </a:endParaRPr>
           </a:p>
           <a:p>
             <a:r>
@@ -10644,9 +10673,6 @@
               </a:rPr>
               <a:t> ECMAScript 的版本</a:t>
             </a:r>
-            <a:endParaRPr lang="en-US" altLang="zh-CN">
-              <a:sym typeface="+mn-ea"/>
-            </a:endParaRPr>
           </a:p>
           <a:p>
             <a:pPr lvl="1"/>
@@ -10704,12 +10730,6 @@
               </a:rPr>
               <a:t>ES5</a:t>
             </a:r>
-            <a:endParaRPr lang="en-US" altLang="zh-CN" dirty="0">
-              <a:solidFill>
-                <a:schemeClr val="tx1"/>
-              </a:solidFill>
-              <a:sym typeface="+mn-ea"/>
-            </a:endParaRPr>
           </a:p>
           <a:p>
             <a:pPr lvl="1"/>
@@ -10812,12 +10832,6 @@
               </a:rPr>
               <a:t>中的缺陷，逐渐流行开来</a:t>
             </a:r>
-            <a:endParaRPr lang="zh-CN" altLang="en-US" dirty="0">
-              <a:solidFill>
-                <a:schemeClr val="tx1"/>
-              </a:solidFill>
-              <a:sym typeface="+mn-ea"/>
-            </a:endParaRPr>
           </a:p>
           <a:p>
             <a:pPr lvl="1"/>
@@ -10853,12 +10867,6 @@
               </a:rPr>
               <a:t>）完善 ES6 规范</a:t>
             </a:r>
-            <a:endParaRPr dirty="0">
-              <a:solidFill>
-                <a:schemeClr val="tx1"/>
-              </a:solidFill>
-              <a:cs typeface="+mn-ea"/>
-            </a:endParaRPr>
           </a:p>
           <a:p>
             <a:pPr lvl="1" algn="l"/>
@@ -10875,12 +10883,6 @@
               </a:rPr>
               <a:t>（2017年06月发布） 增加新的功能，如并发、原子操作等</a:t>
             </a:r>
-            <a:endParaRPr dirty="0">
-              <a:solidFill>
-                <a:schemeClr val="tx1"/>
-              </a:solidFill>
-              <a:cs typeface="+mn-ea"/>
-            </a:endParaRPr>
           </a:p>
           <a:p>
             <a:pPr lvl="1" algn="l"/>
@@ -10930,13 +10932,6 @@
               </a:rPr>
               <a:t>增加了异步迭代，RegExp 等相关功能</a:t>
             </a:r>
-            <a:endParaRPr lang="zh-CN" dirty="0">
-              <a:solidFill>
-                <a:schemeClr val="tx1"/>
-              </a:solidFill>
-              <a:cs typeface="+mn-ea"/>
-              <a:sym typeface="+mn-ea"/>
-            </a:endParaRPr>
           </a:p>
           <a:p>
             <a:pPr lvl="1" algn="l"/>
@@ -10997,13 +10992,6 @@
               </a:rPr>
               <a:t>增加了一些新的方法</a:t>
             </a:r>
-            <a:endParaRPr lang="zh-CN" dirty="0">
-              <a:solidFill>
-                <a:schemeClr val="tx1"/>
-              </a:solidFill>
-              <a:cs typeface="+mn-ea"/>
-              <a:sym typeface="+mn-ea"/>
-            </a:endParaRPr>
           </a:p>
           <a:p>
             <a:pPr lvl="1" algn="l"/>
@@ -11050,12 +11038,12 @@
         <p:spPr/>
         <p:txBody>
           <a:bodyPr/>
+          <a:lstStyle/>
           <a:p>
             <a:r>
               <a:rPr lang="en-US" altLang="zh-CN"/>
               <a:t>ECMAScript</a:t>
             </a:r>
-            <a:endParaRPr lang="en-US" altLang="zh-CN"/>
           </a:p>
         </p:txBody>
       </p:sp>
@@ -11086,6 +11074,7 @@
         </p:spPr>
         <p:txBody>
           <a:bodyPr vert="horz" wrap="square" lIns="91440" tIns="45720" rIns="91440" bIns="45720" numCol="1" anchor="t" anchorCtr="0" compatLnSpc="1"/>
+          <a:lstStyle/>
           <a:p>
             <a:pPr marL="0" marR="0" indent="0" algn="ctr" defTabSz="914400" rtl="0" eaLnBrk="0" fontAlgn="base" latinLnBrk="0" hangingPunct="0">
               <a:lnSpc>
@@ -11103,7 +11092,7 @@
               <a:buNone/>
             </a:pPr>
             <a:r>
-              <a:rPr kumimoji="0" lang="zh-CN" altLang="en-US" sz="2400" b="0" i="0" u="none" strike="noStrike" cap="none" normalizeH="0" baseline="0" smtClean="0">
+              <a:rPr kumimoji="0" lang="zh-CN" altLang="en-US" sz="2400" b="0" i="0" u="none" strike="noStrike" cap="none" normalizeH="0" baseline="0">
                 <a:ln>
                   <a:noFill/>
                 </a:ln>
@@ -11115,16 +11104,6 @@
               </a:rPr>
               <a:t>每年更新一个版本</a:t>
             </a:r>
-            <a:endParaRPr kumimoji="0" lang="zh-CN" altLang="en-US" sz="2400" b="0" i="0" u="none" strike="noStrike" cap="none" normalizeH="0" baseline="0" smtClean="0">
-              <a:ln>
-                <a:noFill/>
-              </a:ln>
-              <a:solidFill>
-                <a:srgbClr val="C00000"/>
-              </a:solidFill>
-              <a:effectLst/>
-              <a:latin typeface="Arial" panose="020B0604020202020204" pitchFamily="34" charset="0"/>
-            </a:endParaRPr>
           </a:p>
         </p:txBody>
       </p:sp>
@@ -11303,10 +11282,6 @@
               </a:rPr>
               <a:t>课程介绍</a:t>
             </a:r>
-            <a:endParaRPr lang="zh-CN" altLang="en-US" sz="2800" b="1" dirty="0">
-              <a:latin typeface="微软雅黑" panose="020B0503020204020204" pitchFamily="34" charset="-122"/>
-              <a:ea typeface="微软雅黑" panose="020B0503020204020204" pitchFamily="34" charset="-122"/>
-            </a:endParaRPr>
           </a:p>
           <a:p>
             <a:pPr marL="457200" indent="-457200" algn="l" eaLnBrk="0" hangingPunct="0">
@@ -11378,13 +11353,6 @@
               </a:rPr>
               <a:t>语言特点</a:t>
             </a:r>
-            <a:endParaRPr lang="zh-CN" altLang="en-US" sz="2800" b="1" dirty="0">
-              <a:solidFill>
-                <a:srgbClr val="FF0000"/>
-              </a:solidFill>
-              <a:latin typeface="微软雅黑" panose="020B0503020204020204" pitchFamily="34" charset="-122"/>
-              <a:ea typeface="微软雅黑" panose="020B0503020204020204" pitchFamily="34" charset="-122"/>
-            </a:endParaRPr>
           </a:p>
         </p:txBody>
       </p:sp>
@@ -11557,12 +11525,6 @@
               </a:rPr>
               <a:t>内容提纲</a:t>
             </a:r>
-            <a:endParaRPr lang="zh-CN" altLang="en-US">
-              <a:solidFill>
-                <a:srgbClr val="C00000"/>
-              </a:solidFill>
-              <a:latin typeface="微软雅黑" panose="020B0503020204020204" pitchFamily="34" charset="-122"/>
-            </a:endParaRPr>
           </a:p>
         </p:txBody>
       </p:sp>
@@ -11601,7 +11563,7 @@
           <p:nvPr/>
         </p:nvPicPr>
         <p:blipFill>
-          <a:blip r:embed="rId1">
+          <a:blip r:embed="rId3">
             <a:extLst>
               <a:ext uri="{28A0092B-C50C-407E-A947-70E740481C1C}">
                 <a14:useLocalDpi xmlns:a14="http://schemas.microsoft.com/office/drawing/2010/main" val="0"/>
@@ -11710,13 +11672,6 @@
               </a:rPr>
               <a:t>进阶</a:t>
             </a:r>
-            <a:endParaRPr lang="zh-CN" altLang="en-US" sz="4800" b="1">
-              <a:solidFill>
-                <a:srgbClr val="008469"/>
-              </a:solidFill>
-              <a:latin typeface="微软雅黑" panose="020B0503020204020204" pitchFamily="34" charset="-122"/>
-              <a:ea typeface="微软雅黑" panose="020B0503020204020204" pitchFamily="34" charset="-122"/>
-            </a:endParaRPr>
           </a:p>
         </p:txBody>
       </p:sp>
@@ -11729,7 +11684,7 @@
           <p:nvPr/>
         </p:nvPicPr>
         <p:blipFill>
-          <a:blip r:embed="rId2">
+          <a:blip r:embed="rId4">
             <a:extLst>
               <a:ext uri="{28A0092B-C50C-407E-A947-70E740481C1C}">
                 <a14:useLocalDpi xmlns:a14="http://schemas.microsoft.com/office/drawing/2010/main" val="0"/>
@@ -11792,7 +11747,14 @@
         <p:cNvGrpSpPr/>
         <p:nvPr/>
       </p:nvGrpSpPr>
-      <p:grpSpPr/>
+      <p:grpSpPr>
+        <a:xfrm>
+          <a:off x="0" y="0"/>
+          <a:ext cx="0" cy="0"/>
+          <a:chOff x="0" y="0"/>
+          <a:chExt cx="0" cy="0"/>
+        </a:xfrm>
+      </p:grpSpPr>
       <p:sp>
         <p:nvSpPr>
           <p:cNvPr id="2" name="内容占位符 1"/>
@@ -11806,6 +11768,7 @@
         <p:spPr/>
         <p:txBody>
           <a:bodyPr/>
+          <a:lstStyle/>
           <a:p>
             <a:r>
               <a:rPr lang="en-US" altLang="zh-CN"/>
@@ -11817,9 +11780,6 @@
               </a:rPr>
               <a:t>直译式脚本语言</a:t>
             </a:r>
-            <a:endParaRPr lang="en-US" altLang="zh-CN">
-              <a:sym typeface="+mn-ea"/>
-            </a:endParaRPr>
           </a:p>
           <a:p>
             <a:pPr lvl="1"/>
@@ -11850,12 +11810,6 @@
               </a:rPr>
               <a:t>）中解释执行</a:t>
             </a:r>
-            <a:endParaRPr lang="zh-CN" altLang="en-US" dirty="0">
-              <a:solidFill>
-                <a:schemeClr val="tx1"/>
-              </a:solidFill>
-              <a:sym typeface="+mn-ea"/>
-            </a:endParaRPr>
           </a:p>
           <a:p>
             <a:pPr lvl="1"/>
@@ -11868,17 +11822,11 @@
               </a:rPr>
               <a:t> 非编译语言，不是在执行前提前编译可执行文件或字节码</a:t>
             </a:r>
-            <a:endParaRPr lang="zh-CN" altLang="en-US" dirty="0" smtClean="0">
-              <a:solidFill>
-                <a:schemeClr val="tx1"/>
-              </a:solidFill>
-              <a:sym typeface="+mn-ea"/>
-            </a:endParaRPr>
           </a:p>
           <a:p>
             <a:pPr lvl="0"/>
             <a:r>
-              <a:rPr lang="zh-CN" altLang="en-US" dirty="0" smtClean="0">
+              <a:rPr lang="zh-CN" altLang="en-US" dirty="0">
                 <a:solidFill>
                   <a:schemeClr val="tx1"/>
                 </a:solidFill>
@@ -11892,9 +11840,6 @@
               </a:rPr>
               <a:t>弱类型、动态类型语言</a:t>
             </a:r>
-            <a:endParaRPr lang="en-US" altLang="zh-CN">
-              <a:sym typeface="+mn-ea"/>
-            </a:endParaRPr>
           </a:p>
           <a:p>
             <a:pPr lvl="1"/>
@@ -11941,8 +11886,11 @@
                 </a:solidFill>
                 <a:sym typeface="+mn-ea"/>
               </a:rPr>
-              <a:t>（</a:t>
-            </a:r>
+              <a:t>（弱类型）</a:t>
+            </a:r>
+          </a:p>
+          <a:p>
+            <a:pPr lvl="1"/>
             <a:r>
               <a:rPr lang="zh-CN" altLang="en-US" dirty="0">
                 <a:solidFill>
@@ -11950,52 +11898,7 @@
                 </a:solidFill>
                 <a:sym typeface="+mn-ea"/>
               </a:rPr>
-              <a:t>弱</a:t>
-            </a:r>
-            <a:r>
-              <a:rPr lang="zh-CN" altLang="en-US" dirty="0">
-                <a:solidFill>
-                  <a:schemeClr val="tx1"/>
-                </a:solidFill>
-                <a:sym typeface="+mn-ea"/>
-              </a:rPr>
-              <a:t>类型）</a:t>
-            </a:r>
-            <a:endParaRPr lang="zh-CN" altLang="en-US" dirty="0">
-              <a:solidFill>
-                <a:schemeClr val="tx1"/>
-              </a:solidFill>
-              <a:sym typeface="+mn-ea"/>
-            </a:endParaRPr>
-          </a:p>
-          <a:p>
-            <a:pPr lvl="1"/>
-            <a:r>
-              <a:rPr lang="zh-CN" altLang="en-US" dirty="0">
-                <a:solidFill>
-                  <a:schemeClr val="tx1"/>
-                </a:solidFill>
-                <a:sym typeface="+mn-ea"/>
-              </a:rPr>
-              <a:t> 可以动态的更改变量的类型（</a:t>
-            </a:r>
-            <a:r>
-              <a:rPr lang="zh-CN" altLang="en-US" dirty="0">
-                <a:solidFill>
-                  <a:schemeClr val="tx1"/>
-                </a:solidFill>
-                <a:sym typeface="+mn-ea"/>
-              </a:rPr>
-              <a:t>动态</a:t>
-            </a:r>
-            <a:r>
-              <a:rPr lang="zh-CN" altLang="en-US" dirty="0">
-                <a:solidFill>
-                  <a:schemeClr val="tx1"/>
-                </a:solidFill>
-                <a:sym typeface="+mn-ea"/>
-              </a:rPr>
-              <a:t>类型）</a:t>
+              <a:t> 可以动态的更改变量的类型（动态类型）</a:t>
             </a:r>
             <a:endParaRPr kumimoji="0" lang="zh-CN" altLang="en-US" dirty="0">
               <a:solidFill>
@@ -12061,13 +11964,6 @@
               </a:rPr>
               <a:t>没有块作用域</a:t>
             </a:r>
-            <a:endParaRPr lang="zh-CN" dirty="0">
-              <a:solidFill>
-                <a:schemeClr val="tx1"/>
-              </a:solidFill>
-              <a:cs typeface="+mn-ea"/>
-              <a:sym typeface="+mn-ea"/>
-            </a:endParaRPr>
           </a:p>
           <a:p>
             <a:pPr lvl="1"/>
@@ -12081,13 +11977,6 @@
               </a:rPr>
               <a:t> 基于原型链的继承方式</a:t>
             </a:r>
-            <a:endParaRPr lang="zh-CN" dirty="0">
-              <a:solidFill>
-                <a:schemeClr val="tx1"/>
-              </a:solidFill>
-              <a:cs typeface="+mn-ea"/>
-              <a:sym typeface="+mn-ea"/>
-            </a:endParaRPr>
           </a:p>
           <a:p>
             <a:pPr lvl="1" algn="l"/>
@@ -12124,6 +12013,7 @@
         <p:spPr/>
         <p:txBody>
           <a:bodyPr/>
+          <a:lstStyle/>
           <a:p>
             <a:r>
               <a:rPr lang="en-US" altLang="zh-CN"/>
@@ -12133,7 +12023,6 @@
               <a:rPr lang="zh-CN" altLang="en-US"/>
               <a:t>语言特点</a:t>
             </a:r>
-            <a:endParaRPr lang="zh-CN" altLang="en-US"/>
           </a:p>
         </p:txBody>
       </p:sp>
@@ -12428,7 +12317,14 @@
         <p:cNvGrpSpPr/>
         <p:nvPr/>
       </p:nvGrpSpPr>
-      <p:grpSpPr/>
+      <p:grpSpPr>
+        <a:xfrm>
+          <a:off x="0" y="0"/>
+          <a:ext cx="0" cy="0"/>
+          <a:chOff x="0" y="0"/>
+          <a:chExt cx="0" cy="0"/>
+        </a:xfrm>
+      </p:grpSpPr>
       <p:sp>
         <p:nvSpPr>
           <p:cNvPr id="2" name="内容占位符 1"/>
@@ -12442,6 +12338,7 @@
         <p:spPr/>
         <p:txBody>
           <a:bodyPr/>
+          <a:lstStyle/>
           <a:p>
             <a:pPr marL="0" marR="0" algn="l" defTabSz="0" rtl="0" eaLnBrk="0" fontAlgn="base" hangingPunct="0">
               <a:lnSpc>
@@ -12458,9 +12355,6 @@
               </a:rPr>
               <a:t> JavaScript 只能够在浏览器中执行？</a:t>
             </a:r>
-            <a:endParaRPr lang="en-US" altLang="zh-CN">
-              <a:sym typeface="+mn-ea"/>
-            </a:endParaRPr>
           </a:p>
           <a:p>
             <a:pPr marL="457200" marR="0" lvl="1" algn="l" defTabSz="0" rtl="0" eaLnBrk="0" fontAlgn="base" hangingPunct="0">
@@ -12505,12 +12399,6 @@
               </a:rPr>
               <a:t>在浏览器中运行，还可以在其他的运行环境中运行，如 node.js 环境。目前 JavaScript 的运行环境有浏览器和 node.js 环境两种。</a:t>
             </a:r>
-            <a:endParaRPr lang="en-US" altLang="zh-CN" sz="2400">
-              <a:solidFill>
-                <a:schemeClr val="tx1"/>
-              </a:solidFill>
-              <a:sym typeface="+mn-ea"/>
-            </a:endParaRPr>
           </a:p>
           <a:p>
             <a:pPr marL="0" marR="0" algn="l" defTabSz="0" rtl="0" eaLnBrk="0" fontAlgn="base" hangingPunct="0">
@@ -12528,9 +12416,6 @@
               </a:rPr>
               <a:t> JavaScript 在浏览器中是如何运行的？</a:t>
             </a:r>
-            <a:endParaRPr lang="en-US" altLang="zh-CN">
-              <a:sym typeface="+mn-ea"/>
-            </a:endParaRPr>
           </a:p>
           <a:p>
             <a:pPr marL="457200" marR="0" lvl="1" algn="l" defTabSz="0" rtl="0" eaLnBrk="0" fontAlgn="base" hangingPunct="0">
@@ -12612,14 +12497,6 @@
               </a:rPr>
               <a:t>引擎解释执行。</a:t>
             </a:r>
-            <a:endParaRPr lang="en-US" altLang="zh-CN" sz="2400">
-              <a:solidFill>
-                <a:schemeClr val="tx1"/>
-              </a:solidFill>
-              <a:latin typeface="Arial" panose="020B0604020202020204" pitchFamily="34" charset="0"/>
-              <a:cs typeface="+mn-ea"/>
-              <a:sym typeface="+mn-ea"/>
-            </a:endParaRPr>
           </a:p>
           <a:p>
             <a:pPr lvl="1" algn="l"/>
@@ -12656,12 +12533,12 @@
         <p:spPr/>
         <p:txBody>
           <a:bodyPr/>
+          <a:lstStyle/>
           <a:p>
             <a:r>
               <a:rPr lang="zh-CN" altLang="en-US"/>
               <a:t>总结</a:t>
             </a:r>
-            <a:endParaRPr lang="zh-CN" altLang="en-US"/>
           </a:p>
         </p:txBody>
       </p:sp>
@@ -12838,7 +12715,14 @@
         <p:cNvGrpSpPr/>
         <p:nvPr/>
       </p:nvGrpSpPr>
-      <p:grpSpPr/>
+      <p:grpSpPr>
+        <a:xfrm>
+          <a:off x="0" y="0"/>
+          <a:ext cx="0" cy="0"/>
+          <a:chOff x="0" y="0"/>
+          <a:chExt cx="0" cy="0"/>
+        </a:xfrm>
+      </p:grpSpPr>
       <p:sp>
         <p:nvSpPr>
           <p:cNvPr id="24" name="矩形 23"/>
@@ -12866,6 +12750,7 @@
         </p:spPr>
         <p:txBody>
           <a:bodyPr vert="horz" wrap="square" lIns="91440" tIns="45720" rIns="91440" bIns="45720" numCol="1" anchor="t" anchorCtr="0" compatLnSpc="1"/>
+          <a:lstStyle/>
           <a:p>
             <a:pPr marL="0" marR="0" indent="0" algn="l" defTabSz="914400" rtl="0" eaLnBrk="0" fontAlgn="base" latinLnBrk="0" hangingPunct="0">
               <a:lnSpc>
@@ -12882,7 +12767,7 @@
               <a:buFontTx/>
               <a:buNone/>
             </a:pPr>
-            <a:endParaRPr kumimoji="0" lang="zh-CN" altLang="en-US" sz="3200" b="0" i="0" u="none" strike="noStrike" cap="none" normalizeH="0" baseline="0" smtClean="0">
+            <a:endParaRPr kumimoji="0" lang="zh-CN" altLang="en-US" sz="3200" b="0" i="0" u="none" strike="noStrike" cap="none" normalizeH="0" baseline="0">
               <a:ln>
                 <a:noFill/>
               </a:ln>
@@ -12901,7 +12786,7 @@
           <p:cNvSpPr txBox="1"/>
           <p:nvPr>
             <p:custDataLst>
-              <p:tags r:id="rId1"/>
+              <p:tags r:id="rId2"/>
             </p:custDataLst>
           </p:nvPr>
         </p:nvSpPr>
@@ -12919,27 +12804,41 @@
           <a:bodyPr wrap="square" rtlCol="0" anchor="ctr" anchorCtr="0">
             <a:noAutofit/>
           </a:bodyPr>
+          <a:lstStyle/>
           <a:p>
             <a:pPr lvl="0" algn="l">
               <a:buNone/>
             </a:pPr>
             <a:r>
-              <a:rPr lang="zh-CN" altLang="en-US" sz="2600">
+              <a:rPr lang="zh-CN" altLang="en-US" sz="2600" dirty="0">
                 <a:solidFill>
                   <a:srgbClr val="000000"/>
                 </a:solidFill>
                 <a:latin typeface="微软雅黑" panose="020B0503020204020204" pitchFamily="34" charset="-122"/>
                 <a:ea typeface="微软雅黑" panose="020B0503020204020204" pitchFamily="34" charset="-122"/>
               </a:rPr>
-              <a:t>下列说法正确的是（）</a:t>
-            </a:r>
-            <a:endParaRPr lang="zh-CN" altLang="en-US" sz="2600">
-              <a:solidFill>
-                <a:srgbClr val="000000"/>
-              </a:solidFill>
-              <a:latin typeface="微软雅黑" panose="020B0503020204020204" pitchFamily="34" charset="-122"/>
-              <a:ea typeface="微软雅黑" panose="020B0503020204020204" pitchFamily="34" charset="-122"/>
-            </a:endParaRPr>
+              <a:t>下列说法正确的是（</a:t>
+            </a:r>
+            <a:r>
+              <a:rPr lang="en-US" altLang="zh-CN" sz="2600" dirty="0">
+                <a:solidFill>
+                  <a:srgbClr val="00B0F0"/>
+                </a:solidFill>
+                <a:latin typeface="微软雅黑" panose="020B0503020204020204" pitchFamily="34" charset="-122"/>
+                <a:ea typeface="微软雅黑" panose="020B0503020204020204" pitchFamily="34" charset="-122"/>
+              </a:rPr>
+              <a:t>AD</a:t>
+            </a:r>
+            <a:r>
+              <a:rPr lang="zh-CN" altLang="en-US" sz="2600" dirty="0">
+                <a:solidFill>
+                  <a:srgbClr val="000000"/>
+                </a:solidFill>
+                <a:latin typeface="微软雅黑" panose="020B0503020204020204" pitchFamily="34" charset="-122"/>
+                <a:ea typeface="微软雅黑" panose="020B0503020204020204" pitchFamily="34" charset="-122"/>
+              </a:rPr>
+              <a:t>）</a:t>
+            </a:r>
           </a:p>
         </p:txBody>
       </p:sp>
@@ -12949,7 +12848,7 @@
           <p:cNvSpPr txBox="1"/>
           <p:nvPr>
             <p:custDataLst>
-              <p:tags r:id="rId2"/>
+              <p:tags r:id="rId3"/>
             </p:custDataLst>
           </p:nvPr>
         </p:nvSpPr>
@@ -12967,6 +12866,7 @@
           <a:bodyPr wrap="square" rtlCol="0" anchor="ctr" anchorCtr="0">
             <a:noAutofit/>
           </a:bodyPr>
+          <a:lstStyle/>
           <a:p>
             <a:pPr lvl="0" algn="l">
               <a:buNone/>
@@ -13011,13 +12911,6 @@
               </a:rPr>
               <a:t>是同一版本</a:t>
             </a:r>
-            <a:endParaRPr lang="zh-CN" altLang="en-US" sz="2600">
-              <a:solidFill>
-                <a:srgbClr val="000000"/>
-              </a:solidFill>
-              <a:latin typeface="微软雅黑" panose="020B0503020204020204" pitchFamily="34" charset="-122"/>
-              <a:ea typeface="微软雅黑" panose="020B0503020204020204" pitchFamily="34" charset="-122"/>
-            </a:endParaRPr>
           </a:p>
         </p:txBody>
       </p:sp>
@@ -13027,7 +12920,7 @@
           <p:cNvSpPr txBox="1"/>
           <p:nvPr>
             <p:custDataLst>
-              <p:tags r:id="rId3"/>
+              <p:tags r:id="rId4"/>
             </p:custDataLst>
           </p:nvPr>
         </p:nvSpPr>
@@ -13045,6 +12938,7 @@
           <a:bodyPr wrap="square" rtlCol="0" anchor="ctr" anchorCtr="0">
             <a:noAutofit/>
           </a:bodyPr>
+          <a:lstStyle/>
           <a:p>
             <a:pPr lvl="0" algn="l">
               <a:buNone/>
@@ -13089,13 +12983,6 @@
               </a:rPr>
               <a:t>是同一版本</a:t>
             </a:r>
-            <a:endParaRPr lang="zh-CN" altLang="en-US" sz="2600">
-              <a:solidFill>
-                <a:srgbClr val="000000"/>
-              </a:solidFill>
-              <a:latin typeface="微软雅黑" panose="020B0503020204020204" pitchFamily="34" charset="-122"/>
-              <a:ea typeface="微软雅黑" panose="020B0503020204020204" pitchFamily="34" charset="-122"/>
-            </a:endParaRPr>
           </a:p>
         </p:txBody>
       </p:sp>
@@ -13105,7 +12992,7 @@
           <p:cNvSpPr txBox="1"/>
           <p:nvPr>
             <p:custDataLst>
-              <p:tags r:id="rId4"/>
+              <p:tags r:id="rId5"/>
             </p:custDataLst>
           </p:nvPr>
         </p:nvSpPr>
@@ -13123,6 +13010,7 @@
           <a:bodyPr wrap="square" rtlCol="0" anchor="ctr" anchorCtr="0">
             <a:noAutofit/>
           </a:bodyPr>
+          <a:lstStyle/>
           <a:p>
             <a:pPr lvl="0" algn="l">
               <a:buNone/>
@@ -13147,13 +13035,6 @@
               </a:rPr>
               <a:t>ES8</a:t>
             </a:r>
-            <a:endParaRPr lang="en-US" altLang="zh-CN" sz="2600">
-              <a:solidFill>
-                <a:srgbClr val="000000"/>
-              </a:solidFill>
-              <a:latin typeface="微软雅黑" panose="020B0503020204020204" pitchFamily="34" charset="-122"/>
-              <a:ea typeface="微软雅黑" panose="020B0503020204020204" pitchFamily="34" charset="-122"/>
-            </a:endParaRPr>
           </a:p>
         </p:txBody>
       </p:sp>
@@ -13163,7 +13044,7 @@
           <p:cNvSpPr txBox="1"/>
           <p:nvPr>
             <p:custDataLst>
-              <p:tags r:id="rId5"/>
+              <p:tags r:id="rId6"/>
             </p:custDataLst>
           </p:nvPr>
         </p:nvSpPr>
@@ -13181,6 +13062,7 @@
           <a:bodyPr wrap="square" rtlCol="0" anchor="ctr" anchorCtr="0">
             <a:noAutofit/>
           </a:bodyPr>
+          <a:lstStyle/>
           <a:p>
             <a:pPr lvl="0" algn="l">
               <a:buNone/>
@@ -13205,13 +13087,6 @@
               </a:rPr>
               <a:t>版本每年更新一次</a:t>
             </a:r>
-            <a:endParaRPr lang="zh-CN" altLang="en-US" sz="2600">
-              <a:solidFill>
-                <a:srgbClr val="000000"/>
-              </a:solidFill>
-              <a:latin typeface="微软雅黑" panose="020B0503020204020204" pitchFamily="34" charset="-122"/>
-              <a:ea typeface="微软雅黑" panose="020B0503020204020204" pitchFamily="34" charset="-122"/>
-            </a:endParaRPr>
           </a:p>
         </p:txBody>
       </p:sp>
@@ -13223,7 +13098,7 @@
           </p:cNvSpPr>
           <p:nvPr>
             <p:custDataLst>
-              <p:tags r:id="rId6"/>
+              <p:tags r:id="rId7"/>
             </p:custDataLst>
           </p:nvPr>
         </p:nvSpPr>
@@ -13252,6 +13127,7 @@
           <a:bodyPr vert="horz" wrap="square" lIns="91440" tIns="45720" rIns="91440" bIns="45720" numCol="1" anchor="ctr" anchorCtr="1" compatLnSpc="1">
             <a:noAutofit/>
           </a:bodyPr>
+          <a:lstStyle/>
           <a:p>
             <a:pPr marL="0" marR="0" indent="0" algn="l" defTabSz="914400" rtl="0" eaLnBrk="0" fontAlgn="base" latinLnBrk="0" hangingPunct="0">
               <a:lnSpc>
@@ -13269,7 +13145,7 @@
               <a:buNone/>
             </a:pPr>
             <a:r>
-              <a:rPr kumimoji="0" lang="zh-CN" altLang="en-US" sz="1600" b="0" i="0" u="none" strike="noStrike" cap="none" normalizeH="0" baseline="0" smtClean="0">
+              <a:rPr kumimoji="0" lang="zh-CN" altLang="en-US" sz="1600" b="0" i="0" u="none" strike="noStrike" cap="none" normalizeH="0" baseline="0">
                 <a:ln>
                   <a:noFill/>
                 </a:ln>
@@ -13282,17 +13158,6 @@
               </a:rPr>
               <a:t>B</a:t>
             </a:r>
-            <a:endParaRPr kumimoji="0" lang="zh-CN" altLang="en-US" sz="1600" b="0" i="0" u="none" strike="noStrike" cap="none" normalizeH="0" baseline="0" smtClean="0">
-              <a:ln>
-                <a:noFill/>
-              </a:ln>
-              <a:solidFill>
-                <a:srgbClr val="FFFFFF"/>
-              </a:solidFill>
-              <a:effectLst/>
-              <a:latin typeface="微软雅黑" panose="020B0503020204020204" pitchFamily="34" charset="-122"/>
-              <a:ea typeface="微软雅黑" panose="020B0503020204020204" pitchFamily="34" charset="-122"/>
-            </a:endParaRPr>
           </a:p>
         </p:txBody>
       </p:sp>
@@ -13304,7 +13169,7 @@
           </p:cNvSpPr>
           <p:nvPr>
             <p:custDataLst>
-              <p:tags r:id="rId7"/>
+              <p:tags r:id="rId8"/>
             </p:custDataLst>
           </p:nvPr>
         </p:nvSpPr>
@@ -13333,6 +13198,7 @@
           <a:bodyPr vert="horz" wrap="square" lIns="91440" tIns="45720" rIns="91440" bIns="45720" numCol="1" anchor="ctr" anchorCtr="1" compatLnSpc="1">
             <a:noAutofit/>
           </a:bodyPr>
+          <a:lstStyle/>
           <a:p>
             <a:pPr marL="0" marR="0" indent="0" algn="l" defTabSz="914400" rtl="0" eaLnBrk="0" fontAlgn="base" latinLnBrk="0" hangingPunct="0">
               <a:lnSpc>
@@ -13350,7 +13216,7 @@
               <a:buNone/>
             </a:pPr>
             <a:r>
-              <a:rPr kumimoji="0" lang="zh-CN" altLang="en-US" sz="1600" b="0" i="0" u="none" strike="noStrike" cap="none" normalizeH="0" baseline="0" smtClean="0">
+              <a:rPr kumimoji="0" lang="zh-CN" altLang="en-US" sz="1600" b="0" i="0" u="none" strike="noStrike" cap="none" normalizeH="0" baseline="0">
                 <a:ln>
                   <a:noFill/>
                 </a:ln>
@@ -13363,17 +13229,6 @@
               </a:rPr>
               <a:t>C</a:t>
             </a:r>
-            <a:endParaRPr kumimoji="0" lang="zh-CN" altLang="en-US" sz="1600" b="0" i="0" u="none" strike="noStrike" cap="none" normalizeH="0" baseline="0" smtClean="0">
-              <a:ln>
-                <a:noFill/>
-              </a:ln>
-              <a:solidFill>
-                <a:srgbClr val="FFFFFF"/>
-              </a:solidFill>
-              <a:effectLst/>
-              <a:latin typeface="微软雅黑" panose="020B0503020204020204" pitchFamily="34" charset="-122"/>
-              <a:ea typeface="微软雅黑" panose="020B0503020204020204" pitchFamily="34" charset="-122"/>
-            </a:endParaRPr>
           </a:p>
         </p:txBody>
       </p:sp>
@@ -13383,7 +13238,7 @@
           <p:cNvGrpSpPr/>
           <p:nvPr>
             <p:custDataLst>
-              <p:tags r:id="rId8"/>
+              <p:tags r:id="rId9"/>
             </p:custDataLst>
           </p:nvPr>
         </p:nvGrpSpPr>
@@ -13401,7 +13256,7 @@
             <p:cNvSpPr/>
             <p:nvPr>
               <p:custDataLst>
-                <p:tags r:id="rId9"/>
+                <p:tags r:id="rId12"/>
               </p:custDataLst>
             </p:nvPr>
           </p:nvSpPr>
@@ -13439,6 +13294,7 @@
           </p:spPr>
           <p:txBody>
             <a:bodyPr vert="horz" wrap="square" lIns="91440" tIns="45720" rIns="91440" bIns="45720" numCol="1" anchor="t" anchorCtr="0" compatLnSpc="1"/>
+            <a:lstStyle/>
             <a:p>
               <a:pPr marL="0" marR="0" indent="0" algn="l" defTabSz="914400" rtl="0" eaLnBrk="0" fontAlgn="base" latinLnBrk="0" hangingPunct="0">
                 <a:lnSpc>
@@ -13455,7 +13311,7 @@
                 <a:buFontTx/>
                 <a:buNone/>
               </a:pPr>
-              <a:endParaRPr kumimoji="0" lang="zh-CN" altLang="en-US" sz="3200" b="0" i="0" u="none" strike="noStrike" cap="none" normalizeH="0" baseline="0" smtClean="0">
+              <a:endParaRPr kumimoji="0" lang="zh-CN" altLang="en-US" sz="3200" b="0" i="0" u="none" strike="noStrike" cap="none" normalizeH="0" baseline="0">
                 <a:ln>
                   <a:noFill/>
                 </a:ln>
@@ -13474,7 +13330,7 @@
             <p:cNvSpPr/>
             <p:nvPr>
               <p:custDataLst>
-                <p:tags r:id="rId10"/>
+                <p:tags r:id="rId13"/>
               </p:custDataLst>
             </p:nvPr>
           </p:nvSpPr>
@@ -13512,6 +13368,7 @@
           </p:spPr>
           <p:txBody>
             <a:bodyPr vert="horz" wrap="square" lIns="91440" tIns="45720" rIns="91440" bIns="45720" numCol="1" anchor="t" anchorCtr="0" compatLnSpc="1"/>
+            <a:lstStyle/>
             <a:p>
               <a:pPr marL="0" marR="0" indent="0" algn="l" defTabSz="914400" rtl="0" eaLnBrk="0" fontAlgn="base" latinLnBrk="0" hangingPunct="0">
                 <a:lnSpc>
@@ -13528,7 +13385,7 @@
                 <a:buFontTx/>
                 <a:buNone/>
               </a:pPr>
-              <a:endParaRPr kumimoji="0" lang="zh-CN" altLang="en-US" sz="3200" b="0" i="0" u="none" strike="noStrike" cap="none" normalizeH="0" baseline="0" smtClean="0">
+              <a:endParaRPr kumimoji="0" lang="zh-CN" altLang="en-US" sz="3200" b="0" i="0" u="none" strike="noStrike" cap="none" normalizeH="0" baseline="0">
                 <a:ln>
                   <a:noFill/>
                 </a:ln>
@@ -13547,7 +13404,7 @@
             <p:cNvSpPr txBox="1"/>
             <p:nvPr>
               <p:custDataLst>
-                <p:tags r:id="rId11"/>
+                <p:tags r:id="rId14"/>
               </p:custDataLst>
             </p:nvPr>
           </p:nvSpPr>
@@ -13565,6 +13422,7 @@
             <a:bodyPr wrap="none" rtlCol="0" anchor="ctr" anchorCtr="0">
               <a:noAutofit/>
             </a:bodyPr>
+            <a:lstStyle/>
             <a:p>
               <a:pPr lvl="0" algn="l">
                 <a:buNone/>
@@ -13579,13 +13437,6 @@
                 </a:rPr>
                 <a:t>多选题</a:t>
               </a:r>
-              <a:endParaRPr lang="zh-CN" altLang="en-US" sz="2600">
-                <a:solidFill>
-                  <a:srgbClr val="000000"/>
-                </a:solidFill>
-                <a:latin typeface="微软雅黑" panose="020B0503020204020204" pitchFamily="34" charset="-122"/>
-                <a:ea typeface="微软雅黑" panose="020B0503020204020204" pitchFamily="34" charset="-122"/>
-              </a:endParaRPr>
             </a:p>
           </p:txBody>
         </p:sp>
@@ -13598,7 +13449,7 @@
           </p:cNvSpPr>
           <p:nvPr>
             <p:custDataLst>
-              <p:tags r:id="rId12"/>
+              <p:tags r:id="rId10"/>
             </p:custDataLst>
           </p:nvPr>
         </p:nvSpPr>
@@ -13627,6 +13478,7 @@
           <a:bodyPr vert="horz" wrap="square" lIns="91440" tIns="45720" rIns="91440" bIns="45720" numCol="1" anchor="ctr" anchorCtr="1" compatLnSpc="1">
             <a:noAutofit/>
           </a:bodyPr>
+          <a:lstStyle/>
           <a:p>
             <a:pPr marL="0" marR="0" indent="0" algn="l" defTabSz="914400" rtl="0" eaLnBrk="0" fontAlgn="base" latinLnBrk="0" hangingPunct="0">
               <a:lnSpc>
@@ -13644,7 +13496,7 @@
               <a:buNone/>
             </a:pPr>
             <a:r>
-              <a:rPr kumimoji="0" lang="en-US" altLang="zh-CN" sz="1600" b="0" i="0" u="none" strike="noStrike" cap="none" normalizeH="0" baseline="0" smtClean="0">
+              <a:rPr kumimoji="0" lang="en-US" altLang="zh-CN" sz="1600" b="0" i="0" u="none" strike="noStrike" cap="none" normalizeH="0" baseline="0">
                 <a:ln>
                   <a:noFill/>
                 </a:ln>
@@ -13657,17 +13509,6 @@
               </a:rPr>
               <a:t>A</a:t>
             </a:r>
-            <a:endParaRPr kumimoji="0" lang="en-US" altLang="zh-CN" sz="1600" b="0" i="0" u="none" strike="noStrike" cap="none" normalizeH="0" baseline="0" smtClean="0">
-              <a:ln>
-                <a:noFill/>
-              </a:ln>
-              <a:solidFill>
-                <a:srgbClr val="FFFFFF"/>
-              </a:solidFill>
-              <a:effectLst/>
-              <a:latin typeface="微软雅黑" panose="020B0503020204020204" pitchFamily="34" charset="-122"/>
-              <a:ea typeface="微软雅黑" panose="020B0503020204020204" pitchFamily="34" charset="-122"/>
-            </a:endParaRPr>
           </a:p>
         </p:txBody>
       </p:sp>
@@ -13679,7 +13520,7 @@
           </p:cNvSpPr>
           <p:nvPr>
             <p:custDataLst>
-              <p:tags r:id="rId13"/>
+              <p:tags r:id="rId11"/>
             </p:custDataLst>
           </p:nvPr>
         </p:nvSpPr>
@@ -13708,6 +13549,7 @@
           <a:bodyPr vert="horz" wrap="square" lIns="91440" tIns="45720" rIns="91440" bIns="45720" numCol="1" anchor="ctr" anchorCtr="1" compatLnSpc="1">
             <a:noAutofit/>
           </a:bodyPr>
+          <a:lstStyle/>
           <a:p>
             <a:pPr marL="0" marR="0" indent="0" algn="l" defTabSz="914400" rtl="0" eaLnBrk="0" fontAlgn="base" latinLnBrk="0" hangingPunct="0">
               <a:lnSpc>
@@ -13725,7 +13567,7 @@
               <a:buNone/>
             </a:pPr>
             <a:r>
-              <a:rPr kumimoji="0" lang="en-US" altLang="zh-CN" sz="1600" b="0" i="0" u="none" strike="noStrike" cap="none" normalizeH="0" baseline="0" smtClean="0">
+              <a:rPr kumimoji="0" lang="en-US" altLang="zh-CN" sz="1600" b="0" i="0" u="none" strike="noStrike" cap="none" normalizeH="0" baseline="0">
                 <a:ln>
                   <a:noFill/>
                 </a:ln>
@@ -13738,23 +13580,12 @@
               </a:rPr>
               <a:t>D</a:t>
             </a:r>
-            <a:endParaRPr kumimoji="0" lang="en-US" altLang="zh-CN" sz="1600" b="0" i="0" u="none" strike="noStrike" cap="none" normalizeH="0" baseline="0" smtClean="0">
-              <a:ln>
-                <a:noFill/>
-              </a:ln>
-              <a:solidFill>
-                <a:srgbClr val="FFFFFF"/>
-              </a:solidFill>
-              <a:effectLst/>
-              <a:latin typeface="微软雅黑" panose="020B0503020204020204" pitchFamily="34" charset="-122"/>
-              <a:ea typeface="微软雅黑" panose="020B0503020204020204" pitchFamily="34" charset="-122"/>
-            </a:endParaRPr>
           </a:p>
         </p:txBody>
       </p:sp>
     </p:spTree>
     <p:custDataLst>
-      <p:tags r:id="rId14"/>
+      <p:tags r:id="rId1"/>
     </p:custDataLst>
   </p:cSld>
   <p:clrMapOvr>
@@ -13773,7 +13604,14 @@
         <p:cNvGrpSpPr/>
         <p:nvPr/>
       </p:nvGrpSpPr>
-      <p:grpSpPr/>
+      <p:grpSpPr>
+        <a:xfrm>
+          <a:off x="0" y="0"/>
+          <a:ext cx="0" cy="0"/>
+          <a:chOff x="0" y="0"/>
+          <a:chExt cx="0" cy="0"/>
+        </a:xfrm>
+      </p:grpSpPr>
       <p:sp>
         <p:nvSpPr>
           <p:cNvPr id="2" name="内容占位符 1"/>
@@ -13787,6 +13625,7 @@
         <p:spPr/>
         <p:txBody>
           <a:bodyPr/>
+          <a:lstStyle/>
           <a:p>
             <a:pPr marL="0" marR="0" algn="l" defTabSz="0" rtl="0" eaLnBrk="0" fontAlgn="base" hangingPunct="0">
               <a:lnSpc>
@@ -13847,9 +13686,6 @@
               </a:rPr>
               <a:t> 总结相关知识点</a:t>
             </a:r>
-            <a:endParaRPr lang="zh-CN" altLang="en-US" sz="2800">
-              <a:sym typeface="+mn-ea"/>
-            </a:endParaRPr>
           </a:p>
           <a:p>
             <a:pPr lvl="0"/>
@@ -13859,9 +13695,6 @@
               </a:rPr>
               <a:t> 创建个人仓库</a:t>
             </a:r>
-            <a:endParaRPr lang="zh-CN" altLang="en-US" sz="2800">
-              <a:sym typeface="+mn-ea"/>
-            </a:endParaRPr>
           </a:p>
           <a:p>
             <a:pPr lvl="1"/>
@@ -13889,9 +13722,6 @@
               </a:rPr>
               <a:t>-advanced-summary </a:t>
             </a:r>
-            <a:endParaRPr lang="en-US" altLang="zh-CN">
-              <a:sym typeface="+mn-ea"/>
-            </a:endParaRPr>
           </a:p>
           <a:p>
             <a:pPr lvl="1"/>
@@ -13907,9 +13737,6 @@
               </a:rPr>
               <a:t>总结知识点上传到仓库中</a:t>
             </a:r>
-            <a:endParaRPr lang="zh-CN" altLang="en-US">
-              <a:sym typeface="+mn-ea"/>
-            </a:endParaRPr>
           </a:p>
         </p:txBody>
       </p:sp>
@@ -13926,12 +13753,12 @@
         <p:spPr/>
         <p:txBody>
           <a:bodyPr/>
+          <a:lstStyle/>
           <a:p>
             <a:r>
               <a:rPr lang="zh-CN" altLang="en-US"/>
               <a:t>任务</a:t>
             </a:r>
-            <a:endParaRPr lang="zh-CN" altLang="en-US"/>
           </a:p>
         </p:txBody>
       </p:sp>
@@ -13944,7 +13771,7 @@
           <p:nvPr/>
         </p:nvPicPr>
         <p:blipFill>
-          <a:blip r:embed="rId1"/>
+          <a:blip r:embed="rId4"/>
           <a:stretch>
             <a:fillRect/>
           </a:stretch>
@@ -13969,20 +13796,13 @@
       </p:pic>
     </p:spTree>
     <p:custDataLst>
-      <p:tags r:id="rId2"/>
+      <p:tags r:id="rId1"/>
     </p:custDataLst>
   </p:cSld>
   <p:clrMapOvr>
     <a:masterClrMapping/>
   </p:clrMapOvr>
   <p:transition/>
-  <p:timing>
-    <p:tnLst>
-      <p:par>
-        <p:cTn id="1" dur="indefinite" restart="never" nodeType="tmRoot"/>
-      </p:par>
-    </p:tnLst>
-  </p:timing>
 </p:sld>
 </file>
 
@@ -14012,7 +13832,7 @@
           <p:nvPr/>
         </p:nvPicPr>
         <p:blipFill>
-          <a:blip r:embed="rId1">
+          <a:blip r:embed="rId2">
             <a:extLst>
               <a:ext uri="{28A0092B-C50C-407E-A947-70E740481C1C}">
                 <a14:useLocalDpi xmlns:a14="http://schemas.microsoft.com/office/drawing/2010/main" val="0"/>
@@ -14130,7 +13950,7 @@
           <p:nvPr/>
         </p:nvPicPr>
         <p:blipFill>
-          <a:blip r:embed="rId2">
+          <a:blip r:embed="rId3">
             <a:extLst>
               <a:ext uri="{28A0092B-C50C-407E-A947-70E740481C1C}">
                 <a14:useLocalDpi xmlns:a14="http://schemas.microsoft.com/office/drawing/2010/main" val="0"/>
@@ -14193,7 +14013,14 @@
         <p:cNvGrpSpPr/>
         <p:nvPr/>
       </p:nvGrpSpPr>
-      <p:grpSpPr/>
+      <p:grpSpPr>
+        <a:xfrm>
+          <a:off x="0" y="0"/>
+          <a:ext cx="0" cy="0"/>
+          <a:chOff x="0" y="0"/>
+          <a:chExt cx="0" cy="0"/>
+        </a:xfrm>
+      </p:grpSpPr>
       <p:sp>
         <p:nvSpPr>
           <p:cNvPr id="3" name="内容占位符 2"/>
@@ -14212,9 +14039,10 @@
         </p:spPr>
         <p:txBody>
           <a:bodyPr/>
-          <a:p>
-            <a:r>
-              <a:rPr lang="zh-CN" dirty="0" smtClean="0">
+          <a:lstStyle/>
+          <a:p>
+            <a:r>
+              <a:rPr lang="zh-CN" dirty="0">
                 <a:sym typeface="+mn-ea"/>
               </a:rPr>
               <a:t>成绩分布</a:t>
@@ -14246,6 +14074,7 @@
           <a:bodyPr wrap="square" rtlCol="0" anchor="t">
             <a:spAutoFit/>
           </a:bodyPr>
+          <a:lstStyle/>
           <a:p>
             <a:pPr>
               <a:lnSpc>
@@ -14261,12 +14090,6 @@
               </a:rPr>
               <a:t>过程式教学：</a:t>
             </a:r>
-            <a:endParaRPr lang="zh-CN" altLang="en-US" sz="2800" b="1" dirty="0">
-              <a:latin typeface="微软雅黑" panose="020B0503020204020204" pitchFamily="34" charset="-122"/>
-              <a:ea typeface="微软雅黑" panose="020B0503020204020204" pitchFamily="34" charset="-122"/>
-              <a:cs typeface="微软雅黑" panose="020B0503020204020204" pitchFamily="34" charset="-122"/>
-              <a:sym typeface="+mn-ea"/>
-            </a:endParaRPr>
           </a:p>
           <a:p>
             <a:pPr>
@@ -14290,23 +14113,8 @@
                 <a:cs typeface="微软雅黑" panose="020B0503020204020204" pitchFamily="34" charset="-122"/>
                 <a:sym typeface="+mn-ea"/>
               </a:rPr>
-              <a:t>3</a:t>
-            </a:r>
-            <a:r>
-              <a:rPr lang="en-US" altLang="zh-CN" sz="2800" b="1" dirty="0">
-                <a:latin typeface="微软雅黑" panose="020B0503020204020204" pitchFamily="34" charset="-122"/>
-                <a:ea typeface="微软雅黑" panose="020B0503020204020204" pitchFamily="34" charset="-122"/>
-                <a:cs typeface="微软雅黑" panose="020B0503020204020204" pitchFamily="34" charset="-122"/>
-                <a:sym typeface="+mn-ea"/>
-              </a:rPr>
-              <a:t>0%</a:t>
-            </a:r>
-            <a:endParaRPr lang="en-US" altLang="zh-CN" sz="2800" b="1" dirty="0">
-              <a:latin typeface="微软雅黑" panose="020B0503020204020204" pitchFamily="34" charset="-122"/>
-              <a:ea typeface="微软雅黑" panose="020B0503020204020204" pitchFamily="34" charset="-122"/>
-              <a:cs typeface="微软雅黑" panose="020B0503020204020204" pitchFamily="34" charset="-122"/>
-              <a:sym typeface="+mn-ea"/>
-            </a:endParaRPr>
+              <a:t>30%</a:t>
+            </a:r>
           </a:p>
           <a:p>
             <a:pPr>
@@ -14330,32 +14138,8 @@
                 <a:cs typeface="微软雅黑" panose="020B0503020204020204" pitchFamily="34" charset="-122"/>
                 <a:sym typeface="+mn-ea"/>
               </a:rPr>
-              <a:t>5</a:t>
-            </a:r>
-            <a:r>
-              <a:rPr lang="en-US" altLang="zh-CN" sz="2800" b="1" dirty="0">
-                <a:latin typeface="微软雅黑" panose="020B0503020204020204" pitchFamily="34" charset="-122"/>
-                <a:ea typeface="微软雅黑" panose="020B0503020204020204" pitchFamily="34" charset="-122"/>
-                <a:cs typeface="微软雅黑" panose="020B0503020204020204" pitchFamily="34" charset="-122"/>
-                <a:sym typeface="+mn-ea"/>
-              </a:rPr>
-              <a:t>5</a:t>
-            </a:r>
-            <a:r>
-              <a:rPr lang="en-US" altLang="zh-CN" sz="2800" b="1" dirty="0">
-                <a:latin typeface="微软雅黑" panose="020B0503020204020204" pitchFamily="34" charset="-122"/>
-                <a:ea typeface="微软雅黑" panose="020B0503020204020204" pitchFamily="34" charset="-122"/>
-                <a:cs typeface="微软雅黑" panose="020B0503020204020204" pitchFamily="34" charset="-122"/>
-                <a:sym typeface="+mn-ea"/>
-              </a:rPr>
-              <a:t>%</a:t>
-            </a:r>
-            <a:endParaRPr lang="en-US" altLang="zh-CN" sz="2800" b="1" dirty="0">
-              <a:latin typeface="微软雅黑" panose="020B0503020204020204" pitchFamily="34" charset="-122"/>
-              <a:ea typeface="微软雅黑" panose="020B0503020204020204" pitchFamily="34" charset="-122"/>
-              <a:cs typeface="微软雅黑" panose="020B0503020204020204" pitchFamily="34" charset="-122"/>
-              <a:sym typeface="+mn-ea"/>
-            </a:endParaRPr>
+              <a:t>55%</a:t>
+            </a:r>
           </a:p>
           <a:p>
             <a:pPr>
@@ -14379,25 +14163,7 @@
                 <a:cs typeface="微软雅黑" panose="020B0503020204020204" pitchFamily="34" charset="-122"/>
                 <a:sym typeface="+mn-ea"/>
               </a:rPr>
-              <a:t>1</a:t>
-            </a:r>
-            <a:r>
-              <a:rPr lang="en-US" altLang="zh-CN" sz="2800" b="1" dirty="0">
-                <a:latin typeface="微软雅黑" panose="020B0503020204020204" pitchFamily="34" charset="-122"/>
-                <a:ea typeface="微软雅黑" panose="020B0503020204020204" pitchFamily="34" charset="-122"/>
-                <a:cs typeface="微软雅黑" panose="020B0503020204020204" pitchFamily="34" charset="-122"/>
-                <a:sym typeface="+mn-ea"/>
-              </a:rPr>
-              <a:t>5</a:t>
-            </a:r>
-            <a:r>
-              <a:rPr lang="en-US" altLang="zh-CN" sz="2800" b="1" dirty="0">
-                <a:latin typeface="微软雅黑" panose="020B0503020204020204" pitchFamily="34" charset="-122"/>
-                <a:ea typeface="微软雅黑" panose="020B0503020204020204" pitchFamily="34" charset="-122"/>
-                <a:cs typeface="微软雅黑" panose="020B0503020204020204" pitchFamily="34" charset="-122"/>
-                <a:sym typeface="+mn-ea"/>
-              </a:rPr>
-              <a:t>%</a:t>
+              <a:t>15%</a:t>
             </a:r>
             <a:endParaRPr lang="zh-CN" altLang="en-US" sz="2800" b="1">
               <a:latin typeface="微软雅黑" panose="020B0503020204020204" pitchFamily="34" charset="-122"/>
@@ -14413,13 +14179,6 @@
     <a:masterClrMapping/>
   </p:clrMapOvr>
   <p:transition/>
-  <p:timing>
-    <p:tnLst>
-      <p:par>
-        <p:cTn id="1" dur="indefinite" restart="never" nodeType="tmRoot"/>
-      </p:par>
-    </p:tnLst>
-  </p:timing>
 </p:sld>
 </file>
 
@@ -14503,13 +14262,6 @@
               </a:rPr>
               <a:t>课程介绍</a:t>
             </a:r>
-            <a:endParaRPr lang="zh-CN" altLang="en-US" sz="2800" b="1" dirty="0">
-              <a:solidFill>
-                <a:srgbClr val="FF0000"/>
-              </a:solidFill>
-              <a:latin typeface="微软雅黑" panose="020B0503020204020204" pitchFamily="34" charset="-122"/>
-              <a:ea typeface="微软雅黑" panose="020B0503020204020204" pitchFamily="34" charset="-122"/>
-            </a:endParaRPr>
           </a:p>
           <a:p>
             <a:pPr marL="457200" indent="-457200" algn="l" eaLnBrk="0" hangingPunct="0">
@@ -14575,10 +14327,6 @@
               </a:rPr>
               <a:t>语言特点</a:t>
             </a:r>
-            <a:endParaRPr lang="zh-CN" altLang="en-US" sz="2800" b="1" dirty="0">
-              <a:latin typeface="微软雅黑" panose="020B0503020204020204" pitchFamily="34" charset="-122"/>
-              <a:ea typeface="微软雅黑" panose="020B0503020204020204" pitchFamily="34" charset="-122"/>
-            </a:endParaRPr>
           </a:p>
         </p:txBody>
       </p:sp>
@@ -14751,12 +14499,6 @@
               </a:rPr>
               <a:t>内容提纲</a:t>
             </a:r>
-            <a:endParaRPr lang="zh-CN" altLang="en-US">
-              <a:solidFill>
-                <a:srgbClr val="C00000"/>
-              </a:solidFill>
-              <a:latin typeface="微软雅黑" panose="020B0503020204020204" pitchFamily="34" charset="-122"/>
-            </a:endParaRPr>
           </a:p>
         </p:txBody>
       </p:sp>
@@ -14778,7 +14520,14 @@
         <p:cNvGrpSpPr/>
         <p:nvPr/>
       </p:nvGrpSpPr>
-      <p:grpSpPr/>
+      <p:grpSpPr>
+        <a:xfrm>
+          <a:off x="0" y="0"/>
+          <a:ext cx="0" cy="0"/>
+          <a:chOff x="0" y="0"/>
+          <a:chExt cx="0" cy="0"/>
+        </a:xfrm>
+      </p:grpSpPr>
       <p:sp>
         <p:nvSpPr>
           <p:cNvPr id="2" name="内容占位符 1"/>
@@ -14792,6 +14541,7 @@
         <p:spPr/>
         <p:txBody>
           <a:bodyPr/>
+          <a:lstStyle/>
           <a:p>
             <a:r>
               <a:rPr lang="en-US" altLang="zh-CN"/>
@@ -14801,7 +14551,6 @@
               <a:rPr lang="zh-CN" altLang="en-US"/>
               <a:t>前导课程</a:t>
             </a:r>
-            <a:endParaRPr lang="zh-CN" altLang="en-US"/>
           </a:p>
           <a:p>
             <a:pPr lvl="1"/>
@@ -14810,7 +14559,7 @@
               <a:t> </a:t>
             </a:r>
             <a:r>
-              <a:rPr lang="en-US" altLang="zh-CN" dirty="0" smtClean="0">
+              <a:rPr lang="en-US" altLang="zh-CN" dirty="0">
                 <a:solidFill>
                   <a:schemeClr val="tx1"/>
                 </a:solidFill>
@@ -14819,7 +14568,7 @@
               <a:t>Web</a:t>
             </a:r>
             <a:r>
-              <a:rPr lang="zh-CN" altLang="en-US" dirty="0" smtClean="0">
+              <a:rPr lang="zh-CN" altLang="en-US" dirty="0">
                 <a:solidFill>
                   <a:schemeClr val="tx1"/>
                 </a:solidFill>
@@ -14828,7 +14577,7 @@
               <a:t>开发（一）：</a:t>
             </a:r>
             <a:r>
-              <a:rPr lang="en-US" altLang="zh-CN" dirty="0" smtClean="0">
+              <a:rPr lang="en-US" altLang="zh-CN" dirty="0">
                 <a:solidFill>
                   <a:schemeClr val="tx1"/>
                 </a:solidFill>
@@ -14837,7 +14586,7 @@
               <a:t>HTML</a:t>
             </a:r>
             <a:r>
-              <a:rPr lang="zh-CN" altLang="en-US" dirty="0" smtClean="0">
+              <a:rPr lang="zh-CN" altLang="en-US" dirty="0">
                 <a:solidFill>
                   <a:schemeClr val="tx1"/>
                 </a:solidFill>
@@ -14846,7 +14595,7 @@
               <a:t>、</a:t>
             </a:r>
             <a:r>
-              <a:rPr lang="en-US" altLang="zh-CN" dirty="0" smtClean="0">
+              <a:rPr lang="en-US" altLang="zh-CN" dirty="0">
                 <a:solidFill>
                   <a:schemeClr val="tx1"/>
                 </a:solidFill>
@@ -14854,7 +14603,38 @@
               </a:rPr>
               <a:t>CSS</a:t>
             </a:r>
-            <a:endParaRPr lang="en-US" altLang="zh-CN" dirty="0" smtClean="0">
+          </a:p>
+          <a:p>
+            <a:pPr lvl="1"/>
+            <a:r>
+              <a:rPr lang="en-US" altLang="zh-CN" dirty="0">
+                <a:solidFill>
+                  <a:schemeClr val="tx1"/>
+                </a:solidFill>
+                <a:sym typeface="+mn-ea"/>
+              </a:rPr>
+              <a:t> </a:t>
+            </a:r>
+            <a:r>
+              <a:rPr lang="zh-CN" altLang="en-US" dirty="0">
+                <a:solidFill>
+                  <a:schemeClr val="tx1"/>
+                </a:solidFill>
+                <a:sym typeface="+mn-ea"/>
+              </a:rPr>
+              <a:t>Web开发（二）：</a:t>
+            </a:r>
+            <a:r>
+              <a:rPr lang="en-US" altLang="zh-CN" dirty="0">
+                <a:solidFill>
+                  <a:schemeClr val="tx1"/>
+                </a:solidFill>
+                <a:cs typeface="+mn-ea"/>
+                <a:sym typeface="+mn-ea"/>
+              </a:rPr>
+              <a:t>JavaScript 基础</a:t>
+            </a:r>
+            <a:endParaRPr lang="zh-CN" altLang="en-US" dirty="0">
               <a:solidFill>
                 <a:schemeClr val="tx1"/>
               </a:solidFill>
@@ -14862,88 +14642,42 @@
             </a:endParaRPr>
           </a:p>
           <a:p>
+            <a:pPr lvl="0"/>
+            <a:r>
+              <a:rPr lang="en-US" altLang="zh-CN" dirty="0">
+                <a:solidFill>
+                  <a:srgbClr val="FF0000"/>
+                </a:solidFill>
+                <a:sym typeface="+mn-ea"/>
+              </a:rPr>
+              <a:t> </a:t>
+            </a:r>
+            <a:r>
+              <a:rPr lang="zh-CN" altLang="en-US">
+                <a:sym typeface="+mn-ea"/>
+              </a:rPr>
+              <a:t>JavaScript 进阶</a:t>
+            </a:r>
+          </a:p>
+          <a:p>
             <a:pPr lvl="1"/>
             <a:r>
-              <a:rPr lang="en-US" altLang="zh-CN" dirty="0" smtClean="0">
-                <a:solidFill>
-                  <a:schemeClr val="tx1"/>
-                </a:solidFill>
-                <a:sym typeface="+mn-ea"/>
-              </a:rPr>
-              <a:t> </a:t>
-            </a:r>
-            <a:r>
-              <a:rPr lang="zh-CN" altLang="en-US" dirty="0" smtClean="0">
-                <a:solidFill>
-                  <a:schemeClr val="tx1"/>
-                </a:solidFill>
-                <a:sym typeface="+mn-ea"/>
-              </a:rPr>
-              <a:t>Web开发（二）：</a:t>
-            </a:r>
-            <a:r>
-              <a:rPr lang="en-US" altLang="zh-CN" dirty="0" smtClean="0">
-                <a:solidFill>
-                  <a:schemeClr val="tx1"/>
-                </a:solidFill>
-                <a:cs typeface="+mn-ea"/>
-                <a:sym typeface="+mn-ea"/>
-              </a:rPr>
-              <a:t>JavaScript 基础</a:t>
-            </a:r>
-            <a:endParaRPr lang="zh-CN" altLang="en-US" dirty="0" smtClean="0">
-              <a:solidFill>
-                <a:schemeClr val="tx1"/>
-              </a:solidFill>
-              <a:sym typeface="+mn-ea"/>
-            </a:endParaRPr>
-          </a:p>
-          <a:p>
-            <a:pPr lvl="0"/>
-            <a:r>
-              <a:rPr lang="en-US" altLang="zh-CN" dirty="0" smtClean="0">
-                <a:solidFill>
-                  <a:srgbClr val="FF0000"/>
-                </a:solidFill>
-                <a:sym typeface="+mn-ea"/>
-              </a:rPr>
-              <a:t> </a:t>
-            </a:r>
-            <a:r>
               <a:rPr lang="zh-CN" altLang="en-US">
                 <a:sym typeface="+mn-ea"/>
               </a:rPr>
-              <a:t>JavaScript 进阶</a:t>
+              <a:t> 课时： </a:t>
+            </a:r>
+            <a:r>
+              <a:rPr lang="en-US" altLang="zh-CN">
+                <a:sym typeface="+mn-ea"/>
+              </a:rPr>
+              <a:t>16*4</a:t>
             </a:r>
             <a:endParaRPr lang="zh-CN" altLang="en-US">
               <a:sym typeface="+mn-ea"/>
             </a:endParaRPr>
           </a:p>
           <a:p>
-            <a:pPr lvl="1"/>
-            <a:r>
-              <a:rPr lang="zh-CN" altLang="en-US">
-                <a:sym typeface="+mn-ea"/>
-              </a:rPr>
-              <a:t> 课时：</a:t>
-            </a:r>
-            <a:r>
-              <a:rPr lang="zh-CN" altLang="en-US">
-                <a:sym typeface="+mn-ea"/>
-              </a:rPr>
-              <a:t> </a:t>
-            </a:r>
-            <a:r>
-              <a:rPr lang="en-US" altLang="zh-CN">
-                <a:sym typeface="+mn-ea"/>
-              </a:rPr>
-              <a:t>16*4</a:t>
-            </a:r>
-            <a:endParaRPr lang="zh-CN" altLang="en-US">
-              <a:sym typeface="+mn-ea"/>
-            </a:endParaRPr>
-          </a:p>
-          <a:p>
             <a:pPr lvl="0"/>
             <a:r>
               <a:rPr lang="zh-CN" altLang="en-US">
@@ -14958,7 +14692,7 @@
           <a:p>
             <a:pPr lvl="1"/>
             <a:r>
-              <a:rPr kumimoji="0" lang="zh-CN" altLang="en-US" dirty="0" smtClean="0">
+              <a:rPr kumimoji="0" lang="zh-CN" altLang="en-US" dirty="0">
                 <a:solidFill>
                   <a:schemeClr val="tx1"/>
                 </a:solidFill>
@@ -14967,7 +14701,7 @@
               <a:t> 微信小程序</a:t>
             </a:r>
             <a:r>
-              <a:rPr kumimoji="0" lang="en-US" altLang="zh-CN" dirty="0" smtClean="0">
+              <a:rPr kumimoji="0" lang="en-US" altLang="zh-CN" dirty="0">
                 <a:solidFill>
                   <a:schemeClr val="tx1"/>
                 </a:solidFill>
@@ -14976,7 +14710,7 @@
               <a:t>/</a:t>
             </a:r>
             <a:r>
-              <a:rPr kumimoji="0" lang="zh-CN" altLang="en-US" dirty="0" smtClean="0">
+              <a:rPr kumimoji="0" lang="zh-CN" altLang="en-US" dirty="0">
                 <a:solidFill>
                   <a:schemeClr val="tx1"/>
                 </a:solidFill>
@@ -14985,7 +14719,7 @@
               <a:t>公众号  后端开发   混合</a:t>
             </a:r>
             <a:r>
-              <a:rPr kumimoji="0" lang="en-US" altLang="zh-CN" dirty="0" smtClean="0">
+              <a:rPr kumimoji="0" lang="en-US" altLang="zh-CN" dirty="0">
                 <a:solidFill>
                   <a:schemeClr val="tx1"/>
                 </a:solidFill>
@@ -14994,7 +14728,7 @@
               <a:t>App</a:t>
             </a:r>
             <a:r>
-              <a:rPr kumimoji="0" lang="zh-CN" altLang="en-US" dirty="0" smtClean="0">
+              <a:rPr kumimoji="0" lang="zh-CN" altLang="en-US" dirty="0">
                 <a:solidFill>
                   <a:schemeClr val="tx1"/>
                 </a:solidFill>
@@ -15002,16 +14736,10 @@
               </a:rPr>
               <a:t>开发</a:t>
             </a:r>
-            <a:endParaRPr kumimoji="0" lang="zh-CN" altLang="en-US" dirty="0" smtClean="0">
-              <a:solidFill>
-                <a:schemeClr val="tx1"/>
-              </a:solidFill>
-              <a:cs typeface="+mn-ea"/>
-            </a:endParaRPr>
           </a:p>
           <a:p>
             <a:pPr lvl="1"/>
-            <a:endParaRPr kumimoji="0" lang="en-US" altLang="zh-CN" dirty="0" smtClean="0">
+            <a:endParaRPr kumimoji="0" lang="en-US" altLang="zh-CN" dirty="0">
               <a:solidFill>
                 <a:schemeClr val="tx1"/>
               </a:solidFill>
@@ -15041,15 +14769,16 @@
         <p:spPr/>
         <p:txBody>
           <a:bodyPr/>
-          <a:p>
-            <a:r>
-              <a:rPr lang="en-US" altLang="zh-CN" dirty="0" smtClean="0">
+          <a:lstStyle/>
+          <a:p>
+            <a:r>
+              <a:rPr lang="en-US" altLang="zh-CN" dirty="0">
                 <a:sym typeface="+mn-ea"/>
               </a:rPr>
               <a:t>H5</a:t>
             </a:r>
             <a:r>
-              <a:rPr lang="zh-CN" altLang="en-US" dirty="0" smtClean="0">
+              <a:rPr lang="zh-CN" altLang="en-US" dirty="0">
                 <a:sym typeface="+mn-ea"/>
               </a:rPr>
               <a:t>方向课程体系介绍</a:t>
@@ -15064,13 +14793,6 @@
     <a:masterClrMapping/>
   </p:clrMapOvr>
   <p:transition/>
-  <p:timing>
-    <p:tnLst>
-      <p:par>
-        <p:cTn id="1" dur="indefinite" restart="never" nodeType="tmRoot"/>
-      </p:par>
-    </p:tnLst>
-  </p:timing>
 </p:sld>
 </file>
 
@@ -15083,7 +14805,14 @@
         <p:cNvGrpSpPr/>
         <p:nvPr/>
       </p:nvGrpSpPr>
-      <p:grpSpPr/>
+      <p:grpSpPr>
+        <a:xfrm>
+          <a:off x="0" y="0"/>
+          <a:ext cx="0" cy="0"/>
+          <a:chOff x="0" y="0"/>
+          <a:chExt cx="0" cy="0"/>
+        </a:xfrm>
+      </p:grpSpPr>
       <p:sp>
         <p:nvSpPr>
           <p:cNvPr id="2" name="内容占位符 1"/>
@@ -15097,6 +14826,7 @@
         <p:spPr/>
         <p:txBody>
           <a:bodyPr/>
+          <a:lstStyle/>
           <a:p>
             <a:r>
               <a:rPr lang="en-US" altLang="zh-CN"/>
@@ -15108,9 +14838,6 @@
               </a:rPr>
               <a:t>ECMAScript（ES）是 JavaScript 的语法标准</a:t>
             </a:r>
-            <a:endParaRPr lang="zh-CN" altLang="en-US">
-              <a:sym typeface="+mn-ea"/>
-            </a:endParaRPr>
           </a:p>
           <a:p>
             <a:endParaRPr lang="zh-CN" altLang="en-US" dirty="0">
@@ -15191,12 +14918,6 @@
               </a:rPr>
               <a:t>ES5</a:t>
             </a:r>
-            <a:endParaRPr lang="en-US" altLang="zh-CN" dirty="0">
-              <a:solidFill>
-                <a:schemeClr val="tx1"/>
-              </a:solidFill>
-              <a:sym typeface="+mn-ea"/>
-            </a:endParaRPr>
           </a:p>
           <a:p>
             <a:pPr lvl="1"/>
@@ -15207,16 +14928,7 @@
                 </a:solidFill>
                 <a:sym typeface="+mn-ea"/>
               </a:rPr>
-              <a:t> </a:t>
-            </a:r>
-            <a:r>
-              <a:rPr lang="en-US" altLang="zh-CN" dirty="0">
-                <a:solidFill>
-                  <a:schemeClr val="tx1"/>
-                </a:solidFill>
-                <a:sym typeface="+mn-ea"/>
-              </a:rPr>
-              <a:t>ES6</a:t>
+              <a:t> ES6</a:t>
             </a:r>
             <a:r>
               <a:rPr lang="zh-CN" altLang="en-US" dirty="0">
@@ -15307,7 +15019,7 @@
                 <a:sym typeface="+mn-ea"/>
               </a:rPr>
             </a:br>
-            <a:endParaRPr kumimoji="0" lang="zh-CN" altLang="en-US" dirty="0" smtClean="0">
+            <a:endParaRPr kumimoji="0" lang="zh-CN" altLang="en-US" dirty="0">
               <a:solidFill>
                 <a:schemeClr val="tx1"/>
               </a:solidFill>
@@ -15316,7 +15028,7 @@
           </a:p>
           <a:p>
             <a:pPr lvl="1"/>
-            <a:endParaRPr kumimoji="0" lang="en-US" altLang="zh-CN" dirty="0" smtClean="0">
+            <a:endParaRPr kumimoji="0" lang="en-US" altLang="zh-CN" dirty="0">
               <a:solidFill>
                 <a:schemeClr val="tx1"/>
               </a:solidFill>
@@ -15346,6 +15058,7 @@
         <p:spPr/>
         <p:txBody>
           <a:bodyPr/>
+          <a:lstStyle/>
           <a:p>
             <a:r>
               <a:rPr lang="zh-CN" altLang="en-US">
@@ -15353,7 +15066,7 @@
               </a:rPr>
               <a:t>ECMAScript</a:t>
             </a:r>
-            <a:endParaRPr lang="zh-CN" altLang="en-US" dirty="0" smtClean="0">
+            <a:endParaRPr lang="zh-CN" altLang="en-US" dirty="0">
               <a:sym typeface="+mn-ea"/>
             </a:endParaRPr>
           </a:p>
@@ -15368,7 +15081,7 @@
           <p:nvPr/>
         </p:nvPicPr>
         <p:blipFill>
-          <a:blip r:embed="rId1"/>
+          <a:blip r:embed="rId2"/>
           <a:srcRect/>
           <a:stretch>
             <a:fillRect/>
@@ -15390,13 +15103,6 @@
     <a:masterClrMapping/>
   </p:clrMapOvr>
   <p:transition/>
-  <p:timing>
-    <p:tnLst>
-      <p:par>
-        <p:cTn id="1" dur="indefinite" restart="never" nodeType="tmRoot"/>
-      </p:par>
-    </p:tnLst>
-  </p:timing>
 </p:sld>
 </file>
 
@@ -15409,7 +15115,14 @@
         <p:cNvGrpSpPr/>
         <p:nvPr/>
       </p:nvGrpSpPr>
-      <p:grpSpPr/>
+      <p:grpSpPr>
+        <a:xfrm>
+          <a:off x="0" y="0"/>
+          <a:ext cx="0" cy="0"/>
+          <a:chOff x="0" y="0"/>
+          <a:chExt cx="0" cy="0"/>
+        </a:xfrm>
+      </p:grpSpPr>
       <p:sp>
         <p:nvSpPr>
           <p:cNvPr id="2" name="内容占位符 1"/>
@@ -15423,6 +15136,7 @@
         <p:spPr/>
         <p:txBody>
           <a:bodyPr/>
+          <a:lstStyle/>
           <a:p>
             <a:r>
               <a:rPr lang="en-US" altLang="zh-CN"/>
@@ -15471,12 +15185,6 @@
               </a:rPr>
               <a:t>）、正则表达式</a:t>
             </a:r>
-            <a:endParaRPr lang="zh-CN" altLang="en-US">
-              <a:solidFill>
-                <a:schemeClr val="tx1"/>
-              </a:solidFill>
-              <a:sym typeface="+mn-ea"/>
-            </a:endParaRPr>
           </a:p>
           <a:p>
             <a:pPr lvl="1"/>
@@ -15516,12 +15224,6 @@
               </a:rPr>
               <a:t>this</a:t>
             </a:r>
-            <a:endParaRPr lang="en-US" altLang="zh-CN">
-              <a:solidFill>
-                <a:schemeClr val="tx1"/>
-              </a:solidFill>
-              <a:sym typeface="+mn-ea"/>
-            </a:endParaRPr>
           </a:p>
           <a:p>
             <a:pPr lvl="1"/>
@@ -15543,12 +15245,6 @@
               </a:rPr>
               <a:t>对象属性特性、对象原型、原型继承</a:t>
             </a:r>
-            <a:endParaRPr lang="zh-CN" altLang="en-US">
-              <a:solidFill>
-                <a:schemeClr val="tx1"/>
-              </a:solidFill>
-              <a:sym typeface="+mn-ea"/>
-            </a:endParaRPr>
           </a:p>
           <a:p>
             <a:pPr lvl="1"/>
@@ -15665,17 +15361,12 @@
             </a:r>
             <a:r>
               <a:rPr lang="en-US" altLang="zh-CN"/>
-              <a:t>25</a:t>
-            </a:r>
-            <a:r>
-              <a:rPr lang="en-US" altLang="zh-CN"/>
-              <a:t>%</a:t>
+              <a:t>25%</a:t>
             </a:r>
             <a:r>
               <a:rPr lang="zh-CN" altLang="en-US"/>
               <a:t>）</a:t>
             </a:r>
-            <a:endParaRPr lang="zh-CN" altLang="en-US"/>
           </a:p>
           <a:p>
             <a:pPr lvl="1"/>
@@ -15715,12 +15406,6 @@
               </a:rPr>
               <a:t>、解构赋值、函数扩展、内置对象扩展</a:t>
             </a:r>
-            <a:endParaRPr lang="zh-CN" altLang="en-US">
-              <a:solidFill>
-                <a:schemeClr val="tx1"/>
-              </a:solidFill>
-              <a:sym typeface="+mn-ea"/>
-            </a:endParaRPr>
           </a:p>
           <a:p>
             <a:pPr lvl="1"/>
@@ -15857,18 +15542,13 @@
         <p:spPr/>
         <p:txBody>
           <a:bodyPr/>
-          <a:p>
-            <a:r>
-              <a:rPr lang="zh-CN" altLang="en-US" dirty="0" smtClean="0">
-                <a:sym typeface="+mn-ea"/>
-              </a:rPr>
-              <a:t>课程</a:t>
-            </a:r>
-            <a:r>
-              <a:rPr lang="zh-CN" altLang="en-US" dirty="0" smtClean="0">
-                <a:sym typeface="+mn-ea"/>
-              </a:rPr>
-              <a:t>内容</a:t>
+          <a:lstStyle/>
+          <a:p>
+            <a:r>
+              <a:rPr lang="zh-CN" altLang="en-US" dirty="0">
+                <a:sym typeface="+mn-ea"/>
+              </a:rPr>
+              <a:t>课程内容</a:t>
             </a:r>
             <a:endParaRPr lang="zh-CN" altLang="en-US"/>
           </a:p>
@@ -15892,7 +15572,14 @@
         <p:cNvGrpSpPr/>
         <p:nvPr/>
       </p:nvGrpSpPr>
-      <p:grpSpPr/>
+      <p:grpSpPr>
+        <a:xfrm>
+          <a:off x="0" y="0"/>
+          <a:ext cx="0" cy="0"/>
+          <a:chOff x="0" y="0"/>
+          <a:chExt cx="0" cy="0"/>
+        </a:xfrm>
+      </p:grpSpPr>
       <p:sp>
         <p:nvSpPr>
           <p:cNvPr id="3" name="内容占位符 2"/>
@@ -15906,24 +15593,13 @@
         <p:spPr/>
         <p:txBody>
           <a:bodyPr/>
-          <a:p>
-            <a:r>
-              <a:rPr lang="zh-CN" altLang="en-US" dirty="0" smtClean="0">
-                <a:sym typeface="+mn-ea"/>
-              </a:rPr>
-              <a:t>课</a:t>
-            </a:r>
-            <a:r>
-              <a:rPr lang="zh-CN" altLang="en-US" dirty="0" smtClean="0">
-                <a:sym typeface="+mn-ea"/>
-              </a:rPr>
-              <a:t>程</a:t>
-            </a:r>
-            <a:r>
-              <a:rPr lang="zh-CN" altLang="en-US" dirty="0" smtClean="0">
-                <a:sym typeface="+mn-ea"/>
-              </a:rPr>
-              <a:t>内容</a:t>
+          <a:lstStyle/>
+          <a:p>
+            <a:r>
+              <a:rPr lang="zh-CN" altLang="en-US" dirty="0">
+                <a:sym typeface="+mn-ea"/>
+              </a:rPr>
+              <a:t>课程内容</a:t>
             </a:r>
             <a:endParaRPr lang="zh-CN" altLang="en-US" dirty="0"/>
           </a:p>
@@ -15941,7 +15617,7 @@
           <p:nvPr/>
         </p:nvPicPr>
         <p:blipFill>
-          <a:blip r:embed="rId1"/>
+          <a:blip r:embed="rId2"/>
           <a:srcRect b="8488"/>
           <a:stretch>
             <a:fillRect/>
@@ -15963,13 +15639,6 @@
     <a:masterClrMapping/>
   </p:clrMapOvr>
   <p:transition/>
-  <p:timing>
-    <p:tnLst>
-      <p:par>
-        <p:cTn id="1" dur="indefinite" restart="never" nodeType="tmRoot"/>
-      </p:par>
-    </p:tnLst>
-  </p:timing>
 </p:sld>
 </file>
 
@@ -15982,7 +15651,14 @@
         <p:cNvGrpSpPr/>
         <p:nvPr/>
       </p:nvGrpSpPr>
-      <p:grpSpPr/>
+      <p:grpSpPr>
+        <a:xfrm>
+          <a:off x="0" y="0"/>
+          <a:ext cx="0" cy="0"/>
+          <a:chOff x="0" y="0"/>
+          <a:chExt cx="0" cy="0"/>
+        </a:xfrm>
+      </p:grpSpPr>
       <p:sp>
         <p:nvSpPr>
           <p:cNvPr id="2" name="内容占位符 1"/>
@@ -15996,6 +15672,7 @@
         <p:spPr/>
         <p:txBody>
           <a:bodyPr/>
+          <a:lstStyle/>
           <a:p>
             <a:r>
               <a:rPr lang="en-US" altLang="zh-CN"/>
@@ -16010,7 +15687,7 @@
           <a:p>
             <a:pPr lvl="1"/>
             <a:r>
-              <a:rPr lang="en-US" altLang="zh-CN" sz="2400" dirty="0" smtClean="0">
+              <a:rPr lang="en-US" altLang="zh-CN" sz="2400" dirty="0">
                 <a:solidFill>
                   <a:schemeClr val="tx1"/>
                 </a:solidFill>
@@ -16019,7 +15696,7 @@
               <a:t>《</a:t>
             </a:r>
             <a:r>
-              <a:rPr lang="zh-CN" altLang="en-US" sz="2400" dirty="0" smtClean="0">
+              <a:rPr lang="zh-CN" altLang="en-US" sz="2400" dirty="0">
                 <a:solidFill>
                   <a:schemeClr val="tx1"/>
                 </a:solidFill>
@@ -16028,7 +15705,7 @@
               <a:t>深入理解</a:t>
             </a:r>
             <a:r>
-              <a:rPr lang="en-US" altLang="zh-CN" sz="2400" dirty="0" smtClean="0">
+              <a:rPr lang="en-US" altLang="zh-CN" sz="2400" dirty="0">
                 <a:solidFill>
                   <a:schemeClr val="tx1"/>
                 </a:solidFill>
@@ -16036,17 +15713,11 @@
               </a:rPr>
               <a:t>JavaScript》</a:t>
             </a:r>
-            <a:endParaRPr lang="en-US" altLang="zh-CN" sz="2400" dirty="0" smtClean="0">
-              <a:solidFill>
-                <a:schemeClr val="tx1"/>
-              </a:solidFill>
-              <a:sym typeface="+mn-ea"/>
-            </a:endParaRPr>
           </a:p>
           <a:p>
             <a:pPr lvl="1"/>
             <a:r>
-              <a:rPr lang="zh-CN" altLang="zh-CN" sz="2400" dirty="0" smtClean="0">
+              <a:rPr lang="zh-CN" altLang="zh-CN" sz="2400" dirty="0">
                 <a:solidFill>
                   <a:schemeClr val="tx1"/>
                 </a:solidFill>
@@ -16055,7 +15726,7 @@
               <a:t>《</a:t>
             </a:r>
             <a:r>
-              <a:rPr lang="en-US" altLang="zh-CN" sz="2400" dirty="0" smtClean="0">
+              <a:rPr lang="en-US" altLang="zh-CN" sz="2400" dirty="0">
                 <a:solidFill>
                   <a:schemeClr val="tx1"/>
                 </a:solidFill>
@@ -16081,17 +15752,11 @@
               </a:rPr>
               <a:t>》</a:t>
             </a:r>
-            <a:endParaRPr lang="en-US" altLang="zh-CN" sz="2400" dirty="0">
-              <a:solidFill>
-                <a:schemeClr val="tx1"/>
-              </a:solidFill>
-              <a:sym typeface="+mn-ea"/>
-            </a:endParaRPr>
           </a:p>
           <a:p>
             <a:pPr lvl="1"/>
             <a:r>
-              <a:rPr lang="zh-CN" altLang="zh-CN" sz="2400" dirty="0" smtClean="0">
+              <a:rPr lang="zh-CN" altLang="zh-CN" sz="2400" dirty="0">
                 <a:solidFill>
                   <a:schemeClr val="tx1"/>
                 </a:solidFill>
@@ -16100,7 +15765,7 @@
               <a:t>《</a:t>
             </a:r>
             <a:r>
-              <a:rPr lang="zh-CN" altLang="en-US" sz="2400" dirty="0" smtClean="0">
+              <a:rPr lang="zh-CN" altLang="en-US" sz="2400" dirty="0">
                 <a:solidFill>
                   <a:schemeClr val="tx1"/>
                 </a:solidFill>
@@ -16117,12 +15782,6 @@
               </a:rPr>
               <a:t>》</a:t>
             </a:r>
-            <a:endParaRPr lang="en-US" altLang="zh-CN" sz="2400" dirty="0">
-              <a:solidFill>
-                <a:schemeClr val="tx1"/>
-              </a:solidFill>
-              <a:sym typeface="+mn-ea"/>
-            </a:endParaRPr>
           </a:p>
           <a:p>
             <a:pPr lvl="1"/>
@@ -16150,9 +15809,6 @@
               </a:rPr>
               <a:t> 使用软件</a:t>
             </a:r>
-            <a:endParaRPr lang="zh-CN" altLang="en-US">
-              <a:sym typeface="+mn-ea"/>
-            </a:endParaRPr>
           </a:p>
           <a:p>
             <a:pPr lvl="1"/>
@@ -16196,6 +15852,7 @@
         <p:spPr/>
         <p:txBody>
           <a:bodyPr/>
+          <a:lstStyle/>
           <a:p>
             <a:r>
               <a:rPr lang="zh-CN" altLang="en-US" dirty="0">
@@ -16219,7 +15876,7 @@
           <p:nvPr/>
         </p:nvPicPr>
         <p:blipFill>
-          <a:blip r:embed="rId1">
+          <a:blip r:embed="rId2">
             <a:extLst>
               <a:ext uri="{28A0092B-C50C-407E-A947-70E740481C1C}">
                 <a14:useLocalDpi xmlns:a14="http://schemas.microsoft.com/office/drawing/2010/main" val="0"/>
@@ -16273,7 +15930,7 @@
           <p:nvPr/>
         </p:nvPicPr>
         <p:blipFill>
-          <a:blip r:embed="rId2"/>
+          <a:blip r:embed="rId3"/>
           <a:srcRect l="13855" t="6774" r="16002" b="7641"/>
           <a:stretch>
             <a:fillRect/>
@@ -16299,45 +15956,49 @@
 </file>
 
 <file path=ppt/tags/tag1.xml><?xml version="1.0" encoding="utf-8"?>
-<p:tagLst xmlns:p="http://schemas.openxmlformats.org/presentationml/2006/main">
-  <p:tag name="KSO_WM_SLIDE_MODEL_TYPE" val="timeline"/>
+<p:tagLst xmlns:a="http://schemas.openxmlformats.org/drawingml/2006/main" xmlns:r="http://schemas.openxmlformats.org/officeDocument/2006/relationships" xmlns:p="http://schemas.openxmlformats.org/presentationml/2006/main">
+  <p:tag name="KSO_WM_DOC_GUID" val="{870e14bc-766a-48b4-b8a9-4b9c64e8763d}"/>
 </p:tagLst>
 </file>
 
 <file path=ppt/tags/tag10.xml><?xml version="1.0" encoding="utf-8"?>
-<p:tagLst xmlns:p="http://schemas.openxmlformats.org/presentationml/2006/main">
+<p:tagLst xmlns:a="http://schemas.openxmlformats.org/drawingml/2006/main" xmlns:r="http://schemas.openxmlformats.org/officeDocument/2006/relationships" xmlns:p="http://schemas.openxmlformats.org/presentationml/2006/main">
+  <p:tag name="RAINPROBLEM" val="ProblemItem"/>
+</p:tagLst>
+</file>
+
+<file path=ppt/tags/tag11.xml><?xml version="1.0" encoding="utf-8"?>
+<p:tagLst xmlns:a="http://schemas.openxmlformats.org/drawingml/2006/main" xmlns:r="http://schemas.openxmlformats.org/officeDocument/2006/relationships" xmlns:p="http://schemas.openxmlformats.org/presentationml/2006/main">
   <p:tag name="RAINPROBLEM" val="ProblemBullet"/>
   <p:tag name="RAINPROBLEMTYPE" val="MultipleChoiceMA"/>
   <p:tag name="RAINBULLET" val="Wrong"/>
 </p:tagLst>
 </file>
 
-<file path=ppt/tags/tag11.xml><?xml version="1.0" encoding="utf-8"?>
-<p:tagLst xmlns:p="http://schemas.openxmlformats.org/presentationml/2006/main">
-  <p:tag name="RAINPROBLEMTYPE" val="ProblemTypeMarker"/>
-</p:tagLst>
-</file>
-
 <file path=ppt/tags/tag12.xml><?xml version="1.0" encoding="utf-8"?>
-<p:tagLst xmlns:p="http://schemas.openxmlformats.org/presentationml/2006/main">
-  <p:tag name="RAINPROBLEMTYPE" val="ProblemTypeMarker"/>
+<p:tagLst xmlns:a="http://schemas.openxmlformats.org/drawingml/2006/main" xmlns:r="http://schemas.openxmlformats.org/officeDocument/2006/relationships" xmlns:p="http://schemas.openxmlformats.org/presentationml/2006/main">
+  <p:tag name="RAINPROBLEM" val="ProblemBullet"/>
+  <p:tag name="RAINPROBLEMTYPE" val="MultipleChoiceMA"/>
+  <p:tag name="RAINBULLET" val="Wrong"/>
 </p:tagLst>
 </file>
 
 <file path=ppt/tags/tag13.xml><?xml version="1.0" encoding="utf-8"?>
-<p:tagLst xmlns:p="http://schemas.openxmlformats.org/presentationml/2006/main">
+<p:tagLst xmlns:a="http://schemas.openxmlformats.org/drawingml/2006/main" xmlns:r="http://schemas.openxmlformats.org/officeDocument/2006/relationships" xmlns:p="http://schemas.openxmlformats.org/presentationml/2006/main">
   <p:tag name="RAINPROBLEMTYPE" val="ProblemTypeMarker"/>
 </p:tagLst>
 </file>
 
 <file path=ppt/tags/tag14.xml><?xml version="1.0" encoding="utf-8"?>
-<p:tagLst xmlns:p="http://schemas.openxmlformats.org/presentationml/2006/main">
-  <p:tag name="RAINPROBLEMTYPE" val="ProblemTypeMarker"/>
+<p:tagLst xmlns:a="http://schemas.openxmlformats.org/drawingml/2006/main" xmlns:r="http://schemas.openxmlformats.org/officeDocument/2006/relationships" xmlns:p="http://schemas.openxmlformats.org/presentationml/2006/main">
+  <p:tag name="RAINPROBLEM" val="ProblemBullet"/>
+  <p:tag name="RAINPROBLEMTYPE" val="MultipleChoiceMA"/>
+  <p:tag name="RAINBULLET" val="Wrong"/>
 </p:tagLst>
 </file>
 
 <file path=ppt/tags/tag15.xml><?xml version="1.0" encoding="utf-8"?>
-<p:tagLst xmlns:p="http://schemas.openxmlformats.org/presentationml/2006/main">
+<p:tagLst xmlns:a="http://schemas.openxmlformats.org/drawingml/2006/main" xmlns:r="http://schemas.openxmlformats.org/officeDocument/2006/relationships" xmlns:p="http://schemas.openxmlformats.org/presentationml/2006/main">
   <p:tag name="RAINPROBLEM" val="ProblemBullet"/>
   <p:tag name="RAINPROBLEMTYPE" val="MultipleChoiceMA"/>
   <p:tag name="RAINBULLET" val="Wrong"/>
@@ -16345,80 +16006,76 @@
 </file>
 
 <file path=ppt/tags/tag16.xml><?xml version="1.0" encoding="utf-8"?>
-<p:tagLst xmlns:p="http://schemas.openxmlformats.org/presentationml/2006/main">
-  <p:tag name="RAINPROBLEM" val="ProblemBullet"/>
-  <p:tag name="RAINPROBLEMTYPE" val="MultipleChoiceMA"/>
-  <p:tag name="RAINBULLET" val="Wrong"/>
+<p:tagLst xmlns:a="http://schemas.openxmlformats.org/drawingml/2006/main" xmlns:r="http://schemas.openxmlformats.org/officeDocument/2006/relationships" xmlns:p="http://schemas.openxmlformats.org/presentationml/2006/main">
+  <p:tag name="RAINPROBLEMTYPE" val="ProblemTypeMarker"/>
 </p:tagLst>
 </file>
 
 <file path=ppt/tags/tag17.xml><?xml version="1.0" encoding="utf-8"?>
-<p:tagLst xmlns:p="http://schemas.openxmlformats.org/presentationml/2006/main">
+<p:tagLst xmlns:a="http://schemas.openxmlformats.org/drawingml/2006/main" xmlns:r="http://schemas.openxmlformats.org/officeDocument/2006/relationships" xmlns:p="http://schemas.openxmlformats.org/presentationml/2006/main">
+  <p:tag name="RAINPROBLEMTYPE" val="ProblemTypeMarker"/>
+</p:tagLst>
+</file>
+
+<file path=ppt/tags/tag18.xml><?xml version="1.0" encoding="utf-8"?>
+<p:tagLst xmlns:a="http://schemas.openxmlformats.org/drawingml/2006/main" xmlns:r="http://schemas.openxmlformats.org/officeDocument/2006/relationships" xmlns:p="http://schemas.openxmlformats.org/presentationml/2006/main">
+  <p:tag name="RAINPROBLEMTYPE" val="ProblemTypeMarker"/>
+</p:tagLst>
+</file>
+
+<file path=ppt/tags/tag19.xml><?xml version="1.0" encoding="utf-8"?>
+<p:tagLst xmlns:a="http://schemas.openxmlformats.org/drawingml/2006/main" xmlns:r="http://schemas.openxmlformats.org/officeDocument/2006/relationships" xmlns:p="http://schemas.openxmlformats.org/presentationml/2006/main">
+  <p:tag name="KSO_WM_SLIDE_MODEL_TYPE" val="timeline"/>
+</p:tagLst>
+</file>
+
+<file path=ppt/tags/tag2.xml><?xml version="1.0" encoding="utf-8"?>
+<p:tagLst xmlns:a="http://schemas.openxmlformats.org/drawingml/2006/main" xmlns:r="http://schemas.openxmlformats.org/officeDocument/2006/relationships" xmlns:p="http://schemas.openxmlformats.org/presentationml/2006/main">
+  <p:tag name="KSO_WM_SLIDE_MODEL_TYPE" val="timeline"/>
+</p:tagLst>
+</file>
+
+<file path=ppt/tags/tag3.xml><?xml version="1.0" encoding="utf-8"?>
+<p:tagLst xmlns:a="http://schemas.openxmlformats.org/drawingml/2006/main" xmlns:r="http://schemas.openxmlformats.org/officeDocument/2006/relationships" xmlns:p="http://schemas.openxmlformats.org/presentationml/2006/main">
+  <p:tag name="KSO_WM_SLIDE_MODEL_TYPE" val="timeline"/>
+</p:tagLst>
+</file>
+
+<file path=ppt/tags/tag4.xml><?xml version="1.0" encoding="utf-8"?>
+<p:tagLst xmlns:a="http://schemas.openxmlformats.org/drawingml/2006/main" xmlns:r="http://schemas.openxmlformats.org/officeDocument/2006/relationships" xmlns:p="http://schemas.openxmlformats.org/presentationml/2006/main">
+  <p:tag name="KSO_WM_SLIDE_MODEL_TYPE" val="timeline"/>
+</p:tagLst>
+</file>
+
+<file path=ppt/tags/tag5.xml><?xml version="1.0" encoding="utf-8"?>
+<p:tagLst xmlns:a="http://schemas.openxmlformats.org/drawingml/2006/main" xmlns:r="http://schemas.openxmlformats.org/officeDocument/2006/relationships" xmlns:p="http://schemas.openxmlformats.org/presentationml/2006/main">
   <p:tag name="RAINPROBLEM" val="MultipleChoiceMA"/>
   <p:tag name="PROBLEMSCORE" val="1.0"/>
   <p:tag name="PROBLEMSCORE_HALF" val="0.0"/>
 </p:tagLst>
 </file>
 
-<file path=ppt/tags/tag18.xml><?xml version="1.0" encoding="utf-8"?>
-<p:tagLst xmlns:p="http://schemas.openxmlformats.org/presentationml/2006/main">
-  <p:tag name="KSO_WM_SLIDE_MODEL_TYPE" val="timeline"/>
-</p:tagLst>
-</file>
-
-<file path=ppt/tags/tag19.xml><?xml version="1.0" encoding="utf-8"?>
-<p:tagLst xmlns:p="http://schemas.openxmlformats.org/presentationml/2006/main">
-  <p:tag name="KSO_WM_DOC_GUID" val="{870e14bc-766a-48b4-b8a9-4b9c64e8763d}"/>
-</p:tagLst>
-</file>
-
-<file path=ppt/tags/tag2.xml><?xml version="1.0" encoding="utf-8"?>
-<p:tagLst xmlns:p="http://schemas.openxmlformats.org/presentationml/2006/main">
-  <p:tag name="KSO_WM_SLIDE_MODEL_TYPE" val="timeline"/>
-</p:tagLst>
-</file>
-
-<file path=ppt/tags/tag3.xml><?xml version="1.0" encoding="utf-8"?>
-<p:tagLst xmlns:p="http://schemas.openxmlformats.org/presentationml/2006/main">
-  <p:tag name="KSO_WM_SLIDE_MODEL_TYPE" val="timeline"/>
-</p:tagLst>
-</file>
-
-<file path=ppt/tags/tag4.xml><?xml version="1.0" encoding="utf-8"?>
-<p:tagLst xmlns:p="http://schemas.openxmlformats.org/presentationml/2006/main">
+<file path=ppt/tags/tag6.xml><?xml version="1.0" encoding="utf-8"?>
+<p:tagLst xmlns:a="http://schemas.openxmlformats.org/drawingml/2006/main" xmlns:r="http://schemas.openxmlformats.org/officeDocument/2006/relationships" xmlns:p="http://schemas.openxmlformats.org/presentationml/2006/main">
   <p:tag name="RAINPROBLEM" val="ProblemBody"/>
 </p:tagLst>
 </file>
 
-<file path=ppt/tags/tag5.xml><?xml version="1.0" encoding="utf-8"?>
-<p:tagLst xmlns:p="http://schemas.openxmlformats.org/presentationml/2006/main">
-  <p:tag name="RAINPROBLEM" val="ProblemItem"/>
-</p:tagLst>
-</file>
-
-<file path=ppt/tags/tag6.xml><?xml version="1.0" encoding="utf-8"?>
-<p:tagLst xmlns:p="http://schemas.openxmlformats.org/presentationml/2006/main">
-  <p:tag name="RAINPROBLEM" val="ProblemItem"/>
-</p:tagLst>
-</file>
-
 <file path=ppt/tags/tag7.xml><?xml version="1.0" encoding="utf-8"?>
-<p:tagLst xmlns:p="http://schemas.openxmlformats.org/presentationml/2006/main">
+<p:tagLst xmlns:a="http://schemas.openxmlformats.org/drawingml/2006/main" xmlns:r="http://schemas.openxmlformats.org/officeDocument/2006/relationships" xmlns:p="http://schemas.openxmlformats.org/presentationml/2006/main">
   <p:tag name="RAINPROBLEM" val="ProblemItem"/>
 </p:tagLst>
 </file>
 
 <file path=ppt/tags/tag8.xml><?xml version="1.0" encoding="utf-8"?>
-<p:tagLst xmlns:p="http://schemas.openxmlformats.org/presentationml/2006/main">
+<p:tagLst xmlns:a="http://schemas.openxmlformats.org/drawingml/2006/main" xmlns:r="http://schemas.openxmlformats.org/officeDocument/2006/relationships" xmlns:p="http://schemas.openxmlformats.org/presentationml/2006/main">
   <p:tag name="RAINPROBLEM" val="ProblemItem"/>
 </p:tagLst>
 </file>
 
 <file path=ppt/tags/tag9.xml><?xml version="1.0" encoding="utf-8"?>
-<p:tagLst xmlns:p="http://schemas.openxmlformats.org/presentationml/2006/main">
-  <p:tag name="RAINPROBLEM" val="ProblemBullet"/>
-  <p:tag name="RAINPROBLEMTYPE" val="MultipleChoiceMA"/>
-  <p:tag name="RAINBULLET" val="Wrong"/>
+<p:tagLst xmlns:a="http://schemas.openxmlformats.org/drawingml/2006/main" xmlns:r="http://schemas.openxmlformats.org/officeDocument/2006/relationships" xmlns:p="http://schemas.openxmlformats.org/presentationml/2006/main">
+  <p:tag name="RAINPROBLEM" val="ProblemItem"/>
 </p:tagLst>
 </file>
 
@@ -16702,6 +16359,8 @@
       </a:bgFillStyleLst>
     </a:fmtScheme>
   </a:themeElements>
+  <a:objectDefaults/>
+  <a:extraClrSchemeLst/>
   <a:extLst>
     <a:ext uri="{05A4C25C-085E-4340-85A3-A5531E510DB2}">
       <thm15:themeFamily xmlns:thm15="http://schemas.microsoft.com/office/thememl/2012/main" name="Office Theme" id="{62F939B6-93AF-4DB8-9C6B-D6C7DFDC589F}" vid="{4A3C46E8-61CC-4603-A589-7422A47A8E4A}"/>
@@ -17044,6 +16703,7 @@
       </a:lstStyle>
     </a:lnDef>
   </a:objectDefaults>
+  <a:extraClrSchemeLst/>
   <a:extLst>
     <a:ext uri="{05A4C25C-085E-4340-85A3-A5531E510DB2}">
       <thm15:themeFamily xmlns:thm15="http://schemas.microsoft.com/office/thememl/2012/main" name="Office Theme" id="{62F939B6-93AF-4DB8-9C6B-D6C7DFDC589F}" vid="{4A3C46E8-61CC-4603-A589-7422A47A8E4A}"/>
@@ -17330,6 +16990,8 @@
       </a:bgFillStyleLst>
     </a:fmtScheme>
   </a:themeElements>
+  <a:objectDefaults/>
+  <a:extraClrSchemeLst/>
   <a:extLst>
     <a:ext uri="{05A4C25C-085E-4340-85A3-A5531E510DB2}">
       <thm15:themeFamily xmlns:thm15="http://schemas.microsoft.com/office/thememl/2012/main" name="Office Theme" id="{62F939B6-93AF-4DB8-9C6B-D6C7DFDC589F}" vid="{4A3C46E8-61CC-4603-A589-7422A47A8E4A}"/>
@@ -17589,6 +17251,8 @@
       </a:bgFillStyleLst>
     </a:fmtScheme>
   </a:themeElements>
+  <a:objectDefaults/>
+  <a:extraClrSchemeLst/>
   <a:extLst>
     <a:ext uri="{05A4C25C-085E-4340-85A3-A5531E510DB2}">
       <thm15:themeFamily xmlns:thm15="http://schemas.microsoft.com/office/thememl/2012/main" name="Office Theme" id="{62F939B6-93AF-4DB8-9C6B-D6C7DFDC589F}" vid="{4A3C46E8-61CC-4603-A589-7422A47A8E4A}"/>
